--- a/Sportiasts-1.pptx
+++ b/Sportiasts-1.pptx
@@ -5,7 +5,7 @@
     <p:sldMasterId id="2147483679" r:id="rId1"/>
   </p:sldMasterIdLst>
   <p:notesMasterIdLst>
-    <p:notesMasterId r:id="rId12"/>
+    <p:notesMasterId r:id="rId13"/>
   </p:notesMasterIdLst>
   <p:sldIdLst>
     <p:sldId id="256" r:id="rId2"/>
@@ -15,9 +15,10 @@
     <p:sldId id="259" r:id="rId6"/>
     <p:sldId id="260" r:id="rId7"/>
     <p:sldId id="262" r:id="rId8"/>
-    <p:sldId id="263" r:id="rId9"/>
-    <p:sldId id="261" r:id="rId10"/>
-    <p:sldId id="264" r:id="rId11"/>
+    <p:sldId id="266" r:id="rId9"/>
+    <p:sldId id="263" r:id="rId10"/>
+    <p:sldId id="261" r:id="rId11"/>
+    <p:sldId id="264" r:id="rId12"/>
   </p:sldIdLst>
   <p:sldSz cx="9144000" cy="5143500" type="screen16x9"/>
   <p:notesSz cx="6858000" cy="9144000"/>
@@ -138,7 +139,7 @@
 <file path=ppt/revisionInfo.xml><?xml version="1.0" encoding="utf-8"?>
 <p1510:revInfo xmlns:a="http://schemas.openxmlformats.org/drawingml/2006/main" xmlns:r="http://schemas.openxmlformats.org/officeDocument/2006/relationships" xmlns:p1510="http://schemas.microsoft.com/office/powerpoint/2015/10/main">
   <p1510:revLst>
-    <p1510:client id="{3DF1F239-020C-4335-9881-357081218C4B}" v="284" dt="2021-03-24T17:51:29.159"/>
+    <p1510:client id="{3DF1F239-020C-4335-9881-357081218C4B}" v="290" dt="2021-03-24T18:01:37.791"/>
   </p1510:revLst>
 </p1510:revInfo>
 </file>
@@ -148,7 +149,7 @@
   <pc:docChgLst>
     <pc:chgData name="Fred Fikter" userId="1515bd843270ac1b" providerId="LiveId" clId="{3DF1F239-020C-4335-9881-357081218C4B}"/>
     <pc:docChg chg="undo custSel addSld modSld modMainMaster">
-      <pc:chgData name="Fred Fikter" userId="1515bd843270ac1b" providerId="LiveId" clId="{3DF1F239-020C-4335-9881-357081218C4B}" dt="2021-03-24T17:52:39.494" v="1035" actId="729"/>
+      <pc:chgData name="Fred Fikter" userId="1515bd843270ac1b" providerId="LiveId" clId="{3DF1F239-020C-4335-9881-357081218C4B}" dt="2021-03-24T18:01:42.209" v="1049" actId="207"/>
       <pc:docMkLst>
         <pc:docMk/>
       </pc:docMkLst>
@@ -254,8 +255,8 @@
           </ac:graphicFrameMkLst>
         </pc:graphicFrameChg>
       </pc:sldChg>
-      <pc:sldChg chg="modSp mod">
-        <pc:chgData name="Fred Fikter" userId="1515bd843270ac1b" providerId="LiveId" clId="{3DF1F239-020C-4335-9881-357081218C4B}" dt="2021-03-24T16:35:02.451" v="1010" actId="207"/>
+      <pc:sldChg chg="modSp mod modShow">
+        <pc:chgData name="Fred Fikter" userId="1515bd843270ac1b" providerId="LiveId" clId="{3DF1F239-020C-4335-9881-357081218C4B}" dt="2021-03-24T18:01:00.669" v="1043" actId="729"/>
         <pc:sldMkLst>
           <pc:docMk/>
           <pc:sldMk cId="0" sldId="258"/>
@@ -277,8 +278,8 @@
           </ac:graphicFrameMkLst>
         </pc:graphicFrameChg>
       </pc:sldChg>
-      <pc:sldChg chg="addSp delSp modSp mod setBg setClrOvrMap">
-        <pc:chgData name="Fred Fikter" userId="1515bd843270ac1b" providerId="LiveId" clId="{3DF1F239-020C-4335-9881-357081218C4B}" dt="2021-03-24T17:44:47.701" v="1019" actId="14100"/>
+      <pc:sldChg chg="addSp delSp modSp mod setBg setClrOvrMap modShow">
+        <pc:chgData name="Fred Fikter" userId="1515bd843270ac1b" providerId="LiveId" clId="{3DF1F239-020C-4335-9881-357081218C4B}" dt="2021-03-24T18:01:03.129" v="1044" actId="729"/>
         <pc:sldMkLst>
           <pc:docMk/>
           <pc:sldMk cId="0" sldId="259"/>
@@ -388,8 +389,8 @@
           </ac:cxnSpMkLst>
         </pc:cxnChg>
       </pc:sldChg>
-      <pc:sldChg chg="addSp delSp modSp mod setBg setClrOvrMap">
-        <pc:chgData name="Fred Fikter" userId="1515bd843270ac1b" providerId="LiveId" clId="{3DF1F239-020C-4335-9881-357081218C4B}" dt="2021-03-24T16:29:03.851" v="909" actId="26606"/>
+      <pc:sldChg chg="addSp delSp modSp mod setBg setClrOvrMap modShow">
+        <pc:chgData name="Fred Fikter" userId="1515bd843270ac1b" providerId="LiveId" clId="{3DF1F239-020C-4335-9881-357081218C4B}" dt="2021-03-24T18:01:05.150" v="1045" actId="729"/>
         <pc:sldMkLst>
           <pc:docMk/>
           <pc:sldMk cId="0" sldId="260"/>
@@ -698,8 +699,8 @@
           </ac:cxnSpMkLst>
         </pc:cxnChg>
       </pc:sldChg>
-      <pc:sldChg chg="addSp delSp modSp new mod">
-        <pc:chgData name="Fred Fikter" userId="1515bd843270ac1b" providerId="LiveId" clId="{3DF1F239-020C-4335-9881-357081218C4B}" dt="2021-03-24T16:35:38.742" v="1015" actId="207"/>
+      <pc:sldChg chg="addSp delSp modSp new mod modShow">
+        <pc:chgData name="Fred Fikter" userId="1515bd843270ac1b" providerId="LiveId" clId="{3DF1F239-020C-4335-9881-357081218C4B}" dt="2021-03-24T18:01:42.209" v="1049" actId="207"/>
         <pc:sldMkLst>
           <pc:docMk/>
           <pc:sldMk cId="1569600865" sldId="262"/>
@@ -729,7 +730,7 @@
           </ac:graphicFrameMkLst>
         </pc:graphicFrameChg>
         <pc:graphicFrameChg chg="add mod modGraphic">
-          <ac:chgData name="Fred Fikter" userId="1515bd843270ac1b" providerId="LiveId" clId="{3DF1F239-020C-4335-9881-357081218C4B}" dt="2021-03-24T16:35:38.742" v="1015" actId="207"/>
+          <ac:chgData name="Fred Fikter" userId="1515bd843270ac1b" providerId="LiveId" clId="{3DF1F239-020C-4335-9881-357081218C4B}" dt="2021-03-24T18:01:42.209" v="1049" actId="207"/>
           <ac:graphicFrameMkLst>
             <pc:docMk/>
             <pc:sldMk cId="1569600865" sldId="262"/>
@@ -1141,6 +1142,29 @@
             <ac:graphicFrameMk id="63" creationId="{57348FE2-E959-4079-8DBD-7B19D97EC53D}"/>
           </ac:graphicFrameMkLst>
         </pc:graphicFrameChg>
+      </pc:sldChg>
+      <pc:sldChg chg="modSp mod modShow">
+        <pc:chgData name="Fred Fikter" userId="1515bd843270ac1b" providerId="LiveId" clId="{3DF1F239-020C-4335-9881-357081218C4B}" dt="2021-03-24T18:01:06.940" v="1046" actId="729"/>
+        <pc:sldMkLst>
+          <pc:docMk/>
+          <pc:sldMk cId="3000592914" sldId="266"/>
+        </pc:sldMkLst>
+        <pc:spChg chg="mod">
+          <ac:chgData name="Fred Fikter" userId="1515bd843270ac1b" providerId="LiveId" clId="{3DF1F239-020C-4335-9881-357081218C4B}" dt="2021-03-24T17:58:40.832" v="1036" actId="27636"/>
+          <ac:spMkLst>
+            <pc:docMk/>
+            <pc:sldMk cId="3000592914" sldId="266"/>
+            <ac:spMk id="2" creationId="{876845B7-2B73-4327-85E7-8B7A8F716B1D}"/>
+          </ac:spMkLst>
+        </pc:spChg>
+        <pc:spChg chg="mod">
+          <ac:chgData name="Fred Fikter" userId="1515bd843270ac1b" providerId="LiveId" clId="{3DF1F239-020C-4335-9881-357081218C4B}" dt="2021-03-24T17:59:12.543" v="1039" actId="20577"/>
+          <ac:spMkLst>
+            <pc:docMk/>
+            <pc:sldMk cId="3000592914" sldId="266"/>
+            <ac:spMk id="8" creationId="{D2D3C2DE-A06D-4468-A0D8-1633E663E22A}"/>
+          </ac:spMkLst>
+        </pc:spChg>
       </pc:sldChg>
       <pc:sldMasterChg chg="setBg">
         <pc:chgData name="Fred Fikter" userId="1515bd843270ac1b" providerId="LiveId" clId="{3DF1F239-020C-4335-9881-357081218C4B}" dt="2021-03-24T15:50:45.666" v="9"/>
@@ -9946,8 +9970,12 @@
         <a:lstStyle/>
         <a:p>
           <a:r>
-            <a:rPr lang="en-US" dirty="0"/>
-            <a:t>User id </a:t>
+            <a:rPr lang="en-US" dirty="0">
+              <a:solidFill>
+                <a:schemeClr val="tx1"/>
+              </a:solidFill>
+            </a:rPr>
+            <a:t>Username</a:t>
           </a:r>
         </a:p>
       </dgm:t>
@@ -9964,133 +9992,6 @@
       </dgm:t>
     </dgm:pt>
     <dgm:pt modelId="{4540DF5E-6003-48B8-8B9D-CA6FF123901D}" type="sibTrans" cxnId="{DE8B2750-FF02-4467-BB09-067D6B6320A6}">
-      <dgm:prSet/>
-      <dgm:spPr/>
-      <dgm:t>
-        <a:bodyPr/>
-        <a:lstStyle/>
-        <a:p>
-          <a:endParaRPr lang="en-US"/>
-        </a:p>
-      </dgm:t>
-    </dgm:pt>
-    <dgm:pt modelId="{03CC2CE4-C1A6-47A8-8556-BC6DA11E3D48}">
-      <dgm:prSet phldrT="[Text]"/>
-      <dgm:spPr>
-        <a:solidFill>
-          <a:schemeClr val="accent6">
-            <a:lumMod val="75000"/>
-          </a:schemeClr>
-        </a:solidFill>
-      </dgm:spPr>
-      <dgm:t>
-        <a:bodyPr/>
-        <a:lstStyle/>
-        <a:p>
-          <a:r>
-            <a:rPr lang="en-US" dirty="0"/>
-            <a:t>Created events </a:t>
-          </a:r>
-        </a:p>
-      </dgm:t>
-    </dgm:pt>
-    <dgm:pt modelId="{8873EA3E-6872-4BD7-899A-64FFC610BA13}" type="parTrans" cxnId="{42C835A5-4605-449C-A93D-611C65EEE088}">
-      <dgm:prSet/>
-      <dgm:spPr/>
-      <dgm:t>
-        <a:bodyPr/>
-        <a:lstStyle/>
-        <a:p>
-          <a:endParaRPr lang="en-US"/>
-        </a:p>
-      </dgm:t>
-    </dgm:pt>
-    <dgm:pt modelId="{C77EE667-4DC4-41FA-BF17-A2456E5D7485}" type="sibTrans" cxnId="{42C835A5-4605-449C-A93D-611C65EEE088}">
-      <dgm:prSet/>
-      <dgm:spPr/>
-      <dgm:t>
-        <a:bodyPr/>
-        <a:lstStyle/>
-        <a:p>
-          <a:endParaRPr lang="en-US"/>
-        </a:p>
-      </dgm:t>
-    </dgm:pt>
-    <dgm:pt modelId="{4DF28202-644C-43F4-9CF3-B9B2C4E83E68}">
-      <dgm:prSet phldrT="[Text]"/>
-      <dgm:spPr>
-        <a:solidFill>
-          <a:schemeClr val="accent5">
-            <a:lumMod val="40000"/>
-            <a:lumOff val="60000"/>
-          </a:schemeClr>
-        </a:solidFill>
-      </dgm:spPr>
-      <dgm:t>
-        <a:bodyPr/>
-        <a:lstStyle/>
-        <a:p>
-          <a:r>
-            <a:rPr lang="en-US" dirty="0"/>
-            <a:t>Events</a:t>
-          </a:r>
-        </a:p>
-      </dgm:t>
-    </dgm:pt>
-    <dgm:pt modelId="{A48BFC43-3CF6-46F6-A8F4-2353778EE5EF}" type="parTrans" cxnId="{9038F4C7-9F4E-42FD-8DDE-39D36D4A5A26}">
-      <dgm:prSet/>
-      <dgm:spPr/>
-      <dgm:t>
-        <a:bodyPr/>
-        <a:lstStyle/>
-        <a:p>
-          <a:endParaRPr lang="en-US"/>
-        </a:p>
-      </dgm:t>
-    </dgm:pt>
-    <dgm:pt modelId="{AFCC5E64-A0A0-4198-8944-B641477C6FE3}" type="sibTrans" cxnId="{9038F4C7-9F4E-42FD-8DDE-39D36D4A5A26}">
-      <dgm:prSet/>
-      <dgm:spPr/>
-      <dgm:t>
-        <a:bodyPr/>
-        <a:lstStyle/>
-        <a:p>
-          <a:endParaRPr lang="en-US"/>
-        </a:p>
-      </dgm:t>
-    </dgm:pt>
-    <dgm:pt modelId="{426183AA-488C-4433-AA71-797B9CA84EC1}">
-      <dgm:prSet phldrT="[Text]"/>
-      <dgm:spPr>
-        <a:solidFill>
-          <a:schemeClr val="accent6">
-            <a:lumMod val="75000"/>
-          </a:schemeClr>
-        </a:solidFill>
-      </dgm:spPr>
-      <dgm:t>
-        <a:bodyPr/>
-        <a:lstStyle/>
-        <a:p>
-          <a:r>
-            <a:rPr lang="en-US" dirty="0"/>
-            <a:t>Title</a:t>
-          </a:r>
-        </a:p>
-      </dgm:t>
-    </dgm:pt>
-    <dgm:pt modelId="{A83DFA51-C255-4FED-B33B-4F297966D0E4}" type="parTrans" cxnId="{1047A8FA-2010-4E95-A1DE-C760C59B700B}">
-      <dgm:prSet/>
-      <dgm:spPr/>
-      <dgm:t>
-        <a:bodyPr/>
-        <a:lstStyle/>
-        <a:p>
-          <a:endParaRPr lang="en-US"/>
-        </a:p>
-      </dgm:t>
-    </dgm:pt>
-    <dgm:pt modelId="{CEFCF58F-448D-45BC-87B1-C602EF86B20A}" type="sibTrans" cxnId="{1047A8FA-2010-4E95-A1DE-C760C59B700B}">
       <dgm:prSet/>
       <dgm:spPr/>
       <dgm:t>
@@ -10143,7 +10044,50 @@
         </a:p>
       </dgm:t>
     </dgm:pt>
-    <dgm:pt modelId="{AB094CA3-B739-4057-A9F5-51508AD51270}">
+    <dgm:pt modelId="{4DF28202-644C-43F4-9CF3-B9B2C4E83E68}">
+      <dgm:prSet phldrT="[Text]"/>
+      <dgm:spPr>
+        <a:solidFill>
+          <a:schemeClr val="accent5">
+            <a:lumMod val="40000"/>
+            <a:lumOff val="60000"/>
+          </a:schemeClr>
+        </a:solidFill>
+      </dgm:spPr>
+      <dgm:t>
+        <a:bodyPr/>
+        <a:lstStyle/>
+        <a:p>
+          <a:r>
+            <a:rPr lang="en-US" dirty="0"/>
+            <a:t>Events</a:t>
+          </a:r>
+        </a:p>
+      </dgm:t>
+    </dgm:pt>
+    <dgm:pt modelId="{AFCC5E64-A0A0-4198-8944-B641477C6FE3}" type="sibTrans" cxnId="{9038F4C7-9F4E-42FD-8DDE-39D36D4A5A26}">
+      <dgm:prSet/>
+      <dgm:spPr/>
+      <dgm:t>
+        <a:bodyPr/>
+        <a:lstStyle/>
+        <a:p>
+          <a:endParaRPr lang="en-US"/>
+        </a:p>
+      </dgm:t>
+    </dgm:pt>
+    <dgm:pt modelId="{A48BFC43-3CF6-46F6-A8F4-2353778EE5EF}" type="parTrans" cxnId="{9038F4C7-9F4E-42FD-8DDE-39D36D4A5A26}">
+      <dgm:prSet/>
+      <dgm:spPr/>
+      <dgm:t>
+        <a:bodyPr/>
+        <a:lstStyle/>
+        <a:p>
+          <a:endParaRPr lang="en-US"/>
+        </a:p>
+      </dgm:t>
+    </dgm:pt>
+    <dgm:pt modelId="{426183AA-488C-4433-AA71-797B9CA84EC1}">
       <dgm:prSet phldrT="[Text]"/>
       <dgm:spPr>
         <a:solidFill>
@@ -10157,13 +10101,17 @@
         <a:lstStyle/>
         <a:p>
           <a:r>
-            <a:rPr lang="en-US" dirty="0"/>
-            <a:t>Joined events </a:t>
+            <a:rPr lang="en-US" dirty="0">
+              <a:solidFill>
+                <a:schemeClr val="tx1"/>
+              </a:solidFill>
+            </a:rPr>
+            <a:t>Event Name</a:t>
           </a:r>
         </a:p>
       </dgm:t>
     </dgm:pt>
-    <dgm:pt modelId="{6372575E-FBBC-49C5-8A07-98A6ECD75B32}" type="parTrans" cxnId="{713BD54B-9B21-4B56-86EC-4EF992E2047E}">
+    <dgm:pt modelId="{CEFCF58F-448D-45BC-87B1-C602EF86B20A}" type="sibTrans" cxnId="{1047A8FA-2010-4E95-A1DE-C760C59B700B}">
       <dgm:prSet/>
       <dgm:spPr/>
       <dgm:t>
@@ -10174,301 +10122,7 @@
         </a:p>
       </dgm:t>
     </dgm:pt>
-    <dgm:pt modelId="{77BD0295-4561-4A71-9404-271804FFF13E}" type="sibTrans" cxnId="{713BD54B-9B21-4B56-86EC-4EF992E2047E}">
-      <dgm:prSet/>
-      <dgm:spPr/>
-      <dgm:t>
-        <a:bodyPr/>
-        <a:lstStyle/>
-        <a:p>
-          <a:endParaRPr lang="en-US"/>
-        </a:p>
-      </dgm:t>
-    </dgm:pt>
-    <dgm:pt modelId="{724DB452-7D06-4978-8BE8-FE2DAF726C46}">
-      <dgm:prSet phldrT="[Text]"/>
-      <dgm:spPr>
-        <a:solidFill>
-          <a:schemeClr val="accent6">
-            <a:lumMod val="75000"/>
-          </a:schemeClr>
-        </a:solidFill>
-      </dgm:spPr>
-      <dgm:t>
-        <a:bodyPr/>
-        <a:lstStyle/>
-        <a:p>
-          <a:r>
-            <a:rPr lang="en-US" dirty="0"/>
-            <a:t>Friends</a:t>
-          </a:r>
-        </a:p>
-      </dgm:t>
-    </dgm:pt>
-    <dgm:pt modelId="{C1BB5C3F-1D83-4435-A5E9-F61CD303C362}" type="parTrans" cxnId="{D5FECE49-8B3B-4304-B7E0-D19E0FA9623D}">
-      <dgm:prSet/>
-      <dgm:spPr/>
-      <dgm:t>
-        <a:bodyPr/>
-        <a:lstStyle/>
-        <a:p>
-          <a:endParaRPr lang="en-US"/>
-        </a:p>
-      </dgm:t>
-    </dgm:pt>
-    <dgm:pt modelId="{791FEA6A-12CD-44E5-AF67-391FC1678671}" type="sibTrans" cxnId="{D5FECE49-8B3B-4304-B7E0-D19E0FA9623D}">
-      <dgm:prSet/>
-      <dgm:spPr/>
-      <dgm:t>
-        <a:bodyPr/>
-        <a:lstStyle/>
-        <a:p>
-          <a:endParaRPr lang="en-US"/>
-        </a:p>
-      </dgm:t>
-    </dgm:pt>
-    <dgm:pt modelId="{FA44A270-FCFA-49D3-99B2-F5901185F784}">
-      <dgm:prSet phldrT="[Text]"/>
-      <dgm:spPr>
-        <a:solidFill>
-          <a:schemeClr val="accent6">
-            <a:lumMod val="75000"/>
-          </a:schemeClr>
-        </a:solidFill>
-      </dgm:spPr>
-      <dgm:t>
-        <a:bodyPr/>
-        <a:lstStyle/>
-        <a:p>
-          <a:r>
-            <a:rPr lang="en-US" dirty="0"/>
-            <a:t>Username</a:t>
-          </a:r>
-        </a:p>
-      </dgm:t>
-    </dgm:pt>
-    <dgm:pt modelId="{C7133854-6B1C-41F6-BE71-D3AEA50FFC41}" type="parTrans" cxnId="{E10D78D1-2382-4F61-A0EB-69E51A29B674}">
-      <dgm:prSet/>
-      <dgm:spPr/>
-      <dgm:t>
-        <a:bodyPr/>
-        <a:lstStyle/>
-        <a:p>
-          <a:endParaRPr lang="en-US"/>
-        </a:p>
-      </dgm:t>
-    </dgm:pt>
-    <dgm:pt modelId="{3D523946-F6CF-4EF1-BD35-6E607784229D}" type="sibTrans" cxnId="{E10D78D1-2382-4F61-A0EB-69E51A29B674}">
-      <dgm:prSet/>
-      <dgm:spPr/>
-      <dgm:t>
-        <a:bodyPr/>
-        <a:lstStyle/>
-        <a:p>
-          <a:endParaRPr lang="en-US"/>
-        </a:p>
-      </dgm:t>
-    </dgm:pt>
-    <dgm:pt modelId="{E77B5397-38F2-4D59-98B5-9CBD20A7DF8B}">
-      <dgm:prSet phldrT="[Text]"/>
-      <dgm:spPr>
-        <a:solidFill>
-          <a:schemeClr val="accent6">
-            <a:lumMod val="75000"/>
-          </a:schemeClr>
-        </a:solidFill>
-      </dgm:spPr>
-      <dgm:t>
-        <a:bodyPr/>
-        <a:lstStyle/>
-        <a:p>
-          <a:r>
-            <a:rPr lang="en-US" dirty="0"/>
-            <a:t>Icon</a:t>
-          </a:r>
-        </a:p>
-      </dgm:t>
-    </dgm:pt>
-    <dgm:pt modelId="{401D0685-5A4D-4231-8342-42728A075644}" type="parTrans" cxnId="{739D9005-A3DD-4DB6-813B-D4EE47A2F10A}">
-      <dgm:prSet/>
-      <dgm:spPr/>
-      <dgm:t>
-        <a:bodyPr/>
-        <a:lstStyle/>
-        <a:p>
-          <a:endParaRPr lang="en-US"/>
-        </a:p>
-      </dgm:t>
-    </dgm:pt>
-    <dgm:pt modelId="{6C19DD2B-CC49-47C2-AF34-246E139032D2}" type="sibTrans" cxnId="{739D9005-A3DD-4DB6-813B-D4EE47A2F10A}">
-      <dgm:prSet/>
-      <dgm:spPr/>
-      <dgm:t>
-        <a:bodyPr/>
-        <a:lstStyle/>
-        <a:p>
-          <a:endParaRPr lang="en-US"/>
-        </a:p>
-      </dgm:t>
-    </dgm:pt>
-    <dgm:pt modelId="{6B72AD0C-E42F-4863-8117-DA4826B0C3A5}">
-      <dgm:prSet phldrT="[Text]"/>
-      <dgm:spPr>
-        <a:solidFill>
-          <a:schemeClr val="accent6">
-            <a:lumMod val="75000"/>
-          </a:schemeClr>
-        </a:solidFill>
-      </dgm:spPr>
-      <dgm:t>
-        <a:bodyPr/>
-        <a:lstStyle/>
-        <a:p>
-          <a:r>
-            <a:rPr lang="en-US" dirty="0"/>
-            <a:t>Description</a:t>
-          </a:r>
-        </a:p>
-      </dgm:t>
-    </dgm:pt>
-    <dgm:pt modelId="{7DC77707-D236-43E3-9FFA-F3380C060B3A}" type="parTrans" cxnId="{955CDC06-94C1-4AFA-9DC7-6F8D33FD7490}">
-      <dgm:prSet/>
-      <dgm:spPr/>
-      <dgm:t>
-        <a:bodyPr/>
-        <a:lstStyle/>
-        <a:p>
-          <a:endParaRPr lang="en-US"/>
-        </a:p>
-      </dgm:t>
-    </dgm:pt>
-    <dgm:pt modelId="{92165ED5-04A9-4864-BA9E-83ECB193FA43}" type="sibTrans" cxnId="{955CDC06-94C1-4AFA-9DC7-6F8D33FD7490}">
-      <dgm:prSet/>
-      <dgm:spPr/>
-      <dgm:t>
-        <a:bodyPr/>
-        <a:lstStyle/>
-        <a:p>
-          <a:endParaRPr lang="en-US"/>
-        </a:p>
-      </dgm:t>
-    </dgm:pt>
-    <dgm:pt modelId="{9D507BAB-9D0D-478B-8D0D-4BB55C0B7A63}">
-      <dgm:prSet phldrT="[Text]"/>
-      <dgm:spPr>
-        <a:solidFill>
-          <a:schemeClr val="accent6">
-            <a:lumMod val="75000"/>
-          </a:schemeClr>
-        </a:solidFill>
-      </dgm:spPr>
-      <dgm:t>
-        <a:bodyPr/>
-        <a:lstStyle/>
-        <a:p>
-          <a:r>
-            <a:rPr lang="en-US" dirty="0"/>
-            <a:t>Location</a:t>
-          </a:r>
-        </a:p>
-      </dgm:t>
-    </dgm:pt>
-    <dgm:pt modelId="{B28DD796-8CF7-4090-8D20-535090B3DA81}" type="parTrans" cxnId="{CA212694-1BAA-49F2-A3AF-681CB0AE062C}">
-      <dgm:prSet/>
-      <dgm:spPr/>
-      <dgm:t>
-        <a:bodyPr/>
-        <a:lstStyle/>
-        <a:p>
-          <a:endParaRPr lang="en-US"/>
-        </a:p>
-      </dgm:t>
-    </dgm:pt>
-    <dgm:pt modelId="{7BDC5860-1127-4D43-ABB1-9C7650E61D89}" type="sibTrans" cxnId="{CA212694-1BAA-49F2-A3AF-681CB0AE062C}">
-      <dgm:prSet/>
-      <dgm:spPr/>
-      <dgm:t>
-        <a:bodyPr/>
-        <a:lstStyle/>
-        <a:p>
-          <a:endParaRPr lang="en-US"/>
-        </a:p>
-      </dgm:t>
-    </dgm:pt>
-    <dgm:pt modelId="{0BFF4586-8D18-46A5-8896-5048D3475571}">
-      <dgm:prSet phldrT="[Text]"/>
-      <dgm:spPr>
-        <a:solidFill>
-          <a:schemeClr val="accent6">
-            <a:lumMod val="75000"/>
-          </a:schemeClr>
-        </a:solidFill>
-      </dgm:spPr>
-      <dgm:t>
-        <a:bodyPr/>
-        <a:lstStyle/>
-        <a:p>
-          <a:r>
-            <a:rPr lang="en-US" dirty="0"/>
-            <a:t>Time</a:t>
-          </a:r>
-        </a:p>
-      </dgm:t>
-    </dgm:pt>
-    <dgm:pt modelId="{2C3F6CA6-9FF7-4F73-84B7-75ED66E97A03}" type="parTrans" cxnId="{01ADD24A-BEC3-45BB-A3BA-FDDB6E9ADA08}">
-      <dgm:prSet/>
-      <dgm:spPr/>
-      <dgm:t>
-        <a:bodyPr/>
-        <a:lstStyle/>
-        <a:p>
-          <a:endParaRPr lang="en-US"/>
-        </a:p>
-      </dgm:t>
-    </dgm:pt>
-    <dgm:pt modelId="{81FDA639-0ADB-4815-8E83-D77031CDE357}" type="sibTrans" cxnId="{01ADD24A-BEC3-45BB-A3BA-FDDB6E9ADA08}">
-      <dgm:prSet/>
-      <dgm:spPr/>
-      <dgm:t>
-        <a:bodyPr/>
-        <a:lstStyle/>
-        <a:p>
-          <a:endParaRPr lang="en-US"/>
-        </a:p>
-      </dgm:t>
-    </dgm:pt>
-    <dgm:pt modelId="{CDC35A87-877A-46FC-A809-A39FC7F8E6C4}">
-      <dgm:prSet phldrT="[Text]"/>
-      <dgm:spPr>
-        <a:solidFill>
-          <a:schemeClr val="accent6">
-            <a:lumMod val="75000"/>
-          </a:schemeClr>
-        </a:solidFill>
-      </dgm:spPr>
-      <dgm:t>
-        <a:bodyPr/>
-        <a:lstStyle/>
-        <a:p>
-          <a:r>
-            <a:rPr lang="en-US" dirty="0"/>
-            <a:t>Creator</a:t>
-          </a:r>
-        </a:p>
-      </dgm:t>
-    </dgm:pt>
-    <dgm:pt modelId="{E87ED3E5-B3B4-4B5B-B7EE-BD9C0E31D231}" type="parTrans" cxnId="{5A73B298-DAFE-4D37-AA7F-F8A42B348BFA}">
-      <dgm:prSet/>
-      <dgm:spPr/>
-      <dgm:t>
-        <a:bodyPr/>
-        <a:lstStyle/>
-        <a:p>
-          <a:endParaRPr lang="en-US"/>
-        </a:p>
-      </dgm:t>
-    </dgm:pt>
-    <dgm:pt modelId="{AF5F8A9B-C3FC-4E7F-967C-9D328A6F2F83}" type="sibTrans" cxnId="{5A73B298-DAFE-4D37-AA7F-F8A42B348BFA}">
+    <dgm:pt modelId="{A83DFA51-C255-4FED-B33B-4F297966D0E4}" type="parTrans" cxnId="{1047A8FA-2010-4E95-A1DE-C760C59B700B}">
       <dgm:prSet/>
       <dgm:spPr/>
       <dgm:t>
@@ -10499,6 +10153,17 @@
         </a:p>
       </dgm:t>
     </dgm:pt>
+    <dgm:pt modelId="{D217AA99-AEC8-428B-87BF-28AE8BD1400E}" type="sibTrans" cxnId="{815A5C92-253B-4CF1-BED6-4753F5159426}">
+      <dgm:prSet/>
+      <dgm:spPr/>
+      <dgm:t>
+        <a:bodyPr/>
+        <a:lstStyle/>
+        <a:p>
+          <a:endParaRPr lang="en-US"/>
+        </a:p>
+      </dgm:t>
+    </dgm:pt>
     <dgm:pt modelId="{90569739-73A9-4E95-876F-6D41F632B2E8}" type="parTrans" cxnId="{815A5C92-253B-4CF1-BED6-4753F5159426}">
       <dgm:prSet/>
       <dgm:spPr/>
@@ -10510,7 +10175,588 @@
         </a:p>
       </dgm:t>
     </dgm:pt>
-    <dgm:pt modelId="{D217AA99-AEC8-428B-87BF-28AE8BD1400E}" type="sibTrans" cxnId="{815A5C92-253B-4CF1-BED6-4753F5159426}">
+    <dgm:pt modelId="{AC12D952-D418-4745-9991-7362D5BED5F5}">
+      <dgm:prSet/>
+      <dgm:spPr>
+        <a:solidFill>
+          <a:schemeClr val="accent6">
+            <a:lumMod val="75000"/>
+          </a:schemeClr>
+        </a:solidFill>
+      </dgm:spPr>
+      <dgm:t>
+        <a:bodyPr/>
+        <a:lstStyle/>
+        <a:p>
+          <a:r>
+            <a:rPr lang="en-US" dirty="0">
+              <a:solidFill>
+                <a:schemeClr val="tx1"/>
+              </a:solidFill>
+            </a:rPr>
+            <a:t>Password (hashed)</a:t>
+          </a:r>
+        </a:p>
+      </dgm:t>
+    </dgm:pt>
+    <dgm:pt modelId="{A2D98EDE-1971-494F-9154-AC7968BB5417}" type="parTrans" cxnId="{11CB5C93-450A-4436-907D-4BEC5874FC62}">
+      <dgm:prSet/>
+      <dgm:spPr/>
+      <dgm:t>
+        <a:bodyPr/>
+        <a:lstStyle/>
+        <a:p>
+          <a:endParaRPr lang="en-US"/>
+        </a:p>
+      </dgm:t>
+    </dgm:pt>
+    <dgm:pt modelId="{4359B5CB-20DC-41A3-8989-6C32DF06F9FC}" type="sibTrans" cxnId="{11CB5C93-450A-4436-907D-4BEC5874FC62}">
+      <dgm:prSet/>
+      <dgm:spPr/>
+      <dgm:t>
+        <a:bodyPr/>
+        <a:lstStyle/>
+        <a:p>
+          <a:endParaRPr lang="en-US"/>
+        </a:p>
+      </dgm:t>
+    </dgm:pt>
+    <dgm:pt modelId="{87D2B8A6-B59D-43B6-82B2-2F322F27757F}">
+      <dgm:prSet/>
+      <dgm:spPr>
+        <a:solidFill>
+          <a:schemeClr val="accent6">
+            <a:lumMod val="75000"/>
+          </a:schemeClr>
+        </a:solidFill>
+      </dgm:spPr>
+      <dgm:t>
+        <a:bodyPr/>
+        <a:lstStyle/>
+        <a:p>
+          <a:r>
+            <a:rPr lang="en-US">
+              <a:solidFill>
+                <a:schemeClr val="tx1"/>
+              </a:solidFill>
+            </a:rPr>
+            <a:t>Email address</a:t>
+          </a:r>
+          <a:endParaRPr lang="en-US" dirty="0">
+            <a:solidFill>
+              <a:schemeClr val="tx1"/>
+            </a:solidFill>
+          </a:endParaRPr>
+        </a:p>
+      </dgm:t>
+    </dgm:pt>
+    <dgm:pt modelId="{7365C723-F6D8-4A5A-9BC7-CA8A2E8DBA1E}" type="parTrans" cxnId="{E04F5128-AA91-4200-80F7-D2109641E353}">
+      <dgm:prSet/>
+      <dgm:spPr/>
+      <dgm:t>
+        <a:bodyPr/>
+        <a:lstStyle/>
+        <a:p>
+          <a:endParaRPr lang="en-US"/>
+        </a:p>
+      </dgm:t>
+    </dgm:pt>
+    <dgm:pt modelId="{0915495F-3346-430D-B9B2-1BA3CD631313}" type="sibTrans" cxnId="{E04F5128-AA91-4200-80F7-D2109641E353}">
+      <dgm:prSet/>
+      <dgm:spPr/>
+      <dgm:t>
+        <a:bodyPr/>
+        <a:lstStyle/>
+        <a:p>
+          <a:endParaRPr lang="en-US"/>
+        </a:p>
+      </dgm:t>
+    </dgm:pt>
+    <dgm:pt modelId="{92D987A2-BA97-42A9-9963-224AAB9F2E91}">
+      <dgm:prSet/>
+      <dgm:spPr>
+        <a:solidFill>
+          <a:schemeClr val="accent6">
+            <a:lumMod val="75000"/>
+          </a:schemeClr>
+        </a:solidFill>
+      </dgm:spPr>
+      <dgm:t>
+        <a:bodyPr/>
+        <a:lstStyle/>
+        <a:p>
+          <a:r>
+            <a:rPr lang="en-US" dirty="0">
+              <a:solidFill>
+                <a:schemeClr val="tx1"/>
+              </a:solidFill>
+            </a:rPr>
+            <a:t>First Name</a:t>
+          </a:r>
+        </a:p>
+      </dgm:t>
+    </dgm:pt>
+    <dgm:pt modelId="{C7D8884E-083B-414E-AE09-6D621E8B47C3}" type="parTrans" cxnId="{CD2B32CE-D80F-44AF-9809-1B0628CBE36F}">
+      <dgm:prSet/>
+      <dgm:spPr/>
+      <dgm:t>
+        <a:bodyPr/>
+        <a:lstStyle/>
+        <a:p>
+          <a:endParaRPr lang="en-US"/>
+        </a:p>
+      </dgm:t>
+    </dgm:pt>
+    <dgm:pt modelId="{35CB33BF-49DF-4B15-8C95-A5F4B9C55789}" type="sibTrans" cxnId="{CD2B32CE-D80F-44AF-9809-1B0628CBE36F}">
+      <dgm:prSet/>
+      <dgm:spPr/>
+      <dgm:t>
+        <a:bodyPr/>
+        <a:lstStyle/>
+        <a:p>
+          <a:endParaRPr lang="en-US"/>
+        </a:p>
+      </dgm:t>
+    </dgm:pt>
+    <dgm:pt modelId="{BAAC2F13-35E1-42D4-83EA-E95124B7F86B}">
+      <dgm:prSet/>
+      <dgm:spPr>
+        <a:solidFill>
+          <a:schemeClr val="accent6">
+            <a:lumMod val="75000"/>
+          </a:schemeClr>
+        </a:solidFill>
+      </dgm:spPr>
+      <dgm:t>
+        <a:bodyPr/>
+        <a:lstStyle/>
+        <a:p>
+          <a:r>
+            <a:rPr lang="en-US" dirty="0">
+              <a:solidFill>
+                <a:schemeClr val="tx1"/>
+              </a:solidFill>
+            </a:rPr>
+            <a:t>Last Name</a:t>
+          </a:r>
+        </a:p>
+      </dgm:t>
+    </dgm:pt>
+    <dgm:pt modelId="{357C23B2-7F85-4040-B919-168F756C0828}" type="parTrans" cxnId="{5A0A3CCE-7FD2-4CBF-BCD4-29DB041D844E}">
+      <dgm:prSet/>
+      <dgm:spPr/>
+      <dgm:t>
+        <a:bodyPr/>
+        <a:lstStyle/>
+        <a:p>
+          <a:endParaRPr lang="en-US"/>
+        </a:p>
+      </dgm:t>
+    </dgm:pt>
+    <dgm:pt modelId="{CF3EADB4-5375-4497-B875-624103759198}" type="sibTrans" cxnId="{5A0A3CCE-7FD2-4CBF-BCD4-29DB041D844E}">
+      <dgm:prSet/>
+      <dgm:spPr/>
+      <dgm:t>
+        <a:bodyPr/>
+        <a:lstStyle/>
+        <a:p>
+          <a:endParaRPr lang="en-US"/>
+        </a:p>
+      </dgm:t>
+    </dgm:pt>
+    <dgm:pt modelId="{8198A70F-9317-436D-8F08-0AC81F9968F3}">
+      <dgm:prSet/>
+      <dgm:spPr>
+        <a:solidFill>
+          <a:schemeClr val="accent6">
+            <a:lumMod val="75000"/>
+          </a:schemeClr>
+        </a:solidFill>
+      </dgm:spPr>
+      <dgm:t>
+        <a:bodyPr/>
+        <a:lstStyle/>
+        <a:p>
+          <a:r>
+            <a:rPr lang="en-US">
+              <a:solidFill>
+                <a:schemeClr val="tx1"/>
+              </a:solidFill>
+            </a:rPr>
+            <a:t>Staff Status</a:t>
+          </a:r>
+          <a:endParaRPr lang="en-US" dirty="0">
+            <a:solidFill>
+              <a:schemeClr val="tx1"/>
+            </a:solidFill>
+          </a:endParaRPr>
+        </a:p>
+      </dgm:t>
+    </dgm:pt>
+    <dgm:pt modelId="{C79DD4FA-F0AA-4B2C-A716-411EC9AE3463}" type="parTrans" cxnId="{8D17257B-D6D8-493D-B782-5F74261EF218}">
+      <dgm:prSet/>
+      <dgm:spPr/>
+      <dgm:t>
+        <a:bodyPr/>
+        <a:lstStyle/>
+        <a:p>
+          <a:endParaRPr lang="en-US"/>
+        </a:p>
+      </dgm:t>
+    </dgm:pt>
+    <dgm:pt modelId="{3C74EBC7-81D9-48FA-996E-F7A3E719AF28}" type="sibTrans" cxnId="{8D17257B-D6D8-493D-B782-5F74261EF218}">
+      <dgm:prSet/>
+      <dgm:spPr/>
+      <dgm:t>
+        <a:bodyPr/>
+        <a:lstStyle/>
+        <a:p>
+          <a:endParaRPr lang="en-US"/>
+        </a:p>
+      </dgm:t>
+    </dgm:pt>
+    <dgm:pt modelId="{D70433F3-68B7-4247-852C-DC9FBCA8FD28}">
+      <dgm:prSet/>
+      <dgm:spPr>
+        <a:solidFill>
+          <a:schemeClr val="accent6">
+            <a:lumMod val="75000"/>
+          </a:schemeClr>
+        </a:solidFill>
+      </dgm:spPr>
+      <dgm:t>
+        <a:bodyPr/>
+        <a:lstStyle/>
+        <a:p>
+          <a:r>
+            <a:rPr lang="en-US">
+              <a:solidFill>
+                <a:schemeClr val="tx1"/>
+              </a:solidFill>
+            </a:rPr>
+            <a:t>Events joined (Event Names from Events)</a:t>
+          </a:r>
+          <a:endParaRPr lang="en-US" dirty="0">
+            <a:solidFill>
+              <a:schemeClr val="tx1"/>
+            </a:solidFill>
+          </a:endParaRPr>
+        </a:p>
+      </dgm:t>
+    </dgm:pt>
+    <dgm:pt modelId="{D7D87CDB-506F-44DB-BB67-2130D318BDB3}" type="parTrans" cxnId="{DE084A27-BBC2-4F05-9F93-128EA00EEE1A}">
+      <dgm:prSet/>
+      <dgm:spPr/>
+      <dgm:t>
+        <a:bodyPr/>
+        <a:lstStyle/>
+        <a:p>
+          <a:endParaRPr lang="en-US"/>
+        </a:p>
+      </dgm:t>
+    </dgm:pt>
+    <dgm:pt modelId="{B72D3910-4844-4017-800B-A2571387006A}" type="sibTrans" cxnId="{DE084A27-BBC2-4F05-9F93-128EA00EEE1A}">
+      <dgm:prSet/>
+      <dgm:spPr/>
+      <dgm:t>
+        <a:bodyPr/>
+        <a:lstStyle/>
+        <a:p>
+          <a:endParaRPr lang="en-US"/>
+        </a:p>
+      </dgm:t>
+    </dgm:pt>
+    <dgm:pt modelId="{76446F50-8585-4EAD-8E0A-091AD4AEA0AD}">
+      <dgm:prSet/>
+      <dgm:spPr>
+        <a:solidFill>
+          <a:schemeClr val="accent6">
+            <a:lumMod val="75000"/>
+          </a:schemeClr>
+        </a:solidFill>
+      </dgm:spPr>
+      <dgm:t>
+        <a:bodyPr/>
+        <a:lstStyle/>
+        <a:p>
+          <a:r>
+            <a:rPr lang="en-US">
+              <a:solidFill>
+                <a:schemeClr val="tx1"/>
+              </a:solidFill>
+            </a:rPr>
+            <a:t>Date Joined</a:t>
+          </a:r>
+          <a:endParaRPr lang="en-US" dirty="0">
+            <a:solidFill>
+              <a:schemeClr val="tx1"/>
+            </a:solidFill>
+          </a:endParaRPr>
+        </a:p>
+      </dgm:t>
+    </dgm:pt>
+    <dgm:pt modelId="{6288B4E4-D173-4C74-9B17-8081546C27C0}" type="parTrans" cxnId="{8436D531-4ADC-491B-B1B7-7725785C4E04}">
+      <dgm:prSet/>
+      <dgm:spPr/>
+      <dgm:t>
+        <a:bodyPr/>
+        <a:lstStyle/>
+        <a:p>
+          <a:endParaRPr lang="en-US"/>
+        </a:p>
+      </dgm:t>
+    </dgm:pt>
+    <dgm:pt modelId="{5FB362F3-EB0F-48C6-960A-0AF99A513406}" type="sibTrans" cxnId="{8436D531-4ADC-491B-B1B7-7725785C4E04}">
+      <dgm:prSet/>
+      <dgm:spPr/>
+      <dgm:t>
+        <a:bodyPr/>
+        <a:lstStyle/>
+        <a:p>
+          <a:endParaRPr lang="en-US"/>
+        </a:p>
+      </dgm:t>
+    </dgm:pt>
+    <dgm:pt modelId="{8629CAE1-996E-4D07-99B6-0473ABB8A6DF}">
+      <dgm:prSet/>
+      <dgm:spPr>
+        <a:solidFill>
+          <a:schemeClr val="accent6">
+            <a:lumMod val="75000"/>
+          </a:schemeClr>
+        </a:solidFill>
+      </dgm:spPr>
+      <dgm:t>
+        <a:bodyPr/>
+        <a:lstStyle/>
+        <a:p>
+          <a:r>
+            <a:rPr lang="en-US">
+              <a:solidFill>
+                <a:schemeClr val="tx1"/>
+              </a:solidFill>
+            </a:rPr>
+            <a:t>Last Logged In</a:t>
+          </a:r>
+          <a:endParaRPr lang="en-US" dirty="0">
+            <a:solidFill>
+              <a:schemeClr val="tx1"/>
+            </a:solidFill>
+          </a:endParaRPr>
+        </a:p>
+      </dgm:t>
+    </dgm:pt>
+    <dgm:pt modelId="{6B54C183-1F04-42CF-8C8D-04D6B3960F60}" type="parTrans" cxnId="{F83491AA-1947-4502-A735-1EC1C33804A8}">
+      <dgm:prSet/>
+      <dgm:spPr/>
+      <dgm:t>
+        <a:bodyPr/>
+        <a:lstStyle/>
+        <a:p>
+          <a:endParaRPr lang="en-US"/>
+        </a:p>
+      </dgm:t>
+    </dgm:pt>
+    <dgm:pt modelId="{5A8C133B-73BE-4D53-B709-2CE3755146FD}" type="sibTrans" cxnId="{F83491AA-1947-4502-A735-1EC1C33804A8}">
+      <dgm:prSet/>
+      <dgm:spPr/>
+      <dgm:t>
+        <a:bodyPr/>
+        <a:lstStyle/>
+        <a:p>
+          <a:endParaRPr lang="en-US"/>
+        </a:p>
+      </dgm:t>
+    </dgm:pt>
+    <dgm:pt modelId="{C7474857-9B49-4136-86C2-3CC5D25DEB11}">
+      <dgm:prSet/>
+      <dgm:spPr>
+        <a:solidFill>
+          <a:schemeClr val="accent6">
+            <a:lumMod val="75000"/>
+          </a:schemeClr>
+        </a:solidFill>
+      </dgm:spPr>
+      <dgm:t>
+        <a:bodyPr/>
+        <a:lstStyle/>
+        <a:p>
+          <a:r>
+            <a:rPr lang="en-US">
+              <a:solidFill>
+                <a:schemeClr val="tx1"/>
+              </a:solidFill>
+            </a:rPr>
+            <a:t>Venue</a:t>
+          </a:r>
+          <a:endParaRPr lang="en-US" dirty="0">
+            <a:solidFill>
+              <a:schemeClr val="tx1"/>
+            </a:solidFill>
+          </a:endParaRPr>
+        </a:p>
+      </dgm:t>
+    </dgm:pt>
+    <dgm:pt modelId="{E50B406E-DDBE-4DF0-A241-80C9327E3012}" type="parTrans" cxnId="{9C729A17-0574-48AC-A20C-347239D77C55}">
+      <dgm:prSet/>
+      <dgm:spPr/>
+      <dgm:t>
+        <a:bodyPr/>
+        <a:lstStyle/>
+        <a:p>
+          <a:endParaRPr lang="en-US"/>
+        </a:p>
+      </dgm:t>
+    </dgm:pt>
+    <dgm:pt modelId="{1EB78854-F702-40E8-B653-192FD7F008C0}" type="sibTrans" cxnId="{9C729A17-0574-48AC-A20C-347239D77C55}">
+      <dgm:prSet/>
+      <dgm:spPr/>
+      <dgm:t>
+        <a:bodyPr/>
+        <a:lstStyle/>
+        <a:p>
+          <a:endParaRPr lang="en-US"/>
+        </a:p>
+      </dgm:t>
+    </dgm:pt>
+    <dgm:pt modelId="{BCCC9D53-FDB4-4213-9A89-A0F707EAB8DC}">
+      <dgm:prSet/>
+      <dgm:spPr>
+        <a:solidFill>
+          <a:schemeClr val="accent6">
+            <a:lumMod val="75000"/>
+          </a:schemeClr>
+        </a:solidFill>
+      </dgm:spPr>
+      <dgm:t>
+        <a:bodyPr/>
+        <a:lstStyle/>
+        <a:p>
+          <a:r>
+            <a:rPr lang="en-US">
+              <a:solidFill>
+                <a:schemeClr val="tx1"/>
+              </a:solidFill>
+            </a:rPr>
+            <a:t>Date</a:t>
+          </a:r>
+          <a:endParaRPr lang="en-US" dirty="0">
+            <a:solidFill>
+              <a:schemeClr val="tx1"/>
+            </a:solidFill>
+          </a:endParaRPr>
+        </a:p>
+      </dgm:t>
+    </dgm:pt>
+    <dgm:pt modelId="{1B0ADE43-B9B2-47F0-A3F2-34824BAAD170}" type="parTrans" cxnId="{A90F8BAE-1615-40F7-A4EE-AC1C1874A0DE}">
+      <dgm:prSet/>
+      <dgm:spPr/>
+      <dgm:t>
+        <a:bodyPr/>
+        <a:lstStyle/>
+        <a:p>
+          <a:endParaRPr lang="en-US"/>
+        </a:p>
+      </dgm:t>
+    </dgm:pt>
+    <dgm:pt modelId="{6645C6C8-7F77-41F3-9B8F-7E3C4D644312}" type="sibTrans" cxnId="{A90F8BAE-1615-40F7-A4EE-AC1C1874A0DE}">
+      <dgm:prSet/>
+      <dgm:spPr/>
+      <dgm:t>
+        <a:bodyPr/>
+        <a:lstStyle/>
+        <a:p>
+          <a:endParaRPr lang="en-US"/>
+        </a:p>
+      </dgm:t>
+    </dgm:pt>
+    <dgm:pt modelId="{E582B4DD-572F-4DFD-A018-158860054FB5}">
+      <dgm:prSet/>
+      <dgm:spPr>
+        <a:solidFill>
+          <a:schemeClr val="accent6">
+            <a:lumMod val="75000"/>
+          </a:schemeClr>
+        </a:solidFill>
+      </dgm:spPr>
+      <dgm:t>
+        <a:bodyPr/>
+        <a:lstStyle/>
+        <a:p>
+          <a:r>
+            <a:rPr lang="en-US">
+              <a:solidFill>
+                <a:schemeClr val="tx1"/>
+              </a:solidFill>
+            </a:rPr>
+            <a:t>Organizer (Single User)</a:t>
+          </a:r>
+          <a:endParaRPr lang="en-US" dirty="0">
+            <a:solidFill>
+              <a:schemeClr val="tx1"/>
+            </a:solidFill>
+          </a:endParaRPr>
+        </a:p>
+      </dgm:t>
+    </dgm:pt>
+    <dgm:pt modelId="{AA1C9C6E-A00E-4552-BA91-86BD5AAC9DFA}" type="parTrans" cxnId="{3D4BA35A-90F6-4D30-8FEB-B0367707904C}">
+      <dgm:prSet/>
+      <dgm:spPr/>
+      <dgm:t>
+        <a:bodyPr/>
+        <a:lstStyle/>
+        <a:p>
+          <a:endParaRPr lang="en-US"/>
+        </a:p>
+      </dgm:t>
+    </dgm:pt>
+    <dgm:pt modelId="{4D3617F1-A68D-4A9F-80D5-1AA8D06CAB2D}" type="sibTrans" cxnId="{3D4BA35A-90F6-4D30-8FEB-B0367707904C}">
+      <dgm:prSet/>
+      <dgm:spPr/>
+      <dgm:t>
+        <a:bodyPr/>
+        <a:lstStyle/>
+        <a:p>
+          <a:endParaRPr lang="en-US"/>
+        </a:p>
+      </dgm:t>
+    </dgm:pt>
+    <dgm:pt modelId="{3C343798-934C-41B2-8E4A-19BA03CD048B}">
+      <dgm:prSet/>
+      <dgm:spPr>
+        <a:solidFill>
+          <a:schemeClr val="accent6">
+            <a:lumMod val="75000"/>
+          </a:schemeClr>
+        </a:solidFill>
+      </dgm:spPr>
+      <dgm:t>
+        <a:bodyPr/>
+        <a:lstStyle/>
+        <a:p>
+          <a:r>
+            <a:rPr lang="en-US">
+              <a:solidFill>
+                <a:schemeClr val="tx1"/>
+              </a:solidFill>
+            </a:rPr>
+            <a:t>Players (Multiple Users</a:t>
+          </a:r>
+        </a:p>
+      </dgm:t>
+    </dgm:pt>
+    <dgm:pt modelId="{0BC31A61-8AA0-4C83-B9CD-020B067779F2}" type="parTrans" cxnId="{FADEF9A1-B563-402E-BE91-ED7C462426F8}">
+      <dgm:prSet/>
+      <dgm:spPr/>
+      <dgm:t>
+        <a:bodyPr/>
+        <a:lstStyle/>
+        <a:p>
+          <a:endParaRPr lang="en-US"/>
+        </a:p>
+      </dgm:t>
+    </dgm:pt>
+    <dgm:pt modelId="{776B2654-FFDC-498B-B4B9-CDBF703F02C5}" type="sibTrans" cxnId="{FADEF9A1-B563-402E-BE91-ED7C462426F8}">
       <dgm:prSet/>
       <dgm:spPr/>
       <dgm:t>
@@ -10552,7 +10798,7 @@
       <dgm:spPr/>
     </dgm:pt>
     <dgm:pt modelId="{1F555D24-2B4C-44FC-B79D-9D1260D42C26}" type="pres">
-      <dgm:prSet presAssocID="{634AB82D-E6CF-42C8-9693-96DB7E02D80C}" presName="childNode" presStyleLbl="node1" presStyleIdx="0" presStyleCnt="13" custLinFactNeighborY="160">
+      <dgm:prSet presAssocID="{634AB82D-E6CF-42C8-9693-96DB7E02D80C}" presName="childNode" presStyleLbl="node1" presStyleIdx="0" presStyleCnt="16" custLinFactNeighborY="160">
         <dgm:presLayoutVars>
           <dgm:bulletEnabled val="1"/>
         </dgm:presLayoutVars>
@@ -10563,56 +10809,92 @@
       <dgm:prSet presAssocID="{634AB82D-E6CF-42C8-9693-96DB7E02D80C}" presName="aSpace2" presStyleCnt="0"/>
       <dgm:spPr/>
     </dgm:pt>
-    <dgm:pt modelId="{404CD83B-AC74-4FA1-9E71-793D57710D4F}" type="pres">
-      <dgm:prSet presAssocID="{FA44A270-FCFA-49D3-99B2-F5901185F784}" presName="childNode" presStyleLbl="node1" presStyleIdx="1" presStyleCnt="13" custLinFactNeighborY="160">
+    <dgm:pt modelId="{0597D8FA-125D-452B-9437-1823AAA71CA4}" type="pres">
+      <dgm:prSet presAssocID="{AC12D952-D418-4745-9991-7362D5BED5F5}" presName="childNode" presStyleLbl="node1" presStyleIdx="1" presStyleCnt="16">
         <dgm:presLayoutVars>
           <dgm:bulletEnabled val="1"/>
         </dgm:presLayoutVars>
       </dgm:prSet>
       <dgm:spPr/>
     </dgm:pt>
-    <dgm:pt modelId="{3E1AEB30-9D42-440C-9897-6D7C59F8C724}" type="pres">
-      <dgm:prSet presAssocID="{FA44A270-FCFA-49D3-99B2-F5901185F784}" presName="aSpace2" presStyleCnt="0"/>
+    <dgm:pt modelId="{83412AB0-F626-444F-949B-540E2B455847}" type="pres">
+      <dgm:prSet presAssocID="{AC12D952-D418-4745-9991-7362D5BED5F5}" presName="aSpace2" presStyleCnt="0"/>
       <dgm:spPr/>
     </dgm:pt>
-    <dgm:pt modelId="{ACA7AC36-323C-42E1-9818-91C941AEA04B}" type="pres">
-      <dgm:prSet presAssocID="{E77B5397-38F2-4D59-98B5-9CBD20A7DF8B}" presName="childNode" presStyleLbl="node1" presStyleIdx="2" presStyleCnt="13" custLinFactNeighborY="-49886">
+    <dgm:pt modelId="{C7C035C7-C044-4640-820B-F4553579DECB}" type="pres">
+      <dgm:prSet presAssocID="{87D2B8A6-B59D-43B6-82B2-2F322F27757F}" presName="childNode" presStyleLbl="node1" presStyleIdx="2" presStyleCnt="16">
         <dgm:presLayoutVars>
           <dgm:bulletEnabled val="1"/>
         </dgm:presLayoutVars>
       </dgm:prSet>
       <dgm:spPr/>
     </dgm:pt>
-    <dgm:pt modelId="{C3C48AB7-5354-4DD4-8195-A92D37F08B31}" type="pres">
-      <dgm:prSet presAssocID="{E77B5397-38F2-4D59-98B5-9CBD20A7DF8B}" presName="aSpace2" presStyleCnt="0"/>
+    <dgm:pt modelId="{D13BE4B1-16E2-48C2-B22C-CE2CB4C4BF01}" type="pres">
+      <dgm:prSet presAssocID="{87D2B8A6-B59D-43B6-82B2-2F322F27757F}" presName="aSpace2" presStyleCnt="0"/>
       <dgm:spPr/>
     </dgm:pt>
-    <dgm:pt modelId="{F7F417A3-0986-4A3C-9D86-990355455BC5}" type="pres">
-      <dgm:prSet presAssocID="{03CC2CE4-C1A6-47A8-8556-BC6DA11E3D48}" presName="childNode" presStyleLbl="node1" presStyleIdx="3" presStyleCnt="13" custLinFactNeighborY="-49886">
+    <dgm:pt modelId="{6FEDDE87-9339-40C2-8908-B2B7708B3DBB}" type="pres">
+      <dgm:prSet presAssocID="{92D987A2-BA97-42A9-9963-224AAB9F2E91}" presName="childNode" presStyleLbl="node1" presStyleIdx="3" presStyleCnt="16">
         <dgm:presLayoutVars>
           <dgm:bulletEnabled val="1"/>
         </dgm:presLayoutVars>
       </dgm:prSet>
       <dgm:spPr/>
     </dgm:pt>
-    <dgm:pt modelId="{9A8486A3-F785-44F9-87C0-80A32D823B5C}" type="pres">
-      <dgm:prSet presAssocID="{03CC2CE4-C1A6-47A8-8556-BC6DA11E3D48}" presName="aSpace2" presStyleCnt="0"/>
+    <dgm:pt modelId="{AC8FD743-1BDB-4170-A24D-DD1DF2C264C2}" type="pres">
+      <dgm:prSet presAssocID="{92D987A2-BA97-42A9-9963-224AAB9F2E91}" presName="aSpace2" presStyleCnt="0"/>
       <dgm:spPr/>
     </dgm:pt>
-    <dgm:pt modelId="{61DB0AD6-5CCF-47C9-8A30-B47139B21DCF}" type="pres">
-      <dgm:prSet presAssocID="{AB094CA3-B739-4057-A9F5-51508AD51270}" presName="childNode" presStyleLbl="node1" presStyleIdx="4" presStyleCnt="13" custLinFactNeighborY="-49886">
+    <dgm:pt modelId="{F75E2599-2C8C-407B-8299-3FDED096D7A4}" type="pres">
+      <dgm:prSet presAssocID="{BAAC2F13-35E1-42D4-83EA-E95124B7F86B}" presName="childNode" presStyleLbl="node1" presStyleIdx="4" presStyleCnt="16">
         <dgm:presLayoutVars>
           <dgm:bulletEnabled val="1"/>
         </dgm:presLayoutVars>
       </dgm:prSet>
       <dgm:spPr/>
     </dgm:pt>
-    <dgm:pt modelId="{4C2A5169-43F0-479D-975A-302273F45DCF}" type="pres">
-      <dgm:prSet presAssocID="{AB094CA3-B739-4057-A9F5-51508AD51270}" presName="aSpace2" presStyleCnt="0"/>
+    <dgm:pt modelId="{7E11F440-5ACD-4304-9624-139A6BD1D69D}" type="pres">
+      <dgm:prSet presAssocID="{BAAC2F13-35E1-42D4-83EA-E95124B7F86B}" presName="aSpace2" presStyleCnt="0"/>
       <dgm:spPr/>
     </dgm:pt>
-    <dgm:pt modelId="{95C3CD60-612A-445C-8945-1A90DEA5FB2D}" type="pres">
-      <dgm:prSet presAssocID="{724DB452-7D06-4978-8BE8-FE2DAF726C46}" presName="childNode" presStyleLbl="node1" presStyleIdx="5" presStyleCnt="13" custLinFactNeighborY="-49886">
+    <dgm:pt modelId="{439F2BD0-5ECE-47F5-96EB-8C15240CE4C0}" type="pres">
+      <dgm:prSet presAssocID="{8198A70F-9317-436D-8F08-0AC81F9968F3}" presName="childNode" presStyleLbl="node1" presStyleIdx="5" presStyleCnt="16">
+        <dgm:presLayoutVars>
+          <dgm:bulletEnabled val="1"/>
+        </dgm:presLayoutVars>
+      </dgm:prSet>
+      <dgm:spPr/>
+    </dgm:pt>
+    <dgm:pt modelId="{E67BA828-4903-484C-9F3A-414958B10E15}" type="pres">
+      <dgm:prSet presAssocID="{8198A70F-9317-436D-8F08-0AC81F9968F3}" presName="aSpace2" presStyleCnt="0"/>
+      <dgm:spPr/>
+    </dgm:pt>
+    <dgm:pt modelId="{1CA68A87-615B-493E-B982-5B0274769EA0}" type="pres">
+      <dgm:prSet presAssocID="{D70433F3-68B7-4247-852C-DC9FBCA8FD28}" presName="childNode" presStyleLbl="node1" presStyleIdx="6" presStyleCnt="16">
+        <dgm:presLayoutVars>
+          <dgm:bulletEnabled val="1"/>
+        </dgm:presLayoutVars>
+      </dgm:prSet>
+      <dgm:spPr/>
+    </dgm:pt>
+    <dgm:pt modelId="{D7F7E5F7-0201-4180-A2FF-8C89F3667AA3}" type="pres">
+      <dgm:prSet presAssocID="{D70433F3-68B7-4247-852C-DC9FBCA8FD28}" presName="aSpace2" presStyleCnt="0"/>
+      <dgm:spPr/>
+    </dgm:pt>
+    <dgm:pt modelId="{77AAFC94-928F-48BE-8521-D99564A335BE}" type="pres">
+      <dgm:prSet presAssocID="{76446F50-8585-4EAD-8E0A-091AD4AEA0AD}" presName="childNode" presStyleLbl="node1" presStyleIdx="7" presStyleCnt="16">
+        <dgm:presLayoutVars>
+          <dgm:bulletEnabled val="1"/>
+        </dgm:presLayoutVars>
+      </dgm:prSet>
+      <dgm:spPr/>
+    </dgm:pt>
+    <dgm:pt modelId="{8031CC1B-8CEF-486F-A280-0A4054653BEB}" type="pres">
+      <dgm:prSet presAssocID="{76446F50-8585-4EAD-8E0A-091AD4AEA0AD}" presName="aSpace2" presStyleCnt="0"/>
+      <dgm:spPr/>
+    </dgm:pt>
+    <dgm:pt modelId="{CD7BFE3A-819A-4DEC-AD24-53B2197D74AD}" type="pres">
+      <dgm:prSet presAssocID="{8629CAE1-996E-4D07-99B6-0473ABB8A6DF}" presName="childNode" presStyleLbl="node1" presStyleIdx="8" presStyleCnt="16">
         <dgm:presLayoutVars>
           <dgm:bulletEnabled val="1"/>
         </dgm:presLayoutVars>
@@ -10644,7 +10926,7 @@
       <dgm:spPr/>
     </dgm:pt>
     <dgm:pt modelId="{4D4DAFA4-C90B-466E-868F-E1AA5D67BB5B}" type="pres">
-      <dgm:prSet presAssocID="{426183AA-488C-4433-AA71-797B9CA84EC1}" presName="childNode" presStyleLbl="node1" presStyleIdx="6" presStyleCnt="13" custLinFactNeighborY="-58490">
+      <dgm:prSet presAssocID="{426183AA-488C-4433-AA71-797B9CA84EC1}" presName="childNode" presStyleLbl="node1" presStyleIdx="9" presStyleCnt="16" custLinFactNeighborY="-58490">
         <dgm:presLayoutVars>
           <dgm:bulletEnabled val="1"/>
         </dgm:presLayoutVars>
@@ -10655,56 +10937,56 @@
       <dgm:prSet presAssocID="{426183AA-488C-4433-AA71-797B9CA84EC1}" presName="aSpace2" presStyleCnt="0"/>
       <dgm:spPr/>
     </dgm:pt>
-    <dgm:pt modelId="{6EE5D20F-7DA9-46EF-B6BE-34E52C5287EC}" type="pres">
-      <dgm:prSet presAssocID="{6B72AD0C-E42F-4863-8117-DA4826B0C3A5}" presName="childNode" presStyleLbl="node1" presStyleIdx="7" presStyleCnt="13" custLinFactNeighborY="-58490">
+    <dgm:pt modelId="{4B4BA176-2D09-45A2-B4E2-C4F4324E4B9F}" type="pres">
+      <dgm:prSet presAssocID="{C7474857-9B49-4136-86C2-3CC5D25DEB11}" presName="childNode" presStyleLbl="node1" presStyleIdx="10" presStyleCnt="16">
         <dgm:presLayoutVars>
           <dgm:bulletEnabled val="1"/>
         </dgm:presLayoutVars>
       </dgm:prSet>
       <dgm:spPr/>
     </dgm:pt>
-    <dgm:pt modelId="{AE5827AB-61BB-455E-877E-68EB196C322A}" type="pres">
-      <dgm:prSet presAssocID="{6B72AD0C-E42F-4863-8117-DA4826B0C3A5}" presName="aSpace2" presStyleCnt="0"/>
+    <dgm:pt modelId="{6C7A190D-E879-44CE-84B4-FC5627C08EC5}" type="pres">
+      <dgm:prSet presAssocID="{C7474857-9B49-4136-86C2-3CC5D25DEB11}" presName="aSpace2" presStyleCnt="0"/>
       <dgm:spPr/>
     </dgm:pt>
-    <dgm:pt modelId="{50F8A9DA-AD41-4575-9957-564B090962DE}" type="pres">
-      <dgm:prSet presAssocID="{9D507BAB-9D0D-478B-8D0D-4BB55C0B7A63}" presName="childNode" presStyleLbl="node1" presStyleIdx="8" presStyleCnt="13" custLinFactNeighborY="-58490">
+    <dgm:pt modelId="{26DE1717-9F3F-4292-A2B2-642981049B95}" type="pres">
+      <dgm:prSet presAssocID="{BCCC9D53-FDB4-4213-9A89-A0F707EAB8DC}" presName="childNode" presStyleLbl="node1" presStyleIdx="11" presStyleCnt="16">
         <dgm:presLayoutVars>
           <dgm:bulletEnabled val="1"/>
         </dgm:presLayoutVars>
       </dgm:prSet>
       <dgm:spPr/>
     </dgm:pt>
-    <dgm:pt modelId="{FD276D3A-487E-4E9C-968A-EBCD81570D79}" type="pres">
-      <dgm:prSet presAssocID="{9D507BAB-9D0D-478B-8D0D-4BB55C0B7A63}" presName="aSpace2" presStyleCnt="0"/>
+    <dgm:pt modelId="{F08604A4-B133-4C5A-93BB-435ECD675DF7}" type="pres">
+      <dgm:prSet presAssocID="{BCCC9D53-FDB4-4213-9A89-A0F707EAB8DC}" presName="aSpace2" presStyleCnt="0"/>
       <dgm:spPr/>
     </dgm:pt>
-    <dgm:pt modelId="{00032B8A-B2B5-4A57-AB25-5E5DD88CFD83}" type="pres">
-      <dgm:prSet presAssocID="{0BFF4586-8D18-46A5-8896-5048D3475571}" presName="childNode" presStyleLbl="node1" presStyleIdx="9" presStyleCnt="13" custLinFactNeighborY="-58490">
+    <dgm:pt modelId="{2BB747E5-F454-4B8A-BEF0-F7064C1D7627}" type="pres">
+      <dgm:prSet presAssocID="{E582B4DD-572F-4DFD-A018-158860054FB5}" presName="childNode" presStyleLbl="node1" presStyleIdx="12" presStyleCnt="16">
         <dgm:presLayoutVars>
           <dgm:bulletEnabled val="1"/>
         </dgm:presLayoutVars>
       </dgm:prSet>
       <dgm:spPr/>
     </dgm:pt>
-    <dgm:pt modelId="{DAB28D56-9F82-42B9-8D18-12D415CDFFEE}" type="pres">
-      <dgm:prSet presAssocID="{0BFF4586-8D18-46A5-8896-5048D3475571}" presName="aSpace2" presStyleCnt="0"/>
+    <dgm:pt modelId="{EBD5C703-7187-4EBC-86AF-5A3A46433306}" type="pres">
+      <dgm:prSet presAssocID="{E582B4DD-572F-4DFD-A018-158860054FB5}" presName="aSpace2" presStyleCnt="0"/>
       <dgm:spPr/>
     </dgm:pt>
-    <dgm:pt modelId="{051F8A55-70B1-497F-A7B8-88104897E8DC}" type="pres">
-      <dgm:prSet presAssocID="{CDC35A87-877A-46FC-A809-A39FC7F8E6C4}" presName="childNode" presStyleLbl="node1" presStyleIdx="10" presStyleCnt="13" custLinFactNeighborY="-58490">
+    <dgm:pt modelId="{D0D5A8D9-3AED-409F-9899-B20AE7B41CB4}" type="pres">
+      <dgm:prSet presAssocID="{3C343798-934C-41B2-8E4A-19BA03CD048B}" presName="childNode" presStyleLbl="node1" presStyleIdx="13" presStyleCnt="16">
         <dgm:presLayoutVars>
           <dgm:bulletEnabled val="1"/>
         </dgm:presLayoutVars>
       </dgm:prSet>
       <dgm:spPr/>
     </dgm:pt>
-    <dgm:pt modelId="{653FF277-76F3-40F8-8FDA-056E5D5F4725}" type="pres">
-      <dgm:prSet presAssocID="{CDC35A87-877A-46FC-A809-A39FC7F8E6C4}" presName="aSpace2" presStyleCnt="0"/>
+    <dgm:pt modelId="{35506628-7C7F-4ED6-84E3-5FFDB1C3968A}" type="pres">
+      <dgm:prSet presAssocID="{3C343798-934C-41B2-8E4A-19BA03CD048B}" presName="aSpace2" presStyleCnt="0"/>
       <dgm:spPr/>
     </dgm:pt>
     <dgm:pt modelId="{356083D3-C4BD-4C8E-AEAE-BCC4479C3D08}" type="pres">
-      <dgm:prSet presAssocID="{BD5C0341-3039-46BD-90D3-8015380E1018}" presName="childNode" presStyleLbl="node1" presStyleIdx="11" presStyleCnt="13">
+      <dgm:prSet presAssocID="{BD5C0341-3039-46BD-90D3-8015380E1018}" presName="childNode" presStyleLbl="node1" presStyleIdx="14" presStyleCnt="16">
         <dgm:presLayoutVars>
           <dgm:bulletEnabled val="1"/>
         </dgm:presLayoutVars>
@@ -10716,7 +10998,7 @@
       <dgm:spPr/>
     </dgm:pt>
     <dgm:pt modelId="{221BABF8-E06C-409C-ACF6-596E0A3EF6EF}" type="pres">
-      <dgm:prSet presAssocID="{618717AC-5AA6-49C8-B57F-0E394FE7C03D}" presName="childNode" presStyleLbl="node1" presStyleIdx="12" presStyleCnt="13">
+      <dgm:prSet presAssocID="{618717AC-5AA6-49C8-B57F-0E394FE7C03D}" presName="childNode" presStyleLbl="node1" presStyleIdx="15" presStyleCnt="16">
         <dgm:presLayoutVars>
           <dgm:bulletEnabled val="1"/>
         </dgm:presLayoutVars>
@@ -10725,39 +11007,45 @@
     </dgm:pt>
   </dgm:ptLst>
   <dgm:cxnLst>
-    <dgm:cxn modelId="{739D9005-A3DD-4DB6-813B-D4EE47A2F10A}" srcId="{7EA573AF-2EA6-45B3-AB91-9834AA7F1B8C}" destId="{E77B5397-38F2-4D59-98B5-9CBD20A7DF8B}" srcOrd="2" destOrd="0" parTransId="{401D0685-5A4D-4231-8342-42728A075644}" sibTransId="{6C19DD2B-CC49-47C2-AF34-246E139032D2}"/>
-    <dgm:cxn modelId="{955CDC06-94C1-4AFA-9DC7-6F8D33FD7490}" srcId="{4DF28202-644C-43F4-9CF3-B9B2C4E83E68}" destId="{6B72AD0C-E42F-4863-8117-DA4826B0C3A5}" srcOrd="1" destOrd="0" parTransId="{7DC77707-D236-43E3-9FFA-F3380C060B3A}" sibTransId="{92165ED5-04A9-4864-BA9E-83ECB193FA43}"/>
     <dgm:cxn modelId="{B386390A-B128-4CB0-83E3-A01325455089}" type="presOf" srcId="{107946DE-C2C4-4386-9EBA-E5161DA35262}" destId="{F890486D-DB39-4CE4-947C-1B7E1BE6B4B0}" srcOrd="0" destOrd="0" presId="urn:microsoft.com/office/officeart/2005/8/layout/lProcess2"/>
-    <dgm:cxn modelId="{06E5230E-F71C-4E50-BD40-B53D96E1BAF6}" type="presOf" srcId="{03CC2CE4-C1A6-47A8-8556-BC6DA11E3D48}" destId="{F7F417A3-0986-4A3C-9D86-990355455BC5}" srcOrd="0" destOrd="0" presId="urn:microsoft.com/office/officeart/2005/8/layout/lProcess2"/>
+    <dgm:cxn modelId="{9C729A17-0574-48AC-A20C-347239D77C55}" srcId="{4DF28202-644C-43F4-9CF3-B9B2C4E83E68}" destId="{C7474857-9B49-4136-86C2-3CC5D25DEB11}" srcOrd="1" destOrd="0" parTransId="{E50B406E-DDBE-4DF0-A241-80C9327E3012}" sibTransId="{1EB78854-F702-40E8-B653-192FD7F008C0}"/>
     <dgm:cxn modelId="{AB2CC519-BB0D-44B4-81FD-7767F953726F}" type="presOf" srcId="{618717AC-5AA6-49C8-B57F-0E394FE7C03D}" destId="{221BABF8-E06C-409C-ACF6-596E0A3EF6EF}" srcOrd="0" destOrd="0" presId="urn:microsoft.com/office/officeart/2005/8/layout/lProcess2"/>
-    <dgm:cxn modelId="{EDCF1F2D-9E41-418B-A436-11BD2E612531}" type="presOf" srcId="{CDC35A87-877A-46FC-A809-A39FC7F8E6C4}" destId="{051F8A55-70B1-497F-A7B8-88104897E8DC}" srcOrd="0" destOrd="0" presId="urn:microsoft.com/office/officeart/2005/8/layout/lProcess2"/>
+    <dgm:cxn modelId="{DE084A27-BBC2-4F05-9F93-128EA00EEE1A}" srcId="{7EA573AF-2EA6-45B3-AB91-9834AA7F1B8C}" destId="{D70433F3-68B7-4247-852C-DC9FBCA8FD28}" srcOrd="6" destOrd="0" parTransId="{D7D87CDB-506F-44DB-BB67-2130D318BDB3}" sibTransId="{B72D3910-4844-4017-800B-A2571387006A}"/>
+    <dgm:cxn modelId="{E04F5128-AA91-4200-80F7-D2109641E353}" srcId="{7EA573AF-2EA6-45B3-AB91-9834AA7F1B8C}" destId="{87D2B8A6-B59D-43B6-82B2-2F322F27757F}" srcOrd="2" destOrd="0" parTransId="{7365C723-F6D8-4A5A-9BC7-CA8A2E8DBA1E}" sibTransId="{0915495F-3346-430D-B9B2-1BA3CD631313}"/>
     <dgm:cxn modelId="{7B5B7F2F-B321-48EC-9C35-4A1D9C1AC1B1}" type="presOf" srcId="{4DF28202-644C-43F4-9CF3-B9B2C4E83E68}" destId="{E5E57B1A-C299-4727-8300-37CCB54B376C}" srcOrd="0" destOrd="0" presId="urn:microsoft.com/office/officeart/2005/8/layout/lProcess2"/>
+    <dgm:cxn modelId="{8436D531-4ADC-491B-B1B7-7725785C4E04}" srcId="{7EA573AF-2EA6-45B3-AB91-9834AA7F1B8C}" destId="{76446F50-8585-4EAD-8E0A-091AD4AEA0AD}" srcOrd="7" destOrd="0" parTransId="{6288B4E4-D173-4C74-9B17-8081546C27C0}" sibTransId="{5FB362F3-EB0F-48C6-960A-0AF99A513406}"/>
+    <dgm:cxn modelId="{3DF6DD34-97F7-4C62-94F7-C15EB361FE3B}" type="presOf" srcId="{76446F50-8585-4EAD-8E0A-091AD4AEA0AD}" destId="{77AAFC94-928F-48BE-8521-D99564A335BE}" srcOrd="0" destOrd="0" presId="urn:microsoft.com/office/officeart/2005/8/layout/lProcess2"/>
+    <dgm:cxn modelId="{2FFF063F-C163-45AF-AFF5-42EEFB26FFA0}" type="presOf" srcId="{8629CAE1-996E-4D07-99B6-0473ABB8A6DF}" destId="{CD7BFE3A-819A-4DEC-AD24-53B2197D74AD}" srcOrd="0" destOrd="0" presId="urn:microsoft.com/office/officeart/2005/8/layout/lProcess2"/>
     <dgm:cxn modelId="{4786823F-B953-4DF0-8CD8-1374B21BF4FB}" srcId="{107946DE-C2C4-4386-9EBA-E5161DA35262}" destId="{7EA573AF-2EA6-45B3-AB91-9834AA7F1B8C}" srcOrd="0" destOrd="0" parTransId="{E181BC30-605F-405F-8070-EC8A19FD5A8B}" sibTransId="{AE56B8F1-12D2-47B4-B2F2-FC7494CCAFD0}"/>
     <dgm:cxn modelId="{0F17B762-E10D-4E54-84C4-7B1C258B20D8}" type="presOf" srcId="{426183AA-488C-4433-AA71-797B9CA84EC1}" destId="{4D4DAFA4-C90B-466E-868F-E1AA5D67BB5B}" srcOrd="0" destOrd="0" presId="urn:microsoft.com/office/officeart/2005/8/layout/lProcess2"/>
-    <dgm:cxn modelId="{D5FECE49-8B3B-4304-B7E0-D19E0FA9623D}" srcId="{7EA573AF-2EA6-45B3-AB91-9834AA7F1B8C}" destId="{724DB452-7D06-4978-8BE8-FE2DAF726C46}" srcOrd="5" destOrd="0" parTransId="{C1BB5C3F-1D83-4435-A5E9-F61CD303C362}" sibTransId="{791FEA6A-12CD-44E5-AF67-391FC1678671}"/>
-    <dgm:cxn modelId="{01ADD24A-BEC3-45BB-A3BA-FDDB6E9ADA08}" srcId="{4DF28202-644C-43F4-9CF3-B9B2C4E83E68}" destId="{0BFF4586-8D18-46A5-8896-5048D3475571}" srcOrd="3" destOrd="0" parTransId="{2C3F6CA6-9FF7-4F73-84B7-75ED66E97A03}" sibTransId="{81FDA639-0ADB-4815-8E83-D77031CDE357}"/>
-    <dgm:cxn modelId="{713BD54B-9B21-4B56-86EC-4EF992E2047E}" srcId="{7EA573AF-2EA6-45B3-AB91-9834AA7F1B8C}" destId="{AB094CA3-B739-4057-A9F5-51508AD51270}" srcOrd="4" destOrd="0" parTransId="{6372575E-FBBC-49C5-8A07-98A6ECD75B32}" sibTransId="{77BD0295-4561-4A71-9404-271804FFF13E}"/>
+    <dgm:cxn modelId="{89627C4B-541B-4041-8019-009EE974FD71}" type="presOf" srcId="{BCCC9D53-FDB4-4213-9A89-A0F707EAB8DC}" destId="{26DE1717-9F3F-4292-A2B2-642981049B95}" srcOrd="0" destOrd="0" presId="urn:microsoft.com/office/officeart/2005/8/layout/lProcess2"/>
+    <dgm:cxn modelId="{5257D76C-6E7B-4704-803E-0B1B64021486}" type="presOf" srcId="{3C343798-934C-41B2-8E4A-19BA03CD048B}" destId="{D0D5A8D9-3AED-409F-9899-B20AE7B41CB4}" srcOrd="0" destOrd="0" presId="urn:microsoft.com/office/officeart/2005/8/layout/lProcess2"/>
+    <dgm:cxn modelId="{7570D94F-2727-423A-A865-5C4B2AC1AD3C}" type="presOf" srcId="{D70433F3-68B7-4247-852C-DC9FBCA8FD28}" destId="{1CA68A87-615B-493E-B982-5B0274769EA0}" srcOrd="0" destOrd="0" presId="urn:microsoft.com/office/officeart/2005/8/layout/lProcess2"/>
     <dgm:cxn modelId="{DE8B2750-FF02-4467-BB09-067D6B6320A6}" srcId="{7EA573AF-2EA6-45B3-AB91-9834AA7F1B8C}" destId="{634AB82D-E6CF-42C8-9693-96DB7E02D80C}" srcOrd="0" destOrd="0" parTransId="{BE20C511-E695-4E6B-8336-5A3A5836E5DA}" sibTransId="{4540DF5E-6003-48B8-8B9D-CA6FF123901D}"/>
-    <dgm:cxn modelId="{F2FCB97B-8CAA-4443-AC99-677582D9392C}" type="presOf" srcId="{0BFF4586-8D18-46A5-8896-5048D3475571}" destId="{00032B8A-B2B5-4A57-AB25-5E5DD88CFD83}" srcOrd="0" destOrd="0" presId="urn:microsoft.com/office/officeart/2005/8/layout/lProcess2"/>
-    <dgm:cxn modelId="{08370C84-70D1-44BF-A2AC-9C7A344C22BF}" type="presOf" srcId="{6B72AD0C-E42F-4863-8117-DA4826B0C3A5}" destId="{6EE5D20F-7DA9-46EF-B6BE-34E52C5287EC}" srcOrd="0" destOrd="0" presId="urn:microsoft.com/office/officeart/2005/8/layout/lProcess2"/>
+    <dgm:cxn modelId="{CF5FB151-24A2-4D0B-89A9-1E40A8106EC3}" type="presOf" srcId="{BAAC2F13-35E1-42D4-83EA-E95124B7F86B}" destId="{F75E2599-2C8C-407B-8299-3FDED096D7A4}" srcOrd="0" destOrd="0" presId="urn:microsoft.com/office/officeart/2005/8/layout/lProcess2"/>
+    <dgm:cxn modelId="{DD233779-D808-4AD3-80AD-D8C652580EF3}" type="presOf" srcId="{8198A70F-9317-436D-8F08-0AC81F9968F3}" destId="{439F2BD0-5ECE-47F5-96EB-8C15240CE4C0}" srcOrd="0" destOrd="0" presId="urn:microsoft.com/office/officeart/2005/8/layout/lProcess2"/>
+    <dgm:cxn modelId="{3D4BA35A-90F6-4D30-8FEB-B0367707904C}" srcId="{4DF28202-644C-43F4-9CF3-B9B2C4E83E68}" destId="{E582B4DD-572F-4DFD-A018-158860054FB5}" srcOrd="3" destOrd="0" parTransId="{AA1C9C6E-A00E-4552-BA91-86BD5AAC9DFA}" sibTransId="{4D3617F1-A68D-4A9F-80D5-1AA8D06CAB2D}"/>
+    <dgm:cxn modelId="{8D17257B-D6D8-493D-B782-5F74261EF218}" srcId="{7EA573AF-2EA6-45B3-AB91-9834AA7F1B8C}" destId="{8198A70F-9317-436D-8F08-0AC81F9968F3}" srcOrd="5" destOrd="0" parTransId="{C79DD4FA-F0AA-4B2C-A716-411EC9AE3463}" sibTransId="{3C74EBC7-81D9-48FA-996E-F7A3E719AF28}"/>
+    <dgm:cxn modelId="{C35FBD7D-2442-40F6-9B2E-00204D9F297C}" type="presOf" srcId="{AC12D952-D418-4745-9991-7362D5BED5F5}" destId="{0597D8FA-125D-452B-9437-1823AAA71CA4}" srcOrd="0" destOrd="0" presId="urn:microsoft.com/office/officeart/2005/8/layout/lProcess2"/>
     <dgm:cxn modelId="{F6A46E8A-76F0-4495-9538-3A0A973B3068}" srcId="{4DF28202-644C-43F4-9CF3-B9B2C4E83E68}" destId="{618717AC-5AA6-49C8-B57F-0E394FE7C03D}" srcOrd="6" destOrd="0" parTransId="{355E6289-9999-4FE7-9105-1EDA32D08A06}" sibTransId="{9A0374BF-CD7C-41EB-9754-B8188FD94B75}"/>
+    <dgm:cxn modelId="{511C738E-34A8-4B97-B45F-A1E2BCE6C217}" type="presOf" srcId="{E582B4DD-572F-4DFD-A018-158860054FB5}" destId="{2BB747E5-F454-4B8A-BEF0-F7064C1D7627}" srcOrd="0" destOrd="0" presId="urn:microsoft.com/office/officeart/2005/8/layout/lProcess2"/>
+    <dgm:cxn modelId="{26300691-135E-4D62-B63F-CA0A68E1658E}" type="presOf" srcId="{92D987A2-BA97-42A9-9963-224AAB9F2E91}" destId="{6FEDDE87-9339-40C2-8908-B2B7708B3DBB}" srcOrd="0" destOrd="0" presId="urn:microsoft.com/office/officeart/2005/8/layout/lProcess2"/>
     <dgm:cxn modelId="{815A5C92-253B-4CF1-BED6-4753F5159426}" srcId="{4DF28202-644C-43F4-9CF3-B9B2C4E83E68}" destId="{BD5C0341-3039-46BD-90D3-8015380E1018}" srcOrd="5" destOrd="0" parTransId="{90569739-73A9-4E95-876F-6D41F632B2E8}" sibTransId="{D217AA99-AEC8-428B-87BF-28AE8BD1400E}"/>
-    <dgm:cxn modelId="{4BA17D92-EBC3-47F2-9711-05F8D81DB8E4}" type="presOf" srcId="{AB094CA3-B739-4057-A9F5-51508AD51270}" destId="{61DB0AD6-5CCF-47C9-8A30-B47139B21DCF}" srcOrd="0" destOrd="0" presId="urn:microsoft.com/office/officeart/2005/8/layout/lProcess2"/>
-    <dgm:cxn modelId="{CA212694-1BAA-49F2-A3AF-681CB0AE062C}" srcId="{4DF28202-644C-43F4-9CF3-B9B2C4E83E68}" destId="{9D507BAB-9D0D-478B-8D0D-4BB55C0B7A63}" srcOrd="2" destOrd="0" parTransId="{B28DD796-8CF7-4090-8D20-535090B3DA81}" sibTransId="{7BDC5860-1127-4D43-ABB1-9C7650E61D89}"/>
-    <dgm:cxn modelId="{5A73B298-DAFE-4D37-AA7F-F8A42B348BFA}" srcId="{4DF28202-644C-43F4-9CF3-B9B2C4E83E68}" destId="{CDC35A87-877A-46FC-A809-A39FC7F8E6C4}" srcOrd="4" destOrd="0" parTransId="{E87ED3E5-B3B4-4B5B-B7EE-BD9C0E31D231}" sibTransId="{AF5F8A9B-C3FC-4E7F-967C-9D328A6F2F83}"/>
-    <dgm:cxn modelId="{42C835A5-4605-449C-A93D-611C65EEE088}" srcId="{7EA573AF-2EA6-45B3-AB91-9834AA7F1B8C}" destId="{03CC2CE4-C1A6-47A8-8556-BC6DA11E3D48}" srcOrd="3" destOrd="0" parTransId="{8873EA3E-6872-4BD7-899A-64FFC610BA13}" sibTransId="{C77EE667-4DC4-41FA-BF17-A2456E5D7485}"/>
+    <dgm:cxn modelId="{11CB5C93-450A-4436-907D-4BEC5874FC62}" srcId="{7EA573AF-2EA6-45B3-AB91-9834AA7F1B8C}" destId="{AC12D952-D418-4745-9991-7362D5BED5F5}" srcOrd="1" destOrd="0" parTransId="{A2D98EDE-1971-494F-9154-AC7968BB5417}" sibTransId="{4359B5CB-20DC-41A3-8989-6C32DF06F9FC}"/>
+    <dgm:cxn modelId="{FADEF9A1-B563-402E-BE91-ED7C462426F8}" srcId="{4DF28202-644C-43F4-9CF3-B9B2C4E83E68}" destId="{3C343798-934C-41B2-8E4A-19BA03CD048B}" srcOrd="4" destOrd="0" parTransId="{0BC31A61-8AA0-4C83-B9CD-020B067779F2}" sibTransId="{776B2654-FFDC-498B-B4B9-CDBF703F02C5}"/>
+    <dgm:cxn modelId="{A290BDA2-44D6-418F-BFFB-550B98A11F81}" type="presOf" srcId="{87D2B8A6-B59D-43B6-82B2-2F322F27757F}" destId="{C7C035C7-C044-4640-820B-F4553579DECB}" srcOrd="0" destOrd="0" presId="urn:microsoft.com/office/officeart/2005/8/layout/lProcess2"/>
     <dgm:cxn modelId="{A1D310A9-1916-4835-B609-2DDB954A8528}" type="presOf" srcId="{7EA573AF-2EA6-45B3-AB91-9834AA7F1B8C}" destId="{3A42FCC7-1D23-4DB5-8337-22EC5D1C587D}" srcOrd="0" destOrd="0" presId="urn:microsoft.com/office/officeart/2005/8/layout/lProcess2"/>
-    <dgm:cxn modelId="{DCB117C1-9715-48AC-A64C-60BFEB3CE58B}" type="presOf" srcId="{9D507BAB-9D0D-478B-8D0D-4BB55C0B7A63}" destId="{50F8A9DA-AD41-4575-9957-564B090962DE}" srcOrd="0" destOrd="0" presId="urn:microsoft.com/office/officeart/2005/8/layout/lProcess2"/>
-    <dgm:cxn modelId="{FBA127C4-E789-46AF-89B2-7DAFF876EA4B}" type="presOf" srcId="{E77B5397-38F2-4D59-98B5-9CBD20A7DF8B}" destId="{ACA7AC36-323C-42E1-9818-91C941AEA04B}" srcOrd="0" destOrd="0" presId="urn:microsoft.com/office/officeart/2005/8/layout/lProcess2"/>
+    <dgm:cxn modelId="{F83491AA-1947-4502-A735-1EC1C33804A8}" srcId="{7EA573AF-2EA6-45B3-AB91-9834AA7F1B8C}" destId="{8629CAE1-996E-4D07-99B6-0473ABB8A6DF}" srcOrd="8" destOrd="0" parTransId="{6B54C183-1F04-42CF-8C8D-04D6B3960F60}" sibTransId="{5A8C133B-73BE-4D53-B709-2CE3755146FD}"/>
+    <dgm:cxn modelId="{A90F8BAE-1615-40F7-A4EE-AC1C1874A0DE}" srcId="{4DF28202-644C-43F4-9CF3-B9B2C4E83E68}" destId="{BCCC9D53-FDB4-4213-9A89-A0F707EAB8DC}" srcOrd="2" destOrd="0" parTransId="{1B0ADE43-B9B2-47F0-A3F2-34824BAAD170}" sibTransId="{6645C6C8-7F77-41F3-9B8F-7E3C4D644312}"/>
     <dgm:cxn modelId="{9038F4C7-9F4E-42FD-8DDE-39D36D4A5A26}" srcId="{107946DE-C2C4-4386-9EBA-E5161DA35262}" destId="{4DF28202-644C-43F4-9CF3-B9B2C4E83E68}" srcOrd="1" destOrd="0" parTransId="{A48BFC43-3CF6-46F6-A8F4-2353778EE5EF}" sibTransId="{AFCC5E64-A0A0-4198-8944-B641477C6FE3}"/>
-    <dgm:cxn modelId="{59FD09CE-9984-4009-B95E-7C89C36C20EA}" type="presOf" srcId="{FA44A270-FCFA-49D3-99B2-F5901185F784}" destId="{404CD83B-AC74-4FA1-9E71-793D57710D4F}" srcOrd="0" destOrd="0" presId="urn:microsoft.com/office/officeart/2005/8/layout/lProcess2"/>
-    <dgm:cxn modelId="{E10D78D1-2382-4F61-A0EB-69E51A29B674}" srcId="{7EA573AF-2EA6-45B3-AB91-9834AA7F1B8C}" destId="{FA44A270-FCFA-49D3-99B2-F5901185F784}" srcOrd="1" destOrd="0" parTransId="{C7133854-6B1C-41F6-BE71-D3AEA50FFC41}" sibTransId="{3D523946-F6CF-4EF1-BD35-6E607784229D}"/>
+    <dgm:cxn modelId="{CD2B32CE-D80F-44AF-9809-1B0628CBE36F}" srcId="{7EA573AF-2EA6-45B3-AB91-9834AA7F1B8C}" destId="{92D987A2-BA97-42A9-9963-224AAB9F2E91}" srcOrd="3" destOrd="0" parTransId="{C7D8884E-083B-414E-AE09-6D621E8B47C3}" sibTransId="{35CB33BF-49DF-4B15-8C95-A5F4B9C55789}"/>
+    <dgm:cxn modelId="{5A0A3CCE-7FD2-4CBF-BCD4-29DB041D844E}" srcId="{7EA573AF-2EA6-45B3-AB91-9834AA7F1B8C}" destId="{BAAC2F13-35E1-42D4-83EA-E95124B7F86B}" srcOrd="4" destOrd="0" parTransId="{357C23B2-7F85-4040-B919-168F756C0828}" sibTransId="{CF3EADB4-5375-4497-B875-624103759198}"/>
     <dgm:cxn modelId="{279BDAD2-F9B2-41E4-BEE4-FAE8C69E4DBA}" type="presOf" srcId="{7EA573AF-2EA6-45B3-AB91-9834AA7F1B8C}" destId="{CD1B4912-CBC1-42FB-ABFA-0B64F2D752B0}" srcOrd="1" destOrd="0" presId="urn:microsoft.com/office/officeart/2005/8/layout/lProcess2"/>
-    <dgm:cxn modelId="{36A3D9D5-C1DD-4474-8BC9-9977D6E39B52}" type="presOf" srcId="{724DB452-7D06-4978-8BE8-FE2DAF726C46}" destId="{95C3CD60-612A-445C-8945-1A90DEA5FB2D}" srcOrd="0" destOrd="0" presId="urn:microsoft.com/office/officeart/2005/8/layout/lProcess2"/>
     <dgm:cxn modelId="{A203B8DB-317F-49FF-8317-D73BF54FD0B4}" type="presOf" srcId="{4DF28202-644C-43F4-9CF3-B9B2C4E83E68}" destId="{C5AAABD9-6568-4599-8FC1-98663CF05525}" srcOrd="1" destOrd="0" presId="urn:microsoft.com/office/officeart/2005/8/layout/lProcess2"/>
     <dgm:cxn modelId="{5A4565E0-92FF-4C01-BA36-60F56428FA3E}" type="presOf" srcId="{634AB82D-E6CF-42C8-9693-96DB7E02D80C}" destId="{1F555D24-2B4C-44FC-B79D-9D1260D42C26}" srcOrd="0" destOrd="0" presId="urn:microsoft.com/office/officeart/2005/8/layout/lProcess2"/>
     <dgm:cxn modelId="{1047A8FA-2010-4E95-A1DE-C760C59B700B}" srcId="{4DF28202-644C-43F4-9CF3-B9B2C4E83E68}" destId="{426183AA-488C-4433-AA71-797B9CA84EC1}" srcOrd="0" destOrd="0" parTransId="{A83DFA51-C255-4FED-B33B-4F297966D0E4}" sibTransId="{CEFCF58F-448D-45BC-87B1-C602EF86B20A}"/>
     <dgm:cxn modelId="{ECC0C6FE-8DB2-41D1-A791-C9CCE0224F32}" type="presOf" srcId="{BD5C0341-3039-46BD-90D3-8015380E1018}" destId="{356083D3-C4BD-4C8E-AEAE-BCC4479C3D08}" srcOrd="0" destOrd="0" presId="urn:microsoft.com/office/officeart/2005/8/layout/lProcess2"/>
+    <dgm:cxn modelId="{E8B3CDFE-2F2A-4E4B-B34C-52051A5B7142}" type="presOf" srcId="{C7474857-9B49-4136-86C2-3CC5D25DEB11}" destId="{4B4BA176-2D09-45A2-B4E2-C4F4324E4B9F}" srcOrd="0" destOrd="0" presId="urn:microsoft.com/office/officeart/2005/8/layout/lProcess2"/>
     <dgm:cxn modelId="{365BAA41-A2C7-40A4-A55F-7F56E6D7228E}" type="presParOf" srcId="{F890486D-DB39-4CE4-947C-1B7E1BE6B4B0}" destId="{B62939E9-7D16-4555-B2B0-D45699B64E8A}" srcOrd="0" destOrd="0" presId="urn:microsoft.com/office/officeart/2005/8/layout/lProcess2"/>
     <dgm:cxn modelId="{AA1DE8B8-1E36-4C46-B691-C9FD7DB29802}" type="presParOf" srcId="{B62939E9-7D16-4555-B2B0-D45699B64E8A}" destId="{3A42FCC7-1D23-4DB5-8337-22EC5D1C587D}" srcOrd="0" destOrd="0" presId="urn:microsoft.com/office/officeart/2005/8/layout/lProcess2"/>
     <dgm:cxn modelId="{E1076AA9-0094-45C7-8D4F-636B553DF8D9}" type="presParOf" srcId="{B62939E9-7D16-4555-B2B0-D45699B64E8A}" destId="{CD1B4912-CBC1-42FB-ABFA-0B64F2D752B0}" srcOrd="1" destOrd="0" presId="urn:microsoft.com/office/officeart/2005/8/layout/lProcess2"/>
@@ -10765,15 +11053,21 @@
     <dgm:cxn modelId="{7BB71EFE-E414-4B71-9A00-6A83A53BCEEE}" type="presParOf" srcId="{A6398D85-7592-400B-B8C4-E0FB95BA55AC}" destId="{57DB94B5-B1F6-4CA8-93F0-C980BE38E946}" srcOrd="0" destOrd="0" presId="urn:microsoft.com/office/officeart/2005/8/layout/lProcess2"/>
     <dgm:cxn modelId="{CCF98C9B-EF6A-42D4-AD66-136911A10A38}" type="presParOf" srcId="{57DB94B5-B1F6-4CA8-93F0-C980BE38E946}" destId="{1F555D24-2B4C-44FC-B79D-9D1260D42C26}" srcOrd="0" destOrd="0" presId="urn:microsoft.com/office/officeart/2005/8/layout/lProcess2"/>
     <dgm:cxn modelId="{49F4BE09-5EE2-479D-B830-B83C23481E8D}" type="presParOf" srcId="{57DB94B5-B1F6-4CA8-93F0-C980BE38E946}" destId="{A91099EC-C34E-4CD7-B69F-0D5DF6E852A5}" srcOrd="1" destOrd="0" presId="urn:microsoft.com/office/officeart/2005/8/layout/lProcess2"/>
-    <dgm:cxn modelId="{C1969F16-FE78-4E6B-8E49-53637B0180BF}" type="presParOf" srcId="{57DB94B5-B1F6-4CA8-93F0-C980BE38E946}" destId="{404CD83B-AC74-4FA1-9E71-793D57710D4F}" srcOrd="2" destOrd="0" presId="urn:microsoft.com/office/officeart/2005/8/layout/lProcess2"/>
-    <dgm:cxn modelId="{D00AC607-ADF8-4FF9-9788-741E916B692D}" type="presParOf" srcId="{57DB94B5-B1F6-4CA8-93F0-C980BE38E946}" destId="{3E1AEB30-9D42-440C-9897-6D7C59F8C724}" srcOrd="3" destOrd="0" presId="urn:microsoft.com/office/officeart/2005/8/layout/lProcess2"/>
-    <dgm:cxn modelId="{66B65F21-BD45-494B-A17F-AAD0A819960A}" type="presParOf" srcId="{57DB94B5-B1F6-4CA8-93F0-C980BE38E946}" destId="{ACA7AC36-323C-42E1-9818-91C941AEA04B}" srcOrd="4" destOrd="0" presId="urn:microsoft.com/office/officeart/2005/8/layout/lProcess2"/>
-    <dgm:cxn modelId="{73BF7D12-1C64-4FDD-96D7-31E3A4179FEB}" type="presParOf" srcId="{57DB94B5-B1F6-4CA8-93F0-C980BE38E946}" destId="{C3C48AB7-5354-4DD4-8195-A92D37F08B31}" srcOrd="5" destOrd="0" presId="urn:microsoft.com/office/officeart/2005/8/layout/lProcess2"/>
-    <dgm:cxn modelId="{8EAD63EA-FC7D-4D63-A50F-142C3873E96F}" type="presParOf" srcId="{57DB94B5-B1F6-4CA8-93F0-C980BE38E946}" destId="{F7F417A3-0986-4A3C-9D86-990355455BC5}" srcOrd="6" destOrd="0" presId="urn:microsoft.com/office/officeart/2005/8/layout/lProcess2"/>
-    <dgm:cxn modelId="{773878F8-2255-4EE1-8039-C09E58FC5C59}" type="presParOf" srcId="{57DB94B5-B1F6-4CA8-93F0-C980BE38E946}" destId="{9A8486A3-F785-44F9-87C0-80A32D823B5C}" srcOrd="7" destOrd="0" presId="urn:microsoft.com/office/officeart/2005/8/layout/lProcess2"/>
-    <dgm:cxn modelId="{15618A22-DEFB-483E-BF9A-7C7F9DE6BE4A}" type="presParOf" srcId="{57DB94B5-B1F6-4CA8-93F0-C980BE38E946}" destId="{61DB0AD6-5CCF-47C9-8A30-B47139B21DCF}" srcOrd="8" destOrd="0" presId="urn:microsoft.com/office/officeart/2005/8/layout/lProcess2"/>
-    <dgm:cxn modelId="{7D370DEA-DD5B-4C32-9E2D-D363EE15CEC9}" type="presParOf" srcId="{57DB94B5-B1F6-4CA8-93F0-C980BE38E946}" destId="{4C2A5169-43F0-479D-975A-302273F45DCF}" srcOrd="9" destOrd="0" presId="urn:microsoft.com/office/officeart/2005/8/layout/lProcess2"/>
-    <dgm:cxn modelId="{C7EE047F-4DD6-4F9A-B734-D7E5C86C4577}" type="presParOf" srcId="{57DB94B5-B1F6-4CA8-93F0-C980BE38E946}" destId="{95C3CD60-612A-445C-8945-1A90DEA5FB2D}" srcOrd="10" destOrd="0" presId="urn:microsoft.com/office/officeart/2005/8/layout/lProcess2"/>
+    <dgm:cxn modelId="{639D541E-B58E-48F1-BD9D-6418DDD0D9EC}" type="presParOf" srcId="{57DB94B5-B1F6-4CA8-93F0-C980BE38E946}" destId="{0597D8FA-125D-452B-9437-1823AAA71CA4}" srcOrd="2" destOrd="0" presId="urn:microsoft.com/office/officeart/2005/8/layout/lProcess2"/>
+    <dgm:cxn modelId="{C1BD0133-2280-43A5-A77B-C625DCD6C451}" type="presParOf" srcId="{57DB94B5-B1F6-4CA8-93F0-C980BE38E946}" destId="{83412AB0-F626-444F-949B-540E2B455847}" srcOrd="3" destOrd="0" presId="urn:microsoft.com/office/officeart/2005/8/layout/lProcess2"/>
+    <dgm:cxn modelId="{E6F9B1B3-CF3E-4C57-A784-2EBFD52B7D66}" type="presParOf" srcId="{57DB94B5-B1F6-4CA8-93F0-C980BE38E946}" destId="{C7C035C7-C044-4640-820B-F4553579DECB}" srcOrd="4" destOrd="0" presId="urn:microsoft.com/office/officeart/2005/8/layout/lProcess2"/>
+    <dgm:cxn modelId="{34A169D5-297D-4037-91F1-FEC5E58FF410}" type="presParOf" srcId="{57DB94B5-B1F6-4CA8-93F0-C980BE38E946}" destId="{D13BE4B1-16E2-48C2-B22C-CE2CB4C4BF01}" srcOrd="5" destOrd="0" presId="urn:microsoft.com/office/officeart/2005/8/layout/lProcess2"/>
+    <dgm:cxn modelId="{013F6469-4804-43D3-913C-F8D482217CCC}" type="presParOf" srcId="{57DB94B5-B1F6-4CA8-93F0-C980BE38E946}" destId="{6FEDDE87-9339-40C2-8908-B2B7708B3DBB}" srcOrd="6" destOrd="0" presId="urn:microsoft.com/office/officeart/2005/8/layout/lProcess2"/>
+    <dgm:cxn modelId="{E9CD52EE-BD6F-48F4-8CBF-3C8877059A31}" type="presParOf" srcId="{57DB94B5-B1F6-4CA8-93F0-C980BE38E946}" destId="{AC8FD743-1BDB-4170-A24D-DD1DF2C264C2}" srcOrd="7" destOrd="0" presId="urn:microsoft.com/office/officeart/2005/8/layout/lProcess2"/>
+    <dgm:cxn modelId="{A94564EE-EF79-4869-B71F-CFA87EC12C71}" type="presParOf" srcId="{57DB94B5-B1F6-4CA8-93F0-C980BE38E946}" destId="{F75E2599-2C8C-407B-8299-3FDED096D7A4}" srcOrd="8" destOrd="0" presId="urn:microsoft.com/office/officeart/2005/8/layout/lProcess2"/>
+    <dgm:cxn modelId="{B842696B-92FA-430B-9E15-05217EC1DB5C}" type="presParOf" srcId="{57DB94B5-B1F6-4CA8-93F0-C980BE38E946}" destId="{7E11F440-5ACD-4304-9624-139A6BD1D69D}" srcOrd="9" destOrd="0" presId="urn:microsoft.com/office/officeart/2005/8/layout/lProcess2"/>
+    <dgm:cxn modelId="{263B0373-35E7-4854-94BE-3AFD5CF93412}" type="presParOf" srcId="{57DB94B5-B1F6-4CA8-93F0-C980BE38E946}" destId="{439F2BD0-5ECE-47F5-96EB-8C15240CE4C0}" srcOrd="10" destOrd="0" presId="urn:microsoft.com/office/officeart/2005/8/layout/lProcess2"/>
+    <dgm:cxn modelId="{B1D75534-EA83-4556-AC04-6C300697FE13}" type="presParOf" srcId="{57DB94B5-B1F6-4CA8-93F0-C980BE38E946}" destId="{E67BA828-4903-484C-9F3A-414958B10E15}" srcOrd="11" destOrd="0" presId="urn:microsoft.com/office/officeart/2005/8/layout/lProcess2"/>
+    <dgm:cxn modelId="{991BFBA7-634E-44CF-A38B-B1E47469825B}" type="presParOf" srcId="{57DB94B5-B1F6-4CA8-93F0-C980BE38E946}" destId="{1CA68A87-615B-493E-B982-5B0274769EA0}" srcOrd="12" destOrd="0" presId="urn:microsoft.com/office/officeart/2005/8/layout/lProcess2"/>
+    <dgm:cxn modelId="{52ECD645-0082-4F63-968C-789B37C17DB7}" type="presParOf" srcId="{57DB94B5-B1F6-4CA8-93F0-C980BE38E946}" destId="{D7F7E5F7-0201-4180-A2FF-8C89F3667AA3}" srcOrd="13" destOrd="0" presId="urn:microsoft.com/office/officeart/2005/8/layout/lProcess2"/>
+    <dgm:cxn modelId="{ABD51688-C7FE-4B3F-92FB-3F773CDE0DDA}" type="presParOf" srcId="{57DB94B5-B1F6-4CA8-93F0-C980BE38E946}" destId="{77AAFC94-928F-48BE-8521-D99564A335BE}" srcOrd="14" destOrd="0" presId="urn:microsoft.com/office/officeart/2005/8/layout/lProcess2"/>
+    <dgm:cxn modelId="{664A7989-37C1-475A-BD86-5D0617A9F91B}" type="presParOf" srcId="{57DB94B5-B1F6-4CA8-93F0-C980BE38E946}" destId="{8031CC1B-8CEF-486F-A280-0A4054653BEB}" srcOrd="15" destOrd="0" presId="urn:microsoft.com/office/officeart/2005/8/layout/lProcess2"/>
+    <dgm:cxn modelId="{D2757496-71BB-4142-AA4E-44DDCE078C68}" type="presParOf" srcId="{57DB94B5-B1F6-4CA8-93F0-C980BE38E946}" destId="{CD7BFE3A-819A-4DEC-AD24-53B2197D74AD}" srcOrd="16" destOrd="0" presId="urn:microsoft.com/office/officeart/2005/8/layout/lProcess2"/>
     <dgm:cxn modelId="{765B01A8-A8FE-4A33-8E34-9991EC648E6E}" type="presParOf" srcId="{F890486D-DB39-4CE4-947C-1B7E1BE6B4B0}" destId="{3AE495EC-79A0-488A-8A6B-E958690B1EE0}" srcOrd="1" destOrd="0" presId="urn:microsoft.com/office/officeart/2005/8/layout/lProcess2"/>
     <dgm:cxn modelId="{7E4CB314-7C7E-4909-8FAE-8D3D6E40ADCF}" type="presParOf" srcId="{F890486D-DB39-4CE4-947C-1B7E1BE6B4B0}" destId="{C38D7398-AADC-4B45-9031-4CB1AAA032BF}" srcOrd="2" destOrd="0" presId="urn:microsoft.com/office/officeart/2005/8/layout/lProcess2"/>
     <dgm:cxn modelId="{64F5BCA7-01CD-476A-84A9-CE6208CC2402}" type="presParOf" srcId="{C38D7398-AADC-4B45-9031-4CB1AAA032BF}" destId="{E5E57B1A-C299-4727-8300-37CCB54B376C}" srcOrd="0" destOrd="0" presId="urn:microsoft.com/office/officeart/2005/8/layout/lProcess2"/>
@@ -10782,14 +11076,14 @@
     <dgm:cxn modelId="{34284DAF-B037-4197-A8B4-2D5BADCFA56D}" type="presParOf" srcId="{02389244-64AB-46D9-9724-91BC9F5B4DE5}" destId="{59901F42-D085-4C43-9215-8BEBB1F92141}" srcOrd="0" destOrd="0" presId="urn:microsoft.com/office/officeart/2005/8/layout/lProcess2"/>
     <dgm:cxn modelId="{3006D4D1-36A5-4FA0-AAB7-25716338FBEE}" type="presParOf" srcId="{59901F42-D085-4C43-9215-8BEBB1F92141}" destId="{4D4DAFA4-C90B-466E-868F-E1AA5D67BB5B}" srcOrd="0" destOrd="0" presId="urn:microsoft.com/office/officeart/2005/8/layout/lProcess2"/>
     <dgm:cxn modelId="{CEC1F658-8D24-4A29-8312-B975D33D1675}" type="presParOf" srcId="{59901F42-D085-4C43-9215-8BEBB1F92141}" destId="{4B1AFBEB-4BE1-4042-A42A-D66304C817A7}" srcOrd="1" destOrd="0" presId="urn:microsoft.com/office/officeart/2005/8/layout/lProcess2"/>
-    <dgm:cxn modelId="{6C1A5AB8-AFD3-4539-A8EF-D79A68D16EEB}" type="presParOf" srcId="{59901F42-D085-4C43-9215-8BEBB1F92141}" destId="{6EE5D20F-7DA9-46EF-B6BE-34E52C5287EC}" srcOrd="2" destOrd="0" presId="urn:microsoft.com/office/officeart/2005/8/layout/lProcess2"/>
-    <dgm:cxn modelId="{07EF3179-8926-4E3E-BF42-454EBBF3A295}" type="presParOf" srcId="{59901F42-D085-4C43-9215-8BEBB1F92141}" destId="{AE5827AB-61BB-455E-877E-68EB196C322A}" srcOrd="3" destOrd="0" presId="urn:microsoft.com/office/officeart/2005/8/layout/lProcess2"/>
-    <dgm:cxn modelId="{CFC8418F-5CD3-4837-BFC7-31756CDE3E04}" type="presParOf" srcId="{59901F42-D085-4C43-9215-8BEBB1F92141}" destId="{50F8A9DA-AD41-4575-9957-564B090962DE}" srcOrd="4" destOrd="0" presId="urn:microsoft.com/office/officeart/2005/8/layout/lProcess2"/>
-    <dgm:cxn modelId="{A1BE58DD-69FE-4B82-97C5-AF10AD7505BA}" type="presParOf" srcId="{59901F42-D085-4C43-9215-8BEBB1F92141}" destId="{FD276D3A-487E-4E9C-968A-EBCD81570D79}" srcOrd="5" destOrd="0" presId="urn:microsoft.com/office/officeart/2005/8/layout/lProcess2"/>
-    <dgm:cxn modelId="{8754D9AA-1E5D-4E6C-8B94-1BDD209BEB75}" type="presParOf" srcId="{59901F42-D085-4C43-9215-8BEBB1F92141}" destId="{00032B8A-B2B5-4A57-AB25-5E5DD88CFD83}" srcOrd="6" destOrd="0" presId="urn:microsoft.com/office/officeart/2005/8/layout/lProcess2"/>
-    <dgm:cxn modelId="{77E64EED-3CCD-43C5-A838-EE55802AF471}" type="presParOf" srcId="{59901F42-D085-4C43-9215-8BEBB1F92141}" destId="{DAB28D56-9F82-42B9-8D18-12D415CDFFEE}" srcOrd="7" destOrd="0" presId="urn:microsoft.com/office/officeart/2005/8/layout/lProcess2"/>
-    <dgm:cxn modelId="{963E33D8-F745-479A-9EE6-8EA6639ACAF9}" type="presParOf" srcId="{59901F42-D085-4C43-9215-8BEBB1F92141}" destId="{051F8A55-70B1-497F-A7B8-88104897E8DC}" srcOrd="8" destOrd="0" presId="urn:microsoft.com/office/officeart/2005/8/layout/lProcess2"/>
-    <dgm:cxn modelId="{006CDA0D-3729-4CA7-93C3-5C2CC7BE248F}" type="presParOf" srcId="{59901F42-D085-4C43-9215-8BEBB1F92141}" destId="{653FF277-76F3-40F8-8FDA-056E5D5F4725}" srcOrd="9" destOrd="0" presId="urn:microsoft.com/office/officeart/2005/8/layout/lProcess2"/>
+    <dgm:cxn modelId="{3204DBB0-DA17-4288-9BDC-17F0DD92EE34}" type="presParOf" srcId="{59901F42-D085-4C43-9215-8BEBB1F92141}" destId="{4B4BA176-2D09-45A2-B4E2-C4F4324E4B9F}" srcOrd="2" destOrd="0" presId="urn:microsoft.com/office/officeart/2005/8/layout/lProcess2"/>
+    <dgm:cxn modelId="{554CE6CE-92AF-41E1-9BA9-7D34EE7B7F54}" type="presParOf" srcId="{59901F42-D085-4C43-9215-8BEBB1F92141}" destId="{6C7A190D-E879-44CE-84B4-FC5627C08EC5}" srcOrd="3" destOrd="0" presId="urn:microsoft.com/office/officeart/2005/8/layout/lProcess2"/>
+    <dgm:cxn modelId="{D0E417A8-B977-4CEA-8BCE-32105A39B35D}" type="presParOf" srcId="{59901F42-D085-4C43-9215-8BEBB1F92141}" destId="{26DE1717-9F3F-4292-A2B2-642981049B95}" srcOrd="4" destOrd="0" presId="urn:microsoft.com/office/officeart/2005/8/layout/lProcess2"/>
+    <dgm:cxn modelId="{97340ED7-CEFC-4A4C-B78A-8018BF496A5A}" type="presParOf" srcId="{59901F42-D085-4C43-9215-8BEBB1F92141}" destId="{F08604A4-B133-4C5A-93BB-435ECD675DF7}" srcOrd="5" destOrd="0" presId="urn:microsoft.com/office/officeart/2005/8/layout/lProcess2"/>
+    <dgm:cxn modelId="{B54FF168-68B8-432F-B3C6-9BD33E6F8F8F}" type="presParOf" srcId="{59901F42-D085-4C43-9215-8BEBB1F92141}" destId="{2BB747E5-F454-4B8A-BEF0-F7064C1D7627}" srcOrd="6" destOrd="0" presId="urn:microsoft.com/office/officeart/2005/8/layout/lProcess2"/>
+    <dgm:cxn modelId="{A9AAFF50-51BC-4152-936A-AE43DA3E4FDD}" type="presParOf" srcId="{59901F42-D085-4C43-9215-8BEBB1F92141}" destId="{EBD5C703-7187-4EBC-86AF-5A3A46433306}" srcOrd="7" destOrd="0" presId="urn:microsoft.com/office/officeart/2005/8/layout/lProcess2"/>
+    <dgm:cxn modelId="{1FD35A6C-9603-4D22-880B-CA82EB986308}" type="presParOf" srcId="{59901F42-D085-4C43-9215-8BEBB1F92141}" destId="{D0D5A8D9-3AED-409F-9899-B20AE7B41CB4}" srcOrd="8" destOrd="0" presId="urn:microsoft.com/office/officeart/2005/8/layout/lProcess2"/>
+    <dgm:cxn modelId="{A6D2EBE0-08D6-432D-8AEC-3DFC52B4DDC4}" type="presParOf" srcId="{59901F42-D085-4C43-9215-8BEBB1F92141}" destId="{35506628-7C7F-4ED6-84E3-5FFDB1C3968A}" srcOrd="9" destOrd="0" presId="urn:microsoft.com/office/officeart/2005/8/layout/lProcess2"/>
     <dgm:cxn modelId="{100D3D91-2CCF-443A-9C9B-20FEB5950FAE}" type="presParOf" srcId="{59901F42-D085-4C43-9215-8BEBB1F92141}" destId="{356083D3-C4BD-4C8E-AEAE-BCC4479C3D08}" srcOrd="10" destOrd="0" presId="urn:microsoft.com/office/officeart/2005/8/layout/lProcess2"/>
     <dgm:cxn modelId="{6F2CAAF1-3921-4D6E-A41E-FF4FB49FB913}" type="presParOf" srcId="{59901F42-D085-4C43-9215-8BEBB1F92141}" destId="{7675C0F4-5C1D-457E-8D62-7C9FF27C97E2}" srcOrd="11" destOrd="0" presId="urn:microsoft.com/office/officeart/2005/8/layout/lProcess2"/>
     <dgm:cxn modelId="{148C8116-26EA-4122-8F14-64F0C4ED1C61}" type="presParOf" srcId="{59901F42-D085-4C43-9215-8BEBB1F92141}" destId="{221BABF8-E06C-409C-ACF6-596E0A3EF6EF}" srcOrd="12" destOrd="0" presId="urn:microsoft.com/office/officeart/2005/8/layout/lProcess2"/>
@@ -14965,8 +15259,8 @@
       </dsp:nvSpPr>
       <dsp:spPr>
         <a:xfrm>
-          <a:off x="267488" y="911936"/>
-          <a:ext cx="2117888" cy="291774"/>
+          <a:off x="267488" y="912654"/>
+          <a:ext cx="2117888" cy="192908"/>
         </a:xfrm>
         <a:prstGeom prst="roundRect">
           <a:avLst>
@@ -15006,12 +15300,12 @@
         </a:fontRef>
       </dsp:style>
       <dsp:txBody>
-        <a:bodyPr spcFirstLastPara="0" vert="horz" wrap="square" lIns="33020" tIns="24765" rIns="33020" bIns="24765" numCol="1" spcCol="1270" anchor="ctr" anchorCtr="0">
+        <a:bodyPr spcFirstLastPara="0" vert="horz" wrap="square" lIns="22860" tIns="17145" rIns="22860" bIns="17145" numCol="1" spcCol="1270" anchor="ctr" anchorCtr="0">
           <a:noAutofit/>
         </a:bodyPr>
         <a:lstStyle/>
         <a:p>
-          <a:pPr marL="0" lvl="0" indent="0" algn="ctr" defTabSz="577850">
+          <a:pPr marL="0" lvl="0" indent="0" algn="ctr" defTabSz="400050">
             <a:lnSpc>
               <a:spcPct val="90000"/>
             </a:lnSpc>
@@ -15024,25 +15318,29 @@
             <a:buNone/>
           </a:pPr>
           <a:r>
-            <a:rPr lang="en-US" sz="1300" kern="1200" dirty="0"/>
-            <a:t>User id </a:t>
+            <a:rPr lang="en-US" sz="900" kern="1200" dirty="0">
+              <a:solidFill>
+                <a:schemeClr val="tx1"/>
+              </a:solidFill>
+            </a:rPr>
+            <a:t>Username</a:t>
           </a:r>
         </a:p>
       </dsp:txBody>
       <dsp:txXfrm>
-        <a:off x="276034" y="920482"/>
-        <a:ext cx="2100796" cy="274682"/>
+        <a:off x="273138" y="918304"/>
+        <a:ext cx="2106588" cy="181608"/>
       </dsp:txXfrm>
     </dsp:sp>
-    <dsp:sp modelId="{404CD83B-AC74-4FA1-9E71-793D57710D4F}">
+    <dsp:sp modelId="{0597D8FA-125D-452B-9437-1823AAA71CA4}">
       <dsp:nvSpPr>
         <dsp:cNvPr id="0" name=""/>
         <dsp:cNvSpPr/>
       </dsp:nvSpPr>
       <dsp:spPr>
         <a:xfrm>
-          <a:off x="267488" y="1248599"/>
-          <a:ext cx="2117888" cy="291774"/>
+          <a:off x="267488" y="1135193"/>
+          <a:ext cx="2117888" cy="192908"/>
         </a:xfrm>
         <a:prstGeom prst="roundRect">
           <a:avLst>
@@ -15082,12 +15380,12 @@
         </a:fontRef>
       </dsp:style>
       <dsp:txBody>
-        <a:bodyPr spcFirstLastPara="0" vert="horz" wrap="square" lIns="33020" tIns="24765" rIns="33020" bIns="24765" numCol="1" spcCol="1270" anchor="ctr" anchorCtr="0">
+        <a:bodyPr spcFirstLastPara="0" vert="horz" wrap="square" lIns="22860" tIns="17145" rIns="22860" bIns="17145" numCol="1" spcCol="1270" anchor="ctr" anchorCtr="0">
           <a:noAutofit/>
         </a:bodyPr>
         <a:lstStyle/>
         <a:p>
-          <a:pPr marL="0" lvl="0" indent="0" algn="ctr" defTabSz="577850">
+          <a:pPr marL="0" lvl="0" indent="0" algn="ctr" defTabSz="400050">
             <a:lnSpc>
               <a:spcPct val="90000"/>
             </a:lnSpc>
@@ -15100,25 +15398,29 @@
             <a:buNone/>
           </a:pPr>
           <a:r>
-            <a:rPr lang="en-US" sz="1300" kern="1200" dirty="0"/>
-            <a:t>Username</a:t>
+            <a:rPr lang="en-US" sz="900" kern="1200" dirty="0">
+              <a:solidFill>
+                <a:schemeClr val="tx1"/>
+              </a:solidFill>
+            </a:rPr>
+            <a:t>Password (hashed)</a:t>
           </a:r>
         </a:p>
       </dsp:txBody>
       <dsp:txXfrm>
-        <a:off x="276034" y="1257145"/>
-        <a:ext cx="2100796" cy="274682"/>
+        <a:off x="273138" y="1140843"/>
+        <a:ext cx="2106588" cy="181608"/>
       </dsp:txXfrm>
     </dsp:sp>
-    <dsp:sp modelId="{ACA7AC36-323C-42E1-9818-91C941AEA04B}">
+    <dsp:sp modelId="{C7C035C7-C044-4640-820B-F4553579DECB}">
       <dsp:nvSpPr>
         <dsp:cNvPr id="0" name=""/>
         <dsp:cNvSpPr/>
       </dsp:nvSpPr>
       <dsp:spPr>
         <a:xfrm>
-          <a:off x="267488" y="1562797"/>
-          <a:ext cx="2117888" cy="291774"/>
+          <a:off x="267488" y="1357780"/>
+          <a:ext cx="2117888" cy="192908"/>
         </a:xfrm>
         <a:prstGeom prst="roundRect">
           <a:avLst>
@@ -15158,12 +15460,12 @@
         </a:fontRef>
       </dsp:style>
       <dsp:txBody>
-        <a:bodyPr spcFirstLastPara="0" vert="horz" wrap="square" lIns="33020" tIns="24765" rIns="33020" bIns="24765" numCol="1" spcCol="1270" anchor="ctr" anchorCtr="0">
+        <a:bodyPr spcFirstLastPara="0" vert="horz" wrap="square" lIns="22860" tIns="17145" rIns="22860" bIns="17145" numCol="1" spcCol="1270" anchor="ctr" anchorCtr="0">
           <a:noAutofit/>
         </a:bodyPr>
         <a:lstStyle/>
         <a:p>
-          <a:pPr marL="0" lvl="0" indent="0" algn="ctr" defTabSz="577850">
+          <a:pPr marL="0" lvl="0" indent="0" algn="ctr" defTabSz="400050">
             <a:lnSpc>
               <a:spcPct val="90000"/>
             </a:lnSpc>
@@ -15176,25 +15478,34 @@
             <a:buNone/>
           </a:pPr>
           <a:r>
-            <a:rPr lang="en-US" sz="1300" kern="1200" dirty="0"/>
-            <a:t>Icon</a:t>
+            <a:rPr lang="en-US" sz="900" kern="1200">
+              <a:solidFill>
+                <a:schemeClr val="tx1"/>
+              </a:solidFill>
+            </a:rPr>
+            <a:t>Email address</a:t>
           </a:r>
+          <a:endParaRPr lang="en-US" sz="900" kern="1200" dirty="0">
+            <a:solidFill>
+              <a:schemeClr val="tx1"/>
+            </a:solidFill>
+          </a:endParaRPr>
         </a:p>
       </dsp:txBody>
       <dsp:txXfrm>
-        <a:off x="276034" y="1571343"/>
-        <a:ext cx="2100796" cy="274682"/>
+        <a:off x="273138" y="1363430"/>
+        <a:ext cx="2106588" cy="181608"/>
       </dsp:txXfrm>
     </dsp:sp>
-    <dsp:sp modelId="{F7F417A3-0986-4A3C-9D86-990355455BC5}">
+    <dsp:sp modelId="{6FEDDE87-9339-40C2-8908-B2B7708B3DBB}">
       <dsp:nvSpPr>
         <dsp:cNvPr id="0" name=""/>
         <dsp:cNvSpPr/>
       </dsp:nvSpPr>
       <dsp:spPr>
         <a:xfrm>
-          <a:off x="267488" y="1899460"/>
-          <a:ext cx="2117888" cy="291774"/>
+          <a:off x="267488" y="1580367"/>
+          <a:ext cx="2117888" cy="192908"/>
         </a:xfrm>
         <a:prstGeom prst="roundRect">
           <a:avLst>
@@ -15234,12 +15545,12 @@
         </a:fontRef>
       </dsp:style>
       <dsp:txBody>
-        <a:bodyPr spcFirstLastPara="0" vert="horz" wrap="square" lIns="33020" tIns="24765" rIns="33020" bIns="24765" numCol="1" spcCol="1270" anchor="ctr" anchorCtr="0">
+        <a:bodyPr spcFirstLastPara="0" vert="horz" wrap="square" lIns="22860" tIns="17145" rIns="22860" bIns="17145" numCol="1" spcCol="1270" anchor="ctr" anchorCtr="0">
           <a:noAutofit/>
         </a:bodyPr>
         <a:lstStyle/>
         <a:p>
-          <a:pPr marL="0" lvl="0" indent="0" algn="ctr" defTabSz="577850">
+          <a:pPr marL="0" lvl="0" indent="0" algn="ctr" defTabSz="400050">
             <a:lnSpc>
               <a:spcPct val="90000"/>
             </a:lnSpc>
@@ -15252,25 +15563,29 @@
             <a:buNone/>
           </a:pPr>
           <a:r>
-            <a:rPr lang="en-US" sz="1300" kern="1200" dirty="0"/>
-            <a:t>Created events </a:t>
+            <a:rPr lang="en-US" sz="900" kern="1200" dirty="0">
+              <a:solidFill>
+                <a:schemeClr val="tx1"/>
+              </a:solidFill>
+            </a:rPr>
+            <a:t>First Name</a:t>
           </a:r>
         </a:p>
       </dsp:txBody>
       <dsp:txXfrm>
-        <a:off x="276034" y="1908006"/>
-        <a:ext cx="2100796" cy="274682"/>
+        <a:off x="273138" y="1586017"/>
+        <a:ext cx="2106588" cy="181608"/>
       </dsp:txXfrm>
     </dsp:sp>
-    <dsp:sp modelId="{61DB0AD6-5CCF-47C9-8A30-B47139B21DCF}">
+    <dsp:sp modelId="{F75E2599-2C8C-407B-8299-3FDED096D7A4}">
       <dsp:nvSpPr>
         <dsp:cNvPr id="0" name=""/>
         <dsp:cNvSpPr/>
       </dsp:nvSpPr>
       <dsp:spPr>
         <a:xfrm>
-          <a:off x="267488" y="2236123"/>
-          <a:ext cx="2117888" cy="291774"/>
+          <a:off x="267488" y="1802954"/>
+          <a:ext cx="2117888" cy="192908"/>
         </a:xfrm>
         <a:prstGeom prst="roundRect">
           <a:avLst>
@@ -15310,12 +15625,12 @@
         </a:fontRef>
       </dsp:style>
       <dsp:txBody>
-        <a:bodyPr spcFirstLastPara="0" vert="horz" wrap="square" lIns="33020" tIns="24765" rIns="33020" bIns="24765" numCol="1" spcCol="1270" anchor="ctr" anchorCtr="0">
+        <a:bodyPr spcFirstLastPara="0" vert="horz" wrap="square" lIns="22860" tIns="17145" rIns="22860" bIns="17145" numCol="1" spcCol="1270" anchor="ctr" anchorCtr="0">
           <a:noAutofit/>
         </a:bodyPr>
         <a:lstStyle/>
         <a:p>
-          <a:pPr marL="0" lvl="0" indent="0" algn="ctr" defTabSz="577850">
+          <a:pPr marL="0" lvl="0" indent="0" algn="ctr" defTabSz="400050">
             <a:lnSpc>
               <a:spcPct val="90000"/>
             </a:lnSpc>
@@ -15328,25 +15643,29 @@
             <a:buNone/>
           </a:pPr>
           <a:r>
-            <a:rPr lang="en-US" sz="1300" kern="1200" dirty="0"/>
-            <a:t>Joined events </a:t>
+            <a:rPr lang="en-US" sz="900" kern="1200" dirty="0">
+              <a:solidFill>
+                <a:schemeClr val="tx1"/>
+              </a:solidFill>
+            </a:rPr>
+            <a:t>Last Name</a:t>
           </a:r>
         </a:p>
       </dsp:txBody>
       <dsp:txXfrm>
-        <a:off x="276034" y="2244669"/>
-        <a:ext cx="2100796" cy="274682"/>
+        <a:off x="273138" y="1808604"/>
+        <a:ext cx="2106588" cy="181608"/>
       </dsp:txXfrm>
     </dsp:sp>
-    <dsp:sp modelId="{95C3CD60-612A-445C-8945-1A90DEA5FB2D}">
+    <dsp:sp modelId="{439F2BD0-5ECE-47F5-96EB-8C15240CE4C0}">
       <dsp:nvSpPr>
         <dsp:cNvPr id="0" name=""/>
         <dsp:cNvSpPr/>
       </dsp:nvSpPr>
       <dsp:spPr>
         <a:xfrm>
-          <a:off x="267488" y="2572786"/>
-          <a:ext cx="2117888" cy="291774"/>
+          <a:off x="267488" y="2025542"/>
+          <a:ext cx="2117888" cy="192908"/>
         </a:xfrm>
         <a:prstGeom prst="roundRect">
           <a:avLst>
@@ -15386,12 +15705,12 @@
         </a:fontRef>
       </dsp:style>
       <dsp:txBody>
-        <a:bodyPr spcFirstLastPara="0" vert="horz" wrap="square" lIns="33020" tIns="24765" rIns="33020" bIns="24765" numCol="1" spcCol="1270" anchor="ctr" anchorCtr="0">
+        <a:bodyPr spcFirstLastPara="0" vert="horz" wrap="square" lIns="22860" tIns="17145" rIns="22860" bIns="17145" numCol="1" spcCol="1270" anchor="ctr" anchorCtr="0">
           <a:noAutofit/>
         </a:bodyPr>
         <a:lstStyle/>
         <a:p>
-          <a:pPr marL="0" lvl="0" indent="0" algn="ctr" defTabSz="577850">
+          <a:pPr marL="0" lvl="0" indent="0" algn="ctr" defTabSz="400050">
             <a:lnSpc>
               <a:spcPct val="90000"/>
             </a:lnSpc>
@@ -15404,14 +15723,278 @@
             <a:buNone/>
           </a:pPr>
           <a:r>
-            <a:rPr lang="en-US" sz="1300" kern="1200" dirty="0"/>
-            <a:t>Friends</a:t>
+            <a:rPr lang="en-US" sz="900" kern="1200">
+              <a:solidFill>
+                <a:schemeClr val="tx1"/>
+              </a:solidFill>
+            </a:rPr>
+            <a:t>Staff Status</a:t>
           </a:r>
+          <a:endParaRPr lang="en-US" sz="900" kern="1200" dirty="0">
+            <a:solidFill>
+              <a:schemeClr val="tx1"/>
+            </a:solidFill>
+          </a:endParaRPr>
         </a:p>
       </dsp:txBody>
       <dsp:txXfrm>
-        <a:off x="276034" y="2581332"/>
-        <a:ext cx="2100796" cy="274682"/>
+        <a:off x="273138" y="2031192"/>
+        <a:ext cx="2106588" cy="181608"/>
+      </dsp:txXfrm>
+    </dsp:sp>
+    <dsp:sp modelId="{1CA68A87-615B-493E-B982-5B0274769EA0}">
+      <dsp:nvSpPr>
+        <dsp:cNvPr id="0" name=""/>
+        <dsp:cNvSpPr/>
+      </dsp:nvSpPr>
+      <dsp:spPr>
+        <a:xfrm>
+          <a:off x="267488" y="2248129"/>
+          <a:ext cx="2117888" cy="192908"/>
+        </a:xfrm>
+        <a:prstGeom prst="roundRect">
+          <a:avLst>
+            <a:gd name="adj" fmla="val 10000"/>
+          </a:avLst>
+        </a:prstGeom>
+        <a:solidFill>
+          <a:schemeClr val="accent6">
+            <a:lumMod val="75000"/>
+          </a:schemeClr>
+        </a:solidFill>
+        <a:ln w="15875" cap="rnd" cmpd="sng" algn="ctr">
+          <a:solidFill>
+            <a:schemeClr val="lt1">
+              <a:hueOff val="0"/>
+              <a:satOff val="0"/>
+              <a:lumOff val="0"/>
+              <a:alphaOff val="0"/>
+            </a:schemeClr>
+          </a:solidFill>
+          <a:prstDash val="solid"/>
+        </a:ln>
+        <a:effectLst/>
+      </dsp:spPr>
+      <dsp:style>
+        <a:lnRef idx="2">
+          <a:scrgbClr r="0" g="0" b="0"/>
+        </a:lnRef>
+        <a:fillRef idx="1">
+          <a:scrgbClr r="0" g="0" b="0"/>
+        </a:fillRef>
+        <a:effectRef idx="0">
+          <a:scrgbClr r="0" g="0" b="0"/>
+        </a:effectRef>
+        <a:fontRef idx="minor">
+          <a:schemeClr val="lt1"/>
+        </a:fontRef>
+      </dsp:style>
+      <dsp:txBody>
+        <a:bodyPr spcFirstLastPara="0" vert="horz" wrap="square" lIns="22860" tIns="17145" rIns="22860" bIns="17145" numCol="1" spcCol="1270" anchor="ctr" anchorCtr="0">
+          <a:noAutofit/>
+        </a:bodyPr>
+        <a:lstStyle/>
+        <a:p>
+          <a:pPr marL="0" lvl="0" indent="0" algn="ctr" defTabSz="400050">
+            <a:lnSpc>
+              <a:spcPct val="90000"/>
+            </a:lnSpc>
+            <a:spcBef>
+              <a:spcPct val="0"/>
+            </a:spcBef>
+            <a:spcAft>
+              <a:spcPct val="35000"/>
+            </a:spcAft>
+            <a:buNone/>
+          </a:pPr>
+          <a:r>
+            <a:rPr lang="en-US" sz="900" kern="1200">
+              <a:solidFill>
+                <a:schemeClr val="tx1"/>
+              </a:solidFill>
+            </a:rPr>
+            <a:t>Events joined (Event Names from Events)</a:t>
+          </a:r>
+          <a:endParaRPr lang="en-US" sz="900" kern="1200" dirty="0">
+            <a:solidFill>
+              <a:schemeClr val="tx1"/>
+            </a:solidFill>
+          </a:endParaRPr>
+        </a:p>
+      </dsp:txBody>
+      <dsp:txXfrm>
+        <a:off x="273138" y="2253779"/>
+        <a:ext cx="2106588" cy="181608"/>
+      </dsp:txXfrm>
+    </dsp:sp>
+    <dsp:sp modelId="{77AAFC94-928F-48BE-8521-D99564A335BE}">
+      <dsp:nvSpPr>
+        <dsp:cNvPr id="0" name=""/>
+        <dsp:cNvSpPr/>
+      </dsp:nvSpPr>
+      <dsp:spPr>
+        <a:xfrm>
+          <a:off x="267488" y="2470716"/>
+          <a:ext cx="2117888" cy="192908"/>
+        </a:xfrm>
+        <a:prstGeom prst="roundRect">
+          <a:avLst>
+            <a:gd name="adj" fmla="val 10000"/>
+          </a:avLst>
+        </a:prstGeom>
+        <a:solidFill>
+          <a:schemeClr val="accent6">
+            <a:lumMod val="75000"/>
+          </a:schemeClr>
+        </a:solidFill>
+        <a:ln w="15875" cap="rnd" cmpd="sng" algn="ctr">
+          <a:solidFill>
+            <a:schemeClr val="lt1">
+              <a:hueOff val="0"/>
+              <a:satOff val="0"/>
+              <a:lumOff val="0"/>
+              <a:alphaOff val="0"/>
+            </a:schemeClr>
+          </a:solidFill>
+          <a:prstDash val="solid"/>
+        </a:ln>
+        <a:effectLst/>
+      </dsp:spPr>
+      <dsp:style>
+        <a:lnRef idx="2">
+          <a:scrgbClr r="0" g="0" b="0"/>
+        </a:lnRef>
+        <a:fillRef idx="1">
+          <a:scrgbClr r="0" g="0" b="0"/>
+        </a:fillRef>
+        <a:effectRef idx="0">
+          <a:scrgbClr r="0" g="0" b="0"/>
+        </a:effectRef>
+        <a:fontRef idx="minor">
+          <a:schemeClr val="lt1"/>
+        </a:fontRef>
+      </dsp:style>
+      <dsp:txBody>
+        <a:bodyPr spcFirstLastPara="0" vert="horz" wrap="square" lIns="22860" tIns="17145" rIns="22860" bIns="17145" numCol="1" spcCol="1270" anchor="ctr" anchorCtr="0">
+          <a:noAutofit/>
+        </a:bodyPr>
+        <a:lstStyle/>
+        <a:p>
+          <a:pPr marL="0" lvl="0" indent="0" algn="ctr" defTabSz="400050">
+            <a:lnSpc>
+              <a:spcPct val="90000"/>
+            </a:lnSpc>
+            <a:spcBef>
+              <a:spcPct val="0"/>
+            </a:spcBef>
+            <a:spcAft>
+              <a:spcPct val="35000"/>
+            </a:spcAft>
+            <a:buNone/>
+          </a:pPr>
+          <a:r>
+            <a:rPr lang="en-US" sz="900" kern="1200">
+              <a:solidFill>
+                <a:schemeClr val="tx1"/>
+              </a:solidFill>
+            </a:rPr>
+            <a:t>Date Joined</a:t>
+          </a:r>
+          <a:endParaRPr lang="en-US" sz="900" kern="1200" dirty="0">
+            <a:solidFill>
+              <a:schemeClr val="tx1"/>
+            </a:solidFill>
+          </a:endParaRPr>
+        </a:p>
+      </dsp:txBody>
+      <dsp:txXfrm>
+        <a:off x="273138" y="2476366"/>
+        <a:ext cx="2106588" cy="181608"/>
+      </dsp:txXfrm>
+    </dsp:sp>
+    <dsp:sp modelId="{CD7BFE3A-819A-4DEC-AD24-53B2197D74AD}">
+      <dsp:nvSpPr>
+        <dsp:cNvPr id="0" name=""/>
+        <dsp:cNvSpPr/>
+      </dsp:nvSpPr>
+      <dsp:spPr>
+        <a:xfrm>
+          <a:off x="267488" y="2693303"/>
+          <a:ext cx="2117888" cy="192908"/>
+        </a:xfrm>
+        <a:prstGeom prst="roundRect">
+          <a:avLst>
+            <a:gd name="adj" fmla="val 10000"/>
+          </a:avLst>
+        </a:prstGeom>
+        <a:solidFill>
+          <a:schemeClr val="accent6">
+            <a:lumMod val="75000"/>
+          </a:schemeClr>
+        </a:solidFill>
+        <a:ln w="15875" cap="rnd" cmpd="sng" algn="ctr">
+          <a:solidFill>
+            <a:schemeClr val="lt1">
+              <a:hueOff val="0"/>
+              <a:satOff val="0"/>
+              <a:lumOff val="0"/>
+              <a:alphaOff val="0"/>
+            </a:schemeClr>
+          </a:solidFill>
+          <a:prstDash val="solid"/>
+        </a:ln>
+        <a:effectLst/>
+      </dsp:spPr>
+      <dsp:style>
+        <a:lnRef idx="2">
+          <a:scrgbClr r="0" g="0" b="0"/>
+        </a:lnRef>
+        <a:fillRef idx="1">
+          <a:scrgbClr r="0" g="0" b="0"/>
+        </a:fillRef>
+        <a:effectRef idx="0">
+          <a:scrgbClr r="0" g="0" b="0"/>
+        </a:effectRef>
+        <a:fontRef idx="minor">
+          <a:schemeClr val="lt1"/>
+        </a:fontRef>
+      </dsp:style>
+      <dsp:txBody>
+        <a:bodyPr spcFirstLastPara="0" vert="horz" wrap="square" lIns="22860" tIns="17145" rIns="22860" bIns="17145" numCol="1" spcCol="1270" anchor="ctr" anchorCtr="0">
+          <a:noAutofit/>
+        </a:bodyPr>
+        <a:lstStyle/>
+        <a:p>
+          <a:pPr marL="0" lvl="0" indent="0" algn="ctr" defTabSz="400050">
+            <a:lnSpc>
+              <a:spcPct val="90000"/>
+            </a:lnSpc>
+            <a:spcBef>
+              <a:spcPct val="0"/>
+            </a:spcBef>
+            <a:spcAft>
+              <a:spcPct val="35000"/>
+            </a:spcAft>
+            <a:buNone/>
+          </a:pPr>
+          <a:r>
+            <a:rPr lang="en-US" sz="900" kern="1200">
+              <a:solidFill>
+                <a:schemeClr val="tx1"/>
+              </a:solidFill>
+            </a:rPr>
+            <a:t>Last Logged In</a:t>
+          </a:r>
+          <a:endParaRPr lang="en-US" sz="900" kern="1200" dirty="0">
+            <a:solidFill>
+              <a:schemeClr val="tx1"/>
+            </a:solidFill>
+          </a:endParaRPr>
+        </a:p>
+      </dsp:txBody>
+      <dsp:txXfrm>
+        <a:off x="273138" y="2698953"/>
+        <a:ext cx="2106588" cy="181608"/>
       </dsp:txXfrm>
     </dsp:sp>
     <dsp:sp modelId="{E5E57B1A-C299-4727-8300-37CCB54B376C}">
@@ -15529,12 +16112,12 @@
         </a:fontRef>
       </dsp:style>
       <dsp:txBody>
-        <a:bodyPr spcFirstLastPara="0" vert="horz" wrap="square" lIns="33020" tIns="24765" rIns="33020" bIns="24765" numCol="1" spcCol="1270" anchor="ctr" anchorCtr="0">
+        <a:bodyPr spcFirstLastPara="0" vert="horz" wrap="square" lIns="22860" tIns="17145" rIns="22860" bIns="17145" numCol="1" spcCol="1270" anchor="ctr" anchorCtr="0">
           <a:noAutofit/>
         </a:bodyPr>
         <a:lstStyle/>
         <a:p>
-          <a:pPr marL="0" lvl="0" indent="0" algn="ctr" defTabSz="577850">
+          <a:pPr marL="0" lvl="0" indent="0" algn="ctr" defTabSz="400050">
             <a:lnSpc>
               <a:spcPct val="90000"/>
             </a:lnSpc>
@@ -15547,8 +16130,12 @@
             <a:buNone/>
           </a:pPr>
           <a:r>
-            <a:rPr lang="en-US" sz="1300" kern="1200" dirty="0"/>
-            <a:t>Title</a:t>
+            <a:rPr lang="en-US" sz="900" kern="1200" dirty="0">
+              <a:solidFill>
+                <a:schemeClr val="tx1"/>
+              </a:solidFill>
+            </a:rPr>
+            <a:t>Event Name</a:t>
           </a:r>
         </a:p>
       </dsp:txBody>
@@ -15557,14 +16144,14 @@
         <a:ext cx="2103310" cy="234274"/>
       </dsp:txXfrm>
     </dsp:sp>
-    <dsp:sp modelId="{6EE5D20F-7DA9-46EF-B6BE-34E52C5287EC}">
+    <dsp:sp modelId="{4B4BA176-2D09-45A2-B4E2-C4F4324E4B9F}">
       <dsp:nvSpPr>
         <dsp:cNvPr id="0" name=""/>
         <dsp:cNvSpPr/>
       </dsp:nvSpPr>
       <dsp:spPr>
         <a:xfrm>
-          <a:off x="3113401" y="1178315"/>
+          <a:off x="3113401" y="1200708"/>
           <a:ext cx="2117888" cy="248852"/>
         </a:xfrm>
         <a:prstGeom prst="roundRect">
@@ -15605,12 +16192,12 @@
         </a:fontRef>
       </dsp:style>
       <dsp:txBody>
-        <a:bodyPr spcFirstLastPara="0" vert="horz" wrap="square" lIns="33020" tIns="24765" rIns="33020" bIns="24765" numCol="1" spcCol="1270" anchor="ctr" anchorCtr="0">
+        <a:bodyPr spcFirstLastPara="0" vert="horz" wrap="square" lIns="22860" tIns="17145" rIns="22860" bIns="17145" numCol="1" spcCol="1270" anchor="ctr" anchorCtr="0">
           <a:noAutofit/>
         </a:bodyPr>
         <a:lstStyle/>
         <a:p>
-          <a:pPr marL="0" lvl="0" indent="0" algn="ctr" defTabSz="577850">
+          <a:pPr marL="0" lvl="0" indent="0" algn="ctr" defTabSz="400050">
             <a:lnSpc>
               <a:spcPct val="90000"/>
             </a:lnSpc>
@@ -15623,24 +16210,33 @@
             <a:buNone/>
           </a:pPr>
           <a:r>
-            <a:rPr lang="en-US" sz="1300" kern="1200" dirty="0"/>
-            <a:t>Description</a:t>
+            <a:rPr lang="en-US" sz="900" kern="1200">
+              <a:solidFill>
+                <a:schemeClr val="tx1"/>
+              </a:solidFill>
+            </a:rPr>
+            <a:t>Venue</a:t>
           </a:r>
+          <a:endParaRPr lang="en-US" sz="900" kern="1200" dirty="0">
+            <a:solidFill>
+              <a:schemeClr val="tx1"/>
+            </a:solidFill>
+          </a:endParaRPr>
         </a:p>
       </dsp:txBody>
       <dsp:txXfrm>
-        <a:off x="3120690" y="1185604"/>
+        <a:off x="3120690" y="1207997"/>
         <a:ext cx="2103310" cy="234274"/>
       </dsp:txXfrm>
     </dsp:sp>
-    <dsp:sp modelId="{50F8A9DA-AD41-4575-9957-564B090962DE}">
+    <dsp:sp modelId="{26DE1717-9F3F-4292-A2B2-642981049B95}">
       <dsp:nvSpPr>
         <dsp:cNvPr id="0" name=""/>
         <dsp:cNvSpPr/>
       </dsp:nvSpPr>
       <dsp:spPr>
         <a:xfrm>
-          <a:off x="3113401" y="1465453"/>
+          <a:off x="3113401" y="1487845"/>
           <a:ext cx="2117888" cy="248852"/>
         </a:xfrm>
         <a:prstGeom prst="roundRect">
@@ -15681,12 +16277,12 @@
         </a:fontRef>
       </dsp:style>
       <dsp:txBody>
-        <a:bodyPr spcFirstLastPara="0" vert="horz" wrap="square" lIns="33020" tIns="24765" rIns="33020" bIns="24765" numCol="1" spcCol="1270" anchor="ctr" anchorCtr="0">
+        <a:bodyPr spcFirstLastPara="0" vert="horz" wrap="square" lIns="22860" tIns="17145" rIns="22860" bIns="17145" numCol="1" spcCol="1270" anchor="ctr" anchorCtr="0">
           <a:noAutofit/>
         </a:bodyPr>
         <a:lstStyle/>
         <a:p>
-          <a:pPr marL="0" lvl="0" indent="0" algn="ctr" defTabSz="577850">
+          <a:pPr marL="0" lvl="0" indent="0" algn="ctr" defTabSz="400050">
             <a:lnSpc>
               <a:spcPct val="90000"/>
             </a:lnSpc>
@@ -15699,24 +16295,33 @@
             <a:buNone/>
           </a:pPr>
           <a:r>
-            <a:rPr lang="en-US" sz="1300" kern="1200" dirty="0"/>
-            <a:t>Location</a:t>
+            <a:rPr lang="en-US" sz="900" kern="1200">
+              <a:solidFill>
+                <a:schemeClr val="tx1"/>
+              </a:solidFill>
+            </a:rPr>
+            <a:t>Date</a:t>
           </a:r>
+          <a:endParaRPr lang="en-US" sz="900" kern="1200" dirty="0">
+            <a:solidFill>
+              <a:schemeClr val="tx1"/>
+            </a:solidFill>
+          </a:endParaRPr>
         </a:p>
       </dsp:txBody>
       <dsp:txXfrm>
-        <a:off x="3120690" y="1472742"/>
+        <a:off x="3120690" y="1495134"/>
         <a:ext cx="2103310" cy="234274"/>
       </dsp:txXfrm>
     </dsp:sp>
-    <dsp:sp modelId="{00032B8A-B2B5-4A57-AB25-5E5DD88CFD83}">
+    <dsp:sp modelId="{2BB747E5-F454-4B8A-BEF0-F7064C1D7627}">
       <dsp:nvSpPr>
         <dsp:cNvPr id="0" name=""/>
         <dsp:cNvSpPr/>
       </dsp:nvSpPr>
       <dsp:spPr>
         <a:xfrm>
-          <a:off x="3113401" y="1752590"/>
+          <a:off x="3113401" y="1774983"/>
           <a:ext cx="2117888" cy="248852"/>
         </a:xfrm>
         <a:prstGeom prst="roundRect">
@@ -15757,12 +16362,12 @@
         </a:fontRef>
       </dsp:style>
       <dsp:txBody>
-        <a:bodyPr spcFirstLastPara="0" vert="horz" wrap="square" lIns="33020" tIns="24765" rIns="33020" bIns="24765" numCol="1" spcCol="1270" anchor="ctr" anchorCtr="0">
+        <a:bodyPr spcFirstLastPara="0" vert="horz" wrap="square" lIns="22860" tIns="17145" rIns="22860" bIns="17145" numCol="1" spcCol="1270" anchor="ctr" anchorCtr="0">
           <a:noAutofit/>
         </a:bodyPr>
         <a:lstStyle/>
         <a:p>
-          <a:pPr marL="0" lvl="0" indent="0" algn="ctr" defTabSz="577850">
+          <a:pPr marL="0" lvl="0" indent="0" algn="ctr" defTabSz="400050">
             <a:lnSpc>
               <a:spcPct val="90000"/>
             </a:lnSpc>
@@ -15775,24 +16380,33 @@
             <a:buNone/>
           </a:pPr>
           <a:r>
-            <a:rPr lang="en-US" sz="1300" kern="1200" dirty="0"/>
-            <a:t>Time</a:t>
+            <a:rPr lang="en-US" sz="900" kern="1200">
+              <a:solidFill>
+                <a:schemeClr val="tx1"/>
+              </a:solidFill>
+            </a:rPr>
+            <a:t>Organizer (Single User)</a:t>
           </a:r>
+          <a:endParaRPr lang="en-US" sz="900" kern="1200" dirty="0">
+            <a:solidFill>
+              <a:schemeClr val="tx1"/>
+            </a:solidFill>
+          </a:endParaRPr>
         </a:p>
       </dsp:txBody>
       <dsp:txXfrm>
-        <a:off x="3120690" y="1759879"/>
+        <a:off x="3120690" y="1782272"/>
         <a:ext cx="2103310" cy="234274"/>
       </dsp:txXfrm>
     </dsp:sp>
-    <dsp:sp modelId="{051F8A55-70B1-497F-A7B8-88104897E8DC}">
+    <dsp:sp modelId="{D0D5A8D9-3AED-409F-9899-B20AE7B41CB4}">
       <dsp:nvSpPr>
         <dsp:cNvPr id="0" name=""/>
         <dsp:cNvSpPr/>
       </dsp:nvSpPr>
       <dsp:spPr>
         <a:xfrm>
-          <a:off x="3113401" y="2039727"/>
+          <a:off x="3113401" y="2062120"/>
           <a:ext cx="2117888" cy="248852"/>
         </a:xfrm>
         <a:prstGeom prst="roundRect">
@@ -15833,12 +16447,12 @@
         </a:fontRef>
       </dsp:style>
       <dsp:txBody>
-        <a:bodyPr spcFirstLastPara="0" vert="horz" wrap="square" lIns="33020" tIns="24765" rIns="33020" bIns="24765" numCol="1" spcCol="1270" anchor="ctr" anchorCtr="0">
+        <a:bodyPr spcFirstLastPara="0" vert="horz" wrap="square" lIns="22860" tIns="17145" rIns="22860" bIns="17145" numCol="1" spcCol="1270" anchor="ctr" anchorCtr="0">
           <a:noAutofit/>
         </a:bodyPr>
         <a:lstStyle/>
         <a:p>
-          <a:pPr marL="0" lvl="0" indent="0" algn="ctr" defTabSz="577850">
+          <a:pPr marL="0" lvl="0" indent="0" algn="ctr" defTabSz="400050">
             <a:lnSpc>
               <a:spcPct val="90000"/>
             </a:lnSpc>
@@ -15851,13 +16465,17 @@
             <a:buNone/>
           </a:pPr>
           <a:r>
-            <a:rPr lang="en-US" sz="1300" kern="1200" dirty="0"/>
-            <a:t>Creator</a:t>
+            <a:rPr lang="en-US" sz="900" kern="1200">
+              <a:solidFill>
+                <a:schemeClr val="tx1"/>
+              </a:solidFill>
+            </a:rPr>
+            <a:t>Players (Multiple Users</a:t>
           </a:r>
         </a:p>
       </dsp:txBody>
       <dsp:txXfrm>
-        <a:off x="3120690" y="2047016"/>
+        <a:off x="3120690" y="2069409"/>
         <a:ext cx="2103310" cy="234274"/>
       </dsp:txXfrm>
     </dsp:sp>
@@ -15909,12 +16527,12 @@
         </a:fontRef>
       </dsp:style>
       <dsp:txBody>
-        <a:bodyPr spcFirstLastPara="0" vert="horz" wrap="square" lIns="33020" tIns="24765" rIns="33020" bIns="24765" numCol="1" spcCol="1270" anchor="ctr" anchorCtr="0">
+        <a:bodyPr spcFirstLastPara="0" vert="horz" wrap="square" lIns="22860" tIns="17145" rIns="22860" bIns="17145" numCol="1" spcCol="1270" anchor="ctr" anchorCtr="0">
           <a:noAutofit/>
         </a:bodyPr>
         <a:lstStyle/>
         <a:p>
-          <a:pPr marL="0" lvl="0" indent="0" algn="ctr" defTabSz="577850">
+          <a:pPr marL="0" lvl="0" indent="0" algn="ctr" defTabSz="400050">
             <a:lnSpc>
               <a:spcPct val="90000"/>
             </a:lnSpc>
@@ -15927,7 +16545,7 @@
             <a:buNone/>
           </a:pPr>
           <a:r>
-            <a:rPr lang="en-US" sz="1300" kern="1200" dirty="0"/>
+            <a:rPr lang="en-US" sz="900" kern="1200" dirty="0"/>
             <a:t>Participants </a:t>
           </a:r>
         </a:p>
@@ -15985,12 +16603,12 @@
         </a:fontRef>
       </dsp:style>
       <dsp:txBody>
-        <a:bodyPr spcFirstLastPara="0" vert="horz" wrap="square" lIns="33020" tIns="24765" rIns="33020" bIns="24765" numCol="1" spcCol="1270" anchor="ctr" anchorCtr="0">
+        <a:bodyPr spcFirstLastPara="0" vert="horz" wrap="square" lIns="22860" tIns="17145" rIns="22860" bIns="17145" numCol="1" spcCol="1270" anchor="ctr" anchorCtr="0">
           <a:noAutofit/>
         </a:bodyPr>
         <a:lstStyle/>
         <a:p>
-          <a:pPr marL="0" lvl="0" indent="0" algn="ctr" defTabSz="577850">
+          <a:pPr marL="0" lvl="0" indent="0" algn="ctr" defTabSz="400050">
             <a:lnSpc>
               <a:spcPct val="90000"/>
             </a:lnSpc>
@@ -16003,7 +16621,7 @@
             <a:buNone/>
           </a:pPr>
           <a:r>
-            <a:rPr lang="en-US" sz="1300" kern="1200" dirty="0"/>
+            <a:rPr lang="en-US" sz="900" kern="1200" dirty="0"/>
             <a:t>Groups</a:t>
           </a:r>
         </a:p>
@@ -35862,6 +36480,1186 @@
 </file>
 
 <file path=ppt/slides/slide10.xml><?xml version="1.0" encoding="utf-8"?>
+<p:sld xmlns:a="http://schemas.openxmlformats.org/drawingml/2006/main" xmlns:r="http://schemas.openxmlformats.org/officeDocument/2006/relationships" xmlns:p="http://schemas.openxmlformats.org/presentationml/2006/main" show="0">
+  <p:cSld>
+    <p:bg>
+      <p:bgPr>
+        <a:gradFill rotWithShape="1">
+          <a:gsLst>
+            <a:gs pos="0">
+              <a:schemeClr val="bg2">
+                <a:tint val="90000"/>
+                <a:lumMod val="110000"/>
+              </a:schemeClr>
+            </a:gs>
+            <a:gs pos="100000">
+              <a:schemeClr val="bg2">
+                <a:shade val="64000"/>
+                <a:lumMod val="98000"/>
+              </a:schemeClr>
+            </a:gs>
+          </a:gsLst>
+          <a:lin ang="5400000" scaled="0"/>
+        </a:gradFill>
+        <a:effectLst/>
+      </p:bgPr>
+    </p:bg>
+    <p:spTree>
+      <p:nvGrpSpPr>
+        <p:cNvPr id="1" name="Shape 86"/>
+        <p:cNvGrpSpPr/>
+        <p:nvPr/>
+      </p:nvGrpSpPr>
+      <p:grpSpPr>
+        <a:xfrm>
+          <a:off x="0" y="0"/>
+          <a:ext cx="0" cy="0"/>
+          <a:chOff x="0" y="0"/>
+          <a:chExt cx="0" cy="0"/>
+        </a:xfrm>
+      </p:grpSpPr>
+      <p:grpSp>
+        <p:nvGrpSpPr>
+          <p:cNvPr id="127" name="Group 126">
+            <a:extLst>
+              <a:ext uri="{FF2B5EF4-FFF2-40B4-BE49-F238E27FC236}">
+                <a16:creationId xmlns:a16="http://schemas.microsoft.com/office/drawing/2014/main" id="{E394F7BC-8F83-4AD8-97A7-2D5458C0AB18}"/>
+              </a:ext>
+              <a:ext uri="{C183D7F6-B498-43B3-948B-1728B52AA6E4}">
+                <adec:decorative xmlns:adec="http://schemas.microsoft.com/office/drawing/2017/decorative" val="1"/>
+              </a:ext>
+            </a:extLst>
+          </p:cNvPr>
+          <p:cNvGrpSpPr>
+            <a:grpSpLocks noGrp="1" noUngrp="1" noRot="1" noChangeAspect="1" noMove="1" noResize="1"/>
+          </p:cNvGrpSpPr>
+          <p:nvPr>
+            <p:extLst>
+              <p:ext uri="{386F3935-93C4-4BCD-93E2-E3B085C9AB24}">
+                <p16:designElem xmlns:p16="http://schemas.microsoft.com/office/powerpoint/2015/main" val="1"/>
+              </p:ext>
+            </p:extLst>
+          </p:nvPr>
+        </p:nvGrpSpPr>
+        <p:grpSpPr>
+          <a:xfrm>
+            <a:off x="113109" y="0"/>
+            <a:ext cx="1827609" cy="5143500"/>
+            <a:chOff x="1320800" y="0"/>
+            <a:chExt cx="2436813" cy="6858001"/>
+          </a:xfrm>
+        </p:grpSpPr>
+        <p:sp>
+          <p:nvSpPr>
+            <p:cNvPr id="128" name="Freeform 6">
+              <a:extLst>
+                <a:ext uri="{FF2B5EF4-FFF2-40B4-BE49-F238E27FC236}">
+                  <a16:creationId xmlns:a16="http://schemas.microsoft.com/office/drawing/2014/main" id="{EE91E46E-74FE-4C7E-88B2-B3C5C1E2CB51}"/>
+                </a:ext>
+                <a:ext uri="{C183D7F6-B498-43B3-948B-1728B52AA6E4}">
+                  <adec:decorative xmlns:adec="http://schemas.microsoft.com/office/drawing/2017/decorative" val="1"/>
+                </a:ext>
+              </a:extLst>
+            </p:cNvPr>
+            <p:cNvSpPr/>
+            <p:nvPr>
+              <p:extLst>
+                <p:ext uri="{386F3935-93C4-4BCD-93E2-E3B085C9AB24}">
+                  <p16:designElem xmlns:p16="http://schemas.microsoft.com/office/powerpoint/2015/main" val="1"/>
+                </p:ext>
+              </p:extLst>
+            </p:nvPr>
+          </p:nvSpPr>
+          <p:spPr bwMode="auto">
+            <a:xfrm>
+              <a:off x="1627188" y="0"/>
+              <a:ext cx="1122363" cy="5329238"/>
+            </a:xfrm>
+            <a:custGeom>
+              <a:avLst/>
+              <a:gdLst/>
+              <a:ahLst/>
+              <a:cxnLst/>
+              <a:rect l="0" t="0" r="r" b="b"/>
+              <a:pathLst>
+                <a:path w="707" h="3357">
+                  <a:moveTo>
+                    <a:pt x="0" y="3330"/>
+                  </a:moveTo>
+                  <a:lnTo>
+                    <a:pt x="156" y="3357"/>
+                  </a:lnTo>
+                  <a:lnTo>
+                    <a:pt x="707" y="0"/>
+                  </a:lnTo>
+                  <a:lnTo>
+                    <a:pt x="547" y="0"/>
+                  </a:lnTo>
+                  <a:lnTo>
+                    <a:pt x="0" y="3330"/>
+                  </a:lnTo>
+                  <a:close/>
+                </a:path>
+              </a:pathLst>
+            </a:custGeom>
+            <a:solidFill>
+              <a:schemeClr val="accent1"/>
+            </a:solidFill>
+            <a:ln>
+              <a:noFill/>
+            </a:ln>
+          </p:spPr>
+        </p:sp>
+        <p:sp>
+          <p:nvSpPr>
+            <p:cNvPr id="129" name="Freeform 7">
+              <a:extLst>
+                <a:ext uri="{FF2B5EF4-FFF2-40B4-BE49-F238E27FC236}">
+                  <a16:creationId xmlns:a16="http://schemas.microsoft.com/office/drawing/2014/main" id="{C299FCBD-7B21-4260-8E33-F04F4FDE8407}"/>
+                </a:ext>
+                <a:ext uri="{C183D7F6-B498-43B3-948B-1728B52AA6E4}">
+                  <adec:decorative xmlns:adec="http://schemas.microsoft.com/office/drawing/2017/decorative" val="1"/>
+                </a:ext>
+              </a:extLst>
+            </p:cNvPr>
+            <p:cNvSpPr/>
+            <p:nvPr>
+              <p:extLst>
+                <p:ext uri="{386F3935-93C4-4BCD-93E2-E3B085C9AB24}">
+                  <p16:designElem xmlns:p16="http://schemas.microsoft.com/office/powerpoint/2015/main" val="1"/>
+                </p:ext>
+              </p:extLst>
+            </p:nvPr>
+          </p:nvSpPr>
+          <p:spPr bwMode="auto">
+            <a:xfrm>
+              <a:off x="1320800" y="0"/>
+              <a:ext cx="1117600" cy="5276850"/>
+            </a:xfrm>
+            <a:custGeom>
+              <a:avLst/>
+              <a:gdLst/>
+              <a:ahLst/>
+              <a:cxnLst/>
+              <a:rect l="0" t="0" r="r" b="b"/>
+              <a:pathLst>
+                <a:path w="704" h="3324">
+                  <a:moveTo>
+                    <a:pt x="704" y="0"/>
+                  </a:moveTo>
+                  <a:lnTo>
+                    <a:pt x="545" y="0"/>
+                  </a:lnTo>
+                  <a:lnTo>
+                    <a:pt x="0" y="3300"/>
+                  </a:lnTo>
+                  <a:lnTo>
+                    <a:pt x="157" y="3324"/>
+                  </a:lnTo>
+                  <a:lnTo>
+                    <a:pt x="704" y="0"/>
+                  </a:lnTo>
+                  <a:close/>
+                </a:path>
+              </a:pathLst>
+            </a:custGeom>
+            <a:solidFill>
+              <a:schemeClr val="tx1">
+                <a:lumMod val="65000"/>
+                <a:lumOff val="35000"/>
+              </a:schemeClr>
+            </a:solidFill>
+            <a:ln>
+              <a:noFill/>
+            </a:ln>
+          </p:spPr>
+        </p:sp>
+        <p:sp>
+          <p:nvSpPr>
+            <p:cNvPr id="130" name="Freeform 8">
+              <a:extLst>
+                <a:ext uri="{FF2B5EF4-FFF2-40B4-BE49-F238E27FC236}">
+                  <a16:creationId xmlns:a16="http://schemas.microsoft.com/office/drawing/2014/main" id="{5E767DA7-E99B-4918-936A-8847AFB6816D}"/>
+                </a:ext>
+                <a:ext uri="{C183D7F6-B498-43B3-948B-1728B52AA6E4}">
+                  <adec:decorative xmlns:adec="http://schemas.microsoft.com/office/drawing/2017/decorative" val="1"/>
+                </a:ext>
+              </a:extLst>
+            </p:cNvPr>
+            <p:cNvSpPr/>
+            <p:nvPr>
+              <p:extLst>
+                <p:ext uri="{386F3935-93C4-4BCD-93E2-E3B085C9AB24}">
+                  <p16:designElem xmlns:p16="http://schemas.microsoft.com/office/powerpoint/2015/main" val="1"/>
+                </p:ext>
+              </p:extLst>
+            </p:nvPr>
+          </p:nvSpPr>
+          <p:spPr bwMode="auto">
+            <a:xfrm>
+              <a:off x="1320800" y="5238750"/>
+              <a:ext cx="1228725" cy="1619250"/>
+            </a:xfrm>
+            <a:custGeom>
+              <a:avLst/>
+              <a:gdLst/>
+              <a:ahLst/>
+              <a:cxnLst/>
+              <a:rect l="0" t="0" r="r" b="b"/>
+              <a:pathLst>
+                <a:path w="774" h="1020">
+                  <a:moveTo>
+                    <a:pt x="0" y="0"/>
+                  </a:moveTo>
+                  <a:lnTo>
+                    <a:pt x="740" y="1020"/>
+                  </a:lnTo>
+                  <a:lnTo>
+                    <a:pt x="774" y="1020"/>
+                  </a:lnTo>
+                  <a:lnTo>
+                    <a:pt x="0" y="0"/>
+                  </a:lnTo>
+                  <a:close/>
+                </a:path>
+              </a:pathLst>
+            </a:custGeom>
+            <a:solidFill>
+              <a:schemeClr val="tx1">
+                <a:lumMod val="85000"/>
+                <a:lumOff val="15000"/>
+              </a:schemeClr>
+            </a:solidFill>
+            <a:ln>
+              <a:noFill/>
+            </a:ln>
+          </p:spPr>
+        </p:sp>
+        <p:sp>
+          <p:nvSpPr>
+            <p:cNvPr id="131" name="Freeform 9">
+              <a:extLst>
+                <a:ext uri="{FF2B5EF4-FFF2-40B4-BE49-F238E27FC236}">
+                  <a16:creationId xmlns:a16="http://schemas.microsoft.com/office/drawing/2014/main" id="{47DC01D9-AD2C-465C-893F-3E09340123F0}"/>
+                </a:ext>
+                <a:ext uri="{C183D7F6-B498-43B3-948B-1728B52AA6E4}">
+                  <adec:decorative xmlns:adec="http://schemas.microsoft.com/office/drawing/2017/decorative" val="1"/>
+                </a:ext>
+              </a:extLst>
+            </p:cNvPr>
+            <p:cNvSpPr/>
+            <p:nvPr>
+              <p:extLst>
+                <p:ext uri="{386F3935-93C4-4BCD-93E2-E3B085C9AB24}">
+                  <p16:designElem xmlns:p16="http://schemas.microsoft.com/office/powerpoint/2015/main" val="1"/>
+                </p:ext>
+              </p:extLst>
+            </p:nvPr>
+          </p:nvSpPr>
+          <p:spPr bwMode="auto">
+            <a:xfrm>
+              <a:off x="1627188" y="5291138"/>
+              <a:ext cx="1495425" cy="1566863"/>
+            </a:xfrm>
+            <a:custGeom>
+              <a:avLst/>
+              <a:gdLst/>
+              <a:ahLst/>
+              <a:cxnLst/>
+              <a:rect l="0" t="0" r="r" b="b"/>
+              <a:pathLst>
+                <a:path w="942" h="987">
+                  <a:moveTo>
+                    <a:pt x="0" y="0"/>
+                  </a:moveTo>
+                  <a:lnTo>
+                    <a:pt x="909" y="987"/>
+                  </a:lnTo>
+                  <a:lnTo>
+                    <a:pt x="942" y="987"/>
+                  </a:lnTo>
+                  <a:lnTo>
+                    <a:pt x="0" y="0"/>
+                  </a:lnTo>
+                  <a:close/>
+                </a:path>
+              </a:pathLst>
+            </a:custGeom>
+            <a:solidFill>
+              <a:schemeClr val="accent1">
+                <a:lumMod val="50000"/>
+              </a:schemeClr>
+            </a:solidFill>
+            <a:ln>
+              <a:noFill/>
+            </a:ln>
+          </p:spPr>
+        </p:sp>
+        <p:sp>
+          <p:nvSpPr>
+            <p:cNvPr id="132" name="Freeform 10">
+              <a:extLst>
+                <a:ext uri="{FF2B5EF4-FFF2-40B4-BE49-F238E27FC236}">
+                  <a16:creationId xmlns:a16="http://schemas.microsoft.com/office/drawing/2014/main" id="{5BF8548F-D405-437B-AB90-518A2A07D631}"/>
+                </a:ext>
+                <a:ext uri="{C183D7F6-B498-43B3-948B-1728B52AA6E4}">
+                  <adec:decorative xmlns:adec="http://schemas.microsoft.com/office/drawing/2017/decorative" val="1"/>
+                </a:ext>
+              </a:extLst>
+            </p:cNvPr>
+            <p:cNvSpPr/>
+            <p:nvPr>
+              <p:extLst>
+                <p:ext uri="{386F3935-93C4-4BCD-93E2-E3B085C9AB24}">
+                  <p16:designElem xmlns:p16="http://schemas.microsoft.com/office/powerpoint/2015/main" val="1"/>
+                </p:ext>
+              </p:extLst>
+            </p:nvPr>
+          </p:nvSpPr>
+          <p:spPr bwMode="auto">
+            <a:xfrm>
+              <a:off x="1627188" y="5286375"/>
+              <a:ext cx="2130425" cy="1571625"/>
+            </a:xfrm>
+            <a:custGeom>
+              <a:avLst/>
+              <a:gdLst/>
+              <a:ahLst/>
+              <a:cxnLst/>
+              <a:rect l="0" t="0" r="r" b="b"/>
+              <a:pathLst>
+                <a:path w="1342" h="990">
+                  <a:moveTo>
+                    <a:pt x="0" y="3"/>
+                  </a:moveTo>
+                  <a:lnTo>
+                    <a:pt x="942" y="990"/>
+                  </a:lnTo>
+                  <a:lnTo>
+                    <a:pt x="1342" y="990"/>
+                  </a:lnTo>
+                  <a:lnTo>
+                    <a:pt x="156" y="27"/>
+                  </a:lnTo>
+                  <a:lnTo>
+                    <a:pt x="0" y="0"/>
+                  </a:lnTo>
+                  <a:lnTo>
+                    <a:pt x="0" y="3"/>
+                  </a:lnTo>
+                  <a:close/>
+                </a:path>
+              </a:pathLst>
+            </a:custGeom>
+            <a:solidFill>
+              <a:schemeClr val="accent1">
+                <a:lumMod val="75000"/>
+              </a:schemeClr>
+            </a:solidFill>
+            <a:ln>
+              <a:noFill/>
+            </a:ln>
+          </p:spPr>
+        </p:sp>
+        <p:sp>
+          <p:nvSpPr>
+            <p:cNvPr id="133" name="Freeform 11">
+              <a:extLst>
+                <a:ext uri="{FF2B5EF4-FFF2-40B4-BE49-F238E27FC236}">
+                  <a16:creationId xmlns:a16="http://schemas.microsoft.com/office/drawing/2014/main" id="{B5E0AE4A-62E2-4CA1-8F00-F1F28E506AA2}"/>
+                </a:ext>
+                <a:ext uri="{C183D7F6-B498-43B3-948B-1728B52AA6E4}">
+                  <adec:decorative xmlns:adec="http://schemas.microsoft.com/office/drawing/2017/decorative" val="1"/>
+                </a:ext>
+              </a:extLst>
+            </p:cNvPr>
+            <p:cNvSpPr/>
+            <p:nvPr>
+              <p:extLst>
+                <p:ext uri="{386F3935-93C4-4BCD-93E2-E3B085C9AB24}">
+                  <p16:designElem xmlns:p16="http://schemas.microsoft.com/office/powerpoint/2015/main" val="1"/>
+                </p:ext>
+              </p:extLst>
+            </p:nvPr>
+          </p:nvSpPr>
+          <p:spPr bwMode="auto">
+            <a:xfrm>
+              <a:off x="1320800" y="5238750"/>
+              <a:ext cx="1695450" cy="1619250"/>
+            </a:xfrm>
+            <a:custGeom>
+              <a:avLst/>
+              <a:gdLst/>
+              <a:ahLst/>
+              <a:cxnLst/>
+              <a:rect l="0" t="0" r="r" b="b"/>
+              <a:pathLst>
+                <a:path w="1068" h="1020">
+                  <a:moveTo>
+                    <a:pt x="1068" y="1020"/>
+                  </a:moveTo>
+                  <a:lnTo>
+                    <a:pt x="184" y="60"/>
+                  </a:lnTo>
+                  <a:lnTo>
+                    <a:pt x="154" y="27"/>
+                  </a:lnTo>
+                  <a:lnTo>
+                    <a:pt x="157" y="27"/>
+                  </a:lnTo>
+                  <a:lnTo>
+                    <a:pt x="157" y="24"/>
+                  </a:lnTo>
+                  <a:lnTo>
+                    <a:pt x="154" y="24"/>
+                  </a:lnTo>
+                  <a:lnTo>
+                    <a:pt x="0" y="0"/>
+                  </a:lnTo>
+                  <a:lnTo>
+                    <a:pt x="0" y="0"/>
+                  </a:lnTo>
+                  <a:lnTo>
+                    <a:pt x="774" y="1020"/>
+                  </a:lnTo>
+                  <a:lnTo>
+                    <a:pt x="1068" y="1020"/>
+                  </a:lnTo>
+                  <a:close/>
+                </a:path>
+              </a:pathLst>
+            </a:custGeom>
+            <a:solidFill>
+              <a:schemeClr val="tx1">
+                <a:lumMod val="75000"/>
+                <a:lumOff val="25000"/>
+              </a:schemeClr>
+            </a:solidFill>
+            <a:ln>
+              <a:noFill/>
+            </a:ln>
+          </p:spPr>
+        </p:sp>
+      </p:grpSp>
+      <p:sp useBgFill="1">
+        <p:nvSpPr>
+          <p:cNvPr id="135" name="Rectangle 134">
+            <a:extLst>
+              <a:ext uri="{FF2B5EF4-FFF2-40B4-BE49-F238E27FC236}">
+                <a16:creationId xmlns:a16="http://schemas.microsoft.com/office/drawing/2014/main" id="{5B2F4B0B-6CDE-4467-A567-7930C6692530}"/>
+              </a:ext>
+              <a:ext uri="{C183D7F6-B498-43B3-948B-1728B52AA6E4}">
+                <adec:decorative xmlns:adec="http://schemas.microsoft.com/office/drawing/2017/decorative" val="1"/>
+              </a:ext>
+            </a:extLst>
+          </p:cNvPr>
+          <p:cNvSpPr>
+            <a:spLocks noGrp="1" noRot="1" noChangeAspect="1" noMove="1" noResize="1" noEditPoints="1" noAdjustHandles="1" noChangeArrowheads="1" noChangeShapeType="1" noTextEdit="1"/>
+          </p:cNvSpPr>
+          <p:nvPr>
+            <p:extLst>
+              <p:ext uri="{386F3935-93C4-4BCD-93E2-E3B085C9AB24}">
+                <p16:designElem xmlns:p16="http://schemas.microsoft.com/office/powerpoint/2015/main" val="1"/>
+              </p:ext>
+            </p:extLst>
+          </p:nvPr>
+        </p:nvSpPr>
+        <p:spPr>
+          <a:xfrm>
+            <a:off x="0" y="0"/>
+            <a:ext cx="9144000" cy="5143500"/>
+          </a:xfrm>
+          <a:prstGeom prst="rect">
+            <a:avLst/>
+          </a:prstGeom>
+          <a:ln>
+            <a:noFill/>
+          </a:ln>
+        </p:spPr>
+        <p:style>
+          <a:lnRef idx="2">
+            <a:schemeClr val="accent1">
+              <a:shade val="50000"/>
+            </a:schemeClr>
+          </a:lnRef>
+          <a:fillRef idx="1">
+            <a:schemeClr val="accent1"/>
+          </a:fillRef>
+          <a:effectRef idx="0">
+            <a:schemeClr val="accent1"/>
+          </a:effectRef>
+          <a:fontRef idx="minor">
+            <a:schemeClr val="lt1"/>
+          </a:fontRef>
+        </p:style>
+        <p:txBody>
+          <a:bodyPr rtlCol="0" anchor="ctr"/>
+          <a:lstStyle/>
+          <a:p>
+            <a:pPr algn="ctr"/>
+            <a:endParaRPr lang="en-US"/>
+          </a:p>
+        </p:txBody>
+      </p:sp>
+      <p:sp>
+        <p:nvSpPr>
+          <p:cNvPr id="137" name="Freeform: Shape 136">
+            <a:extLst>
+              <a:ext uri="{FF2B5EF4-FFF2-40B4-BE49-F238E27FC236}">
+                <a16:creationId xmlns:a16="http://schemas.microsoft.com/office/drawing/2014/main" id="{4FBD904E-E2AA-40C0-9B75-6705C2936009}"/>
+              </a:ext>
+              <a:ext uri="{C183D7F6-B498-43B3-948B-1728B52AA6E4}">
+                <adec:decorative xmlns:adec="http://schemas.microsoft.com/office/drawing/2017/decorative" val="1"/>
+              </a:ext>
+            </a:extLst>
+          </p:cNvPr>
+          <p:cNvSpPr>
+            <a:spLocks noGrp="1" noRot="1" noChangeAspect="1" noMove="1" noResize="1" noEditPoints="1" noAdjustHandles="1" noChangeArrowheads="1" noChangeShapeType="1" noTextEdit="1"/>
+          </p:cNvSpPr>
+          <p:nvPr>
+            <p:extLst>
+              <p:ext uri="{386F3935-93C4-4BCD-93E2-E3B085C9AB24}">
+                <p16:designElem xmlns:p16="http://schemas.microsoft.com/office/powerpoint/2015/main" val="1"/>
+              </p:ext>
+            </p:extLst>
+          </p:nvPr>
+        </p:nvSpPr>
+        <p:spPr>
+          <a:xfrm flipV="1">
+            <a:off x="0" y="0"/>
+            <a:ext cx="3302781" cy="5143500"/>
+          </a:xfrm>
+          <a:custGeom>
+            <a:avLst/>
+            <a:gdLst>
+              <a:gd name="connsiteX0" fmla="*/ 3223890 w 4403709"/>
+              <a:gd name="connsiteY0" fmla="*/ 6858001 h 6858001"/>
+              <a:gd name="connsiteX1" fmla="*/ 4101908 w 4403709"/>
+              <a:gd name="connsiteY1" fmla="*/ 6858001 h 6858001"/>
+              <a:gd name="connsiteX2" fmla="*/ 3254950 w 4403709"/>
+              <a:gd name="connsiteY2" fmla="*/ 1599356 h 6858001"/>
+              <a:gd name="connsiteX3" fmla="*/ 3254950 w 4403709"/>
+              <a:gd name="connsiteY3" fmla="*/ 1594062 h 6858001"/>
+              <a:gd name="connsiteX4" fmla="*/ 4403709 w 4403709"/>
+              <a:gd name="connsiteY4" fmla="*/ 0 h 6858001"/>
+              <a:gd name="connsiteX5" fmla="*/ 3254950 w 4403709"/>
+              <a:gd name="connsiteY5" fmla="*/ 0 h 6858001"/>
+              <a:gd name="connsiteX6" fmla="*/ 2903520 w 4403709"/>
+              <a:gd name="connsiteY6" fmla="*/ 0 h 6858001"/>
+              <a:gd name="connsiteX7" fmla="*/ 0 w 4403709"/>
+              <a:gd name="connsiteY7" fmla="*/ 0 h 6858001"/>
+              <a:gd name="connsiteX8" fmla="*/ 0 w 4403709"/>
+              <a:gd name="connsiteY8" fmla="*/ 6858000 h 6858001"/>
+              <a:gd name="connsiteX9" fmla="*/ 3223890 w 4403709"/>
+              <a:gd name="connsiteY9" fmla="*/ 6858000 h 6858001"/>
+            </a:gdLst>
+            <a:ahLst/>
+            <a:cxnLst>
+              <a:cxn ang="0">
+                <a:pos x="connsiteX0" y="connsiteY0"/>
+              </a:cxn>
+              <a:cxn ang="0">
+                <a:pos x="connsiteX1" y="connsiteY1"/>
+              </a:cxn>
+              <a:cxn ang="0">
+                <a:pos x="connsiteX2" y="connsiteY2"/>
+              </a:cxn>
+              <a:cxn ang="0">
+                <a:pos x="connsiteX3" y="connsiteY3"/>
+              </a:cxn>
+              <a:cxn ang="0">
+                <a:pos x="connsiteX4" y="connsiteY4"/>
+              </a:cxn>
+              <a:cxn ang="0">
+                <a:pos x="connsiteX5" y="connsiteY5"/>
+              </a:cxn>
+              <a:cxn ang="0">
+                <a:pos x="connsiteX6" y="connsiteY6"/>
+              </a:cxn>
+              <a:cxn ang="0">
+                <a:pos x="connsiteX7" y="connsiteY7"/>
+              </a:cxn>
+              <a:cxn ang="0">
+                <a:pos x="connsiteX8" y="connsiteY8"/>
+              </a:cxn>
+              <a:cxn ang="0">
+                <a:pos x="connsiteX9" y="connsiteY9"/>
+              </a:cxn>
+            </a:cxnLst>
+            <a:rect l="l" t="t" r="r" b="b"/>
+            <a:pathLst>
+              <a:path w="4403709" h="6858001">
+                <a:moveTo>
+                  <a:pt x="3223890" y="6858001"/>
+                </a:moveTo>
+                <a:lnTo>
+                  <a:pt x="4101908" y="6858001"/>
+                </a:lnTo>
+                <a:lnTo>
+                  <a:pt x="3254950" y="1599356"/>
+                </a:lnTo>
+                <a:lnTo>
+                  <a:pt x="3254950" y="1594062"/>
+                </a:lnTo>
+                <a:lnTo>
+                  <a:pt x="4403709" y="0"/>
+                </a:lnTo>
+                <a:lnTo>
+                  <a:pt x="3254950" y="0"/>
+                </a:lnTo>
+                <a:lnTo>
+                  <a:pt x="2903520" y="0"/>
+                </a:lnTo>
+                <a:lnTo>
+                  <a:pt x="0" y="0"/>
+                </a:lnTo>
+                <a:lnTo>
+                  <a:pt x="0" y="6858000"/>
+                </a:lnTo>
+                <a:lnTo>
+                  <a:pt x="3223890" y="6858000"/>
+                </a:lnTo>
+                <a:close/>
+              </a:path>
+            </a:pathLst>
+          </a:custGeom>
+          <a:ln>
+            <a:noFill/>
+          </a:ln>
+        </p:spPr>
+        <p:style>
+          <a:lnRef idx="2">
+            <a:schemeClr val="accent1">
+              <a:shade val="50000"/>
+            </a:schemeClr>
+          </a:lnRef>
+          <a:fillRef idx="1002">
+            <a:schemeClr val="dk1"/>
+          </a:fillRef>
+          <a:effectRef idx="0">
+            <a:schemeClr val="accent1"/>
+          </a:effectRef>
+          <a:fontRef idx="minor">
+            <a:schemeClr val="lt1"/>
+          </a:fontRef>
+        </p:style>
+        <p:txBody>
+          <a:bodyPr rtlCol="0" anchor="ctr"/>
+          <a:lstStyle/>
+          <a:p>
+            <a:pPr algn="ctr"/>
+            <a:endParaRPr lang="en-US">
+              <a:solidFill>
+                <a:schemeClr val="tx1"/>
+              </a:solidFill>
+            </a:endParaRPr>
+          </a:p>
+        </p:txBody>
+      </p:sp>
+      <p:sp>
+        <p:nvSpPr>
+          <p:cNvPr id="87" name="Google Shape;87;p18"/>
+          <p:cNvSpPr txBox="1">
+            <a:spLocks noGrp="1"/>
+          </p:cNvSpPr>
+          <p:nvPr>
+            <p:ph type="title"/>
+          </p:nvPr>
+        </p:nvSpPr>
+        <p:spPr>
+          <a:xfrm>
+            <a:off x="401265" y="514350"/>
+            <a:ext cx="1979972" cy="3829050"/>
+          </a:xfrm>
+          <a:prstGeom prst="rect">
+            <a:avLst/>
+          </a:prstGeom>
+        </p:spPr>
+        <p:txBody>
+          <a:bodyPr spcFirstLastPara="1" vert="horz" lIns="91440" tIns="45720" rIns="91440" bIns="45720" rtlCol="0" anchor="ctr" anchorCtr="0">
+            <a:normAutofit/>
+          </a:bodyPr>
+          <a:lstStyle/>
+          <a:p>
+            <a:pPr marL="0" lvl="0" indent="0" defTabSz="457200">
+              <a:spcBef>
+                <a:spcPct val="0"/>
+              </a:spcBef>
+              <a:spcAft>
+                <a:spcPts val="0"/>
+              </a:spcAft>
+            </a:pPr>
+            <a:r>
+              <a:rPr lang="en-US" sz="4000">
+                <a:solidFill>
+                  <a:srgbClr val="FFFFFF"/>
+                </a:solidFill>
+              </a:rPr>
+              <a:t>To do</a:t>
+            </a:r>
+          </a:p>
+        </p:txBody>
+      </p:sp>
+      <p:grpSp>
+        <p:nvGrpSpPr>
+          <p:cNvPr id="139" name="Group 138">
+            <a:extLst>
+              <a:ext uri="{FF2B5EF4-FFF2-40B4-BE49-F238E27FC236}">
+                <a16:creationId xmlns:a16="http://schemas.microsoft.com/office/drawing/2014/main" id="{C2CA0337-9B09-4746-93D0-7E92F422020B}"/>
+              </a:ext>
+              <a:ext uri="{C183D7F6-B498-43B3-948B-1728B52AA6E4}">
+                <adec:decorative xmlns:adec="http://schemas.microsoft.com/office/drawing/2017/decorative" val="1"/>
+              </a:ext>
+            </a:extLst>
+          </p:cNvPr>
+          <p:cNvGrpSpPr>
+            <a:grpSpLocks noGrp="1" noUngrp="1" noRot="1" noChangeAspect="1" noMove="1" noResize="1"/>
+          </p:cNvGrpSpPr>
+          <p:nvPr>
+            <p:extLst>
+              <p:ext uri="{386F3935-93C4-4BCD-93E2-E3B085C9AB24}">
+                <p16:designElem xmlns:p16="http://schemas.microsoft.com/office/powerpoint/2015/main" val="1"/>
+              </p:ext>
+            </p:extLst>
+          </p:nvPr>
+        </p:nvGrpSpPr>
+        <p:grpSpPr>
+          <a:xfrm>
+            <a:off x="2486469" y="0"/>
+            <a:ext cx="1827609" cy="5143500"/>
+            <a:chOff x="1320800" y="0"/>
+            <a:chExt cx="2436813" cy="6858001"/>
+          </a:xfrm>
+        </p:grpSpPr>
+        <p:sp>
+          <p:nvSpPr>
+            <p:cNvPr id="140" name="Freeform 6">
+              <a:extLst>
+                <a:ext uri="{FF2B5EF4-FFF2-40B4-BE49-F238E27FC236}">
+                  <a16:creationId xmlns:a16="http://schemas.microsoft.com/office/drawing/2014/main" id="{9400DCF3-F870-42BD-9169-1B4BD854DE1B}"/>
+                </a:ext>
+                <a:ext uri="{C183D7F6-B498-43B3-948B-1728B52AA6E4}">
+                  <adec:decorative xmlns:adec="http://schemas.microsoft.com/office/drawing/2017/decorative" val="1"/>
+                </a:ext>
+              </a:extLst>
+            </p:cNvPr>
+            <p:cNvSpPr/>
+            <p:nvPr>
+              <p:extLst>
+                <p:ext uri="{386F3935-93C4-4BCD-93E2-E3B085C9AB24}">
+                  <p16:designElem xmlns:p16="http://schemas.microsoft.com/office/powerpoint/2015/main" val="1"/>
+                </p:ext>
+              </p:extLst>
+            </p:nvPr>
+          </p:nvSpPr>
+          <p:spPr bwMode="auto">
+            <a:xfrm>
+              <a:off x="1627188" y="0"/>
+              <a:ext cx="1122363" cy="5329238"/>
+            </a:xfrm>
+            <a:custGeom>
+              <a:avLst/>
+              <a:gdLst/>
+              <a:ahLst/>
+              <a:cxnLst/>
+              <a:rect l="0" t="0" r="r" b="b"/>
+              <a:pathLst>
+                <a:path w="707" h="3357">
+                  <a:moveTo>
+                    <a:pt x="0" y="3330"/>
+                  </a:moveTo>
+                  <a:lnTo>
+                    <a:pt x="156" y="3357"/>
+                  </a:lnTo>
+                  <a:lnTo>
+                    <a:pt x="707" y="0"/>
+                  </a:lnTo>
+                  <a:lnTo>
+                    <a:pt x="547" y="0"/>
+                  </a:lnTo>
+                  <a:lnTo>
+                    <a:pt x="0" y="3330"/>
+                  </a:lnTo>
+                  <a:close/>
+                </a:path>
+              </a:pathLst>
+            </a:custGeom>
+            <a:solidFill>
+              <a:schemeClr val="accent1"/>
+            </a:solidFill>
+            <a:ln>
+              <a:noFill/>
+            </a:ln>
+          </p:spPr>
+        </p:sp>
+        <p:sp>
+          <p:nvSpPr>
+            <p:cNvPr id="141" name="Freeform 7">
+              <a:extLst>
+                <a:ext uri="{FF2B5EF4-FFF2-40B4-BE49-F238E27FC236}">
+                  <a16:creationId xmlns:a16="http://schemas.microsoft.com/office/drawing/2014/main" id="{BC4C6F6B-30DD-4B7F-8169-7A575C25C8C9}"/>
+                </a:ext>
+                <a:ext uri="{C183D7F6-B498-43B3-948B-1728B52AA6E4}">
+                  <adec:decorative xmlns:adec="http://schemas.microsoft.com/office/drawing/2017/decorative" val="1"/>
+                </a:ext>
+              </a:extLst>
+            </p:cNvPr>
+            <p:cNvSpPr/>
+            <p:nvPr>
+              <p:extLst>
+                <p:ext uri="{386F3935-93C4-4BCD-93E2-E3B085C9AB24}">
+                  <p16:designElem xmlns:p16="http://schemas.microsoft.com/office/powerpoint/2015/main" val="1"/>
+                </p:ext>
+              </p:extLst>
+            </p:nvPr>
+          </p:nvSpPr>
+          <p:spPr bwMode="auto">
+            <a:xfrm>
+              <a:off x="1320800" y="0"/>
+              <a:ext cx="1117600" cy="5276850"/>
+            </a:xfrm>
+            <a:custGeom>
+              <a:avLst/>
+              <a:gdLst/>
+              <a:ahLst/>
+              <a:cxnLst/>
+              <a:rect l="0" t="0" r="r" b="b"/>
+              <a:pathLst>
+                <a:path w="704" h="3324">
+                  <a:moveTo>
+                    <a:pt x="704" y="0"/>
+                  </a:moveTo>
+                  <a:lnTo>
+                    <a:pt x="545" y="0"/>
+                  </a:lnTo>
+                  <a:lnTo>
+                    <a:pt x="0" y="3300"/>
+                  </a:lnTo>
+                  <a:lnTo>
+                    <a:pt x="157" y="3324"/>
+                  </a:lnTo>
+                  <a:lnTo>
+                    <a:pt x="704" y="0"/>
+                  </a:lnTo>
+                  <a:close/>
+                </a:path>
+              </a:pathLst>
+            </a:custGeom>
+            <a:solidFill>
+              <a:schemeClr val="tx1">
+                <a:lumMod val="65000"/>
+                <a:lumOff val="35000"/>
+              </a:schemeClr>
+            </a:solidFill>
+            <a:ln>
+              <a:noFill/>
+            </a:ln>
+          </p:spPr>
+        </p:sp>
+        <p:sp>
+          <p:nvSpPr>
+            <p:cNvPr id="142" name="Freeform 8">
+              <a:extLst>
+                <a:ext uri="{FF2B5EF4-FFF2-40B4-BE49-F238E27FC236}">
+                  <a16:creationId xmlns:a16="http://schemas.microsoft.com/office/drawing/2014/main" id="{66C1E1CC-3625-43BC-98A8-A1C67FADC32E}"/>
+                </a:ext>
+                <a:ext uri="{C183D7F6-B498-43B3-948B-1728B52AA6E4}">
+                  <adec:decorative xmlns:adec="http://schemas.microsoft.com/office/drawing/2017/decorative" val="1"/>
+                </a:ext>
+              </a:extLst>
+            </p:cNvPr>
+            <p:cNvSpPr/>
+            <p:nvPr>
+              <p:extLst>
+                <p:ext uri="{386F3935-93C4-4BCD-93E2-E3B085C9AB24}">
+                  <p16:designElem xmlns:p16="http://schemas.microsoft.com/office/powerpoint/2015/main" val="1"/>
+                </p:ext>
+              </p:extLst>
+            </p:nvPr>
+          </p:nvSpPr>
+          <p:spPr bwMode="auto">
+            <a:xfrm>
+              <a:off x="1320800" y="5238750"/>
+              <a:ext cx="1228725" cy="1619250"/>
+            </a:xfrm>
+            <a:custGeom>
+              <a:avLst/>
+              <a:gdLst/>
+              <a:ahLst/>
+              <a:cxnLst/>
+              <a:rect l="0" t="0" r="r" b="b"/>
+              <a:pathLst>
+                <a:path w="774" h="1020">
+                  <a:moveTo>
+                    <a:pt x="0" y="0"/>
+                  </a:moveTo>
+                  <a:lnTo>
+                    <a:pt x="740" y="1020"/>
+                  </a:lnTo>
+                  <a:lnTo>
+                    <a:pt x="774" y="1020"/>
+                  </a:lnTo>
+                  <a:lnTo>
+                    <a:pt x="0" y="0"/>
+                  </a:lnTo>
+                  <a:close/>
+                </a:path>
+              </a:pathLst>
+            </a:custGeom>
+            <a:solidFill>
+              <a:schemeClr val="tx1">
+                <a:lumMod val="85000"/>
+                <a:lumOff val="15000"/>
+              </a:schemeClr>
+            </a:solidFill>
+            <a:ln>
+              <a:noFill/>
+            </a:ln>
+          </p:spPr>
+        </p:sp>
+        <p:sp>
+          <p:nvSpPr>
+            <p:cNvPr id="143" name="Freeform 9">
+              <a:extLst>
+                <a:ext uri="{FF2B5EF4-FFF2-40B4-BE49-F238E27FC236}">
+                  <a16:creationId xmlns:a16="http://schemas.microsoft.com/office/drawing/2014/main" id="{37C6358A-C557-444E-A1F5-149AD3B6C94F}"/>
+                </a:ext>
+                <a:ext uri="{C183D7F6-B498-43B3-948B-1728B52AA6E4}">
+                  <adec:decorative xmlns:adec="http://schemas.microsoft.com/office/drawing/2017/decorative" val="1"/>
+                </a:ext>
+              </a:extLst>
+            </p:cNvPr>
+            <p:cNvSpPr/>
+            <p:nvPr>
+              <p:extLst>
+                <p:ext uri="{386F3935-93C4-4BCD-93E2-E3B085C9AB24}">
+                  <p16:designElem xmlns:p16="http://schemas.microsoft.com/office/powerpoint/2015/main" val="1"/>
+                </p:ext>
+              </p:extLst>
+            </p:nvPr>
+          </p:nvSpPr>
+          <p:spPr bwMode="auto">
+            <a:xfrm>
+              <a:off x="1627188" y="5291138"/>
+              <a:ext cx="1495425" cy="1566863"/>
+            </a:xfrm>
+            <a:custGeom>
+              <a:avLst/>
+              <a:gdLst/>
+              <a:ahLst/>
+              <a:cxnLst/>
+              <a:rect l="0" t="0" r="r" b="b"/>
+              <a:pathLst>
+                <a:path w="942" h="987">
+                  <a:moveTo>
+                    <a:pt x="0" y="0"/>
+                  </a:moveTo>
+                  <a:lnTo>
+                    <a:pt x="909" y="987"/>
+                  </a:lnTo>
+                  <a:lnTo>
+                    <a:pt x="942" y="987"/>
+                  </a:lnTo>
+                  <a:lnTo>
+                    <a:pt x="0" y="0"/>
+                  </a:lnTo>
+                  <a:close/>
+                </a:path>
+              </a:pathLst>
+            </a:custGeom>
+            <a:solidFill>
+              <a:schemeClr val="accent1">
+                <a:lumMod val="50000"/>
+              </a:schemeClr>
+            </a:solidFill>
+            <a:ln>
+              <a:noFill/>
+            </a:ln>
+          </p:spPr>
+        </p:sp>
+        <p:sp>
+          <p:nvSpPr>
+            <p:cNvPr id="144" name="Freeform 10">
+              <a:extLst>
+                <a:ext uri="{FF2B5EF4-FFF2-40B4-BE49-F238E27FC236}">
+                  <a16:creationId xmlns:a16="http://schemas.microsoft.com/office/drawing/2014/main" id="{E1981B58-ABB6-4FEB-BE0A-17F8AD1B4DA6}"/>
+                </a:ext>
+                <a:ext uri="{C183D7F6-B498-43B3-948B-1728B52AA6E4}">
+                  <adec:decorative xmlns:adec="http://schemas.microsoft.com/office/drawing/2017/decorative" val="1"/>
+                </a:ext>
+              </a:extLst>
+            </p:cNvPr>
+            <p:cNvSpPr/>
+            <p:nvPr>
+              <p:extLst>
+                <p:ext uri="{386F3935-93C4-4BCD-93E2-E3B085C9AB24}">
+                  <p16:designElem xmlns:p16="http://schemas.microsoft.com/office/powerpoint/2015/main" val="1"/>
+                </p:ext>
+              </p:extLst>
+            </p:nvPr>
+          </p:nvSpPr>
+          <p:spPr bwMode="auto">
+            <a:xfrm>
+              <a:off x="1627188" y="5286375"/>
+              <a:ext cx="2130425" cy="1571625"/>
+            </a:xfrm>
+            <a:custGeom>
+              <a:avLst/>
+              <a:gdLst/>
+              <a:ahLst/>
+              <a:cxnLst/>
+              <a:rect l="0" t="0" r="r" b="b"/>
+              <a:pathLst>
+                <a:path w="1342" h="990">
+                  <a:moveTo>
+                    <a:pt x="0" y="3"/>
+                  </a:moveTo>
+                  <a:lnTo>
+                    <a:pt x="942" y="990"/>
+                  </a:lnTo>
+                  <a:lnTo>
+                    <a:pt x="1342" y="990"/>
+                  </a:lnTo>
+                  <a:lnTo>
+                    <a:pt x="156" y="27"/>
+                  </a:lnTo>
+                  <a:lnTo>
+                    <a:pt x="0" y="0"/>
+                  </a:lnTo>
+                  <a:lnTo>
+                    <a:pt x="0" y="3"/>
+                  </a:lnTo>
+                  <a:close/>
+                </a:path>
+              </a:pathLst>
+            </a:custGeom>
+            <a:solidFill>
+              <a:schemeClr val="accent1">
+                <a:lumMod val="75000"/>
+              </a:schemeClr>
+            </a:solidFill>
+            <a:ln>
+              <a:noFill/>
+            </a:ln>
+          </p:spPr>
+        </p:sp>
+        <p:sp>
+          <p:nvSpPr>
+            <p:cNvPr id="145" name="Freeform 11">
+              <a:extLst>
+                <a:ext uri="{FF2B5EF4-FFF2-40B4-BE49-F238E27FC236}">
+                  <a16:creationId xmlns:a16="http://schemas.microsoft.com/office/drawing/2014/main" id="{828B56B0-6617-4529-B84C-73B093A8F2E0}"/>
+                </a:ext>
+                <a:ext uri="{C183D7F6-B498-43B3-948B-1728B52AA6E4}">
+                  <adec:decorative xmlns:adec="http://schemas.microsoft.com/office/drawing/2017/decorative" val="1"/>
+                </a:ext>
+              </a:extLst>
+            </p:cNvPr>
+            <p:cNvSpPr/>
+            <p:nvPr>
+              <p:extLst>
+                <p:ext uri="{386F3935-93C4-4BCD-93E2-E3B085C9AB24}">
+                  <p16:designElem xmlns:p16="http://schemas.microsoft.com/office/powerpoint/2015/main" val="1"/>
+                </p:ext>
+              </p:extLst>
+            </p:nvPr>
+          </p:nvSpPr>
+          <p:spPr bwMode="auto">
+            <a:xfrm>
+              <a:off x="1320800" y="5238750"/>
+              <a:ext cx="1695450" cy="1619250"/>
+            </a:xfrm>
+            <a:custGeom>
+              <a:avLst/>
+              <a:gdLst/>
+              <a:ahLst/>
+              <a:cxnLst/>
+              <a:rect l="0" t="0" r="r" b="b"/>
+              <a:pathLst>
+                <a:path w="1068" h="1020">
+                  <a:moveTo>
+                    <a:pt x="1068" y="1020"/>
+                  </a:moveTo>
+                  <a:lnTo>
+                    <a:pt x="184" y="60"/>
+                  </a:lnTo>
+                  <a:lnTo>
+                    <a:pt x="154" y="27"/>
+                  </a:lnTo>
+                  <a:lnTo>
+                    <a:pt x="157" y="27"/>
+                  </a:lnTo>
+                  <a:lnTo>
+                    <a:pt x="157" y="24"/>
+                  </a:lnTo>
+                  <a:lnTo>
+                    <a:pt x="154" y="24"/>
+                  </a:lnTo>
+                  <a:lnTo>
+                    <a:pt x="0" y="0"/>
+                  </a:lnTo>
+                  <a:lnTo>
+                    <a:pt x="0" y="0"/>
+                  </a:lnTo>
+                  <a:lnTo>
+                    <a:pt x="774" y="1020"/>
+                  </a:lnTo>
+                  <a:lnTo>
+                    <a:pt x="1068" y="1020"/>
+                  </a:lnTo>
+                  <a:close/>
+                </a:path>
+              </a:pathLst>
+            </a:custGeom>
+            <a:solidFill>
+              <a:schemeClr val="tx1">
+                <a:lumMod val="75000"/>
+                <a:lumOff val="25000"/>
+              </a:schemeClr>
+            </a:solidFill>
+            <a:ln>
+              <a:noFill/>
+            </a:ln>
+          </p:spPr>
+        </p:sp>
+      </p:grpSp>
+      <p:graphicFrame>
+        <p:nvGraphicFramePr>
+          <p:cNvPr id="122" name="Google Shape;88;p18">
+            <a:extLst>
+              <a:ext uri="{FF2B5EF4-FFF2-40B4-BE49-F238E27FC236}">
+                <a16:creationId xmlns:a16="http://schemas.microsoft.com/office/drawing/2014/main" id="{BB7248B8-7938-499A-B158-9EC52C21A297}"/>
+              </a:ext>
+            </a:extLst>
+          </p:cNvPr>
+          <p:cNvGraphicFramePr/>
+          <p:nvPr>
+            <p:extLst>
+              <p:ext uri="{D42A27DB-BD31-4B8C-83A1-F6EECF244321}">
+                <p14:modId xmlns:p14="http://schemas.microsoft.com/office/powerpoint/2010/main" val="1210792024"/>
+              </p:ext>
+            </p:extLst>
+          </p:nvPr>
+        </p:nvGraphicFramePr>
+        <p:xfrm>
+          <a:off x="3757612" y="514350"/>
+          <a:ext cx="4869656" cy="3829050"/>
+        </p:xfrm>
+        <a:graphic>
+          <a:graphicData uri="http://schemas.openxmlformats.org/drawingml/2006/diagram">
+            <dgm:relIds xmlns:dgm="http://schemas.openxmlformats.org/drawingml/2006/diagram" xmlns:r="http://schemas.openxmlformats.org/officeDocument/2006/relationships" r:dm="rId3" r:lo="rId4" r:qs="rId5" r:cs="rId6"/>
+          </a:graphicData>
+        </a:graphic>
+      </p:graphicFrame>
+    </p:spTree>
+  </p:cSld>
+  <p:clrMapOvr>
+    <a:overrideClrMapping bg1="lt1" tx1="dk1" bg2="lt2" tx2="dk2" accent1="accent1" accent2="accent2" accent3="accent3" accent4="accent4" accent5="accent5" accent6="accent6" hlink="hlink" folHlink="folHlink"/>
+  </p:clrMapOvr>
+</p:sld>
+</file>
+
+<file path=ppt/slides/slide11.xml><?xml version="1.0" encoding="utf-8"?>
 <p:sld xmlns:a="http://schemas.openxmlformats.org/drawingml/2006/main" xmlns:r="http://schemas.openxmlformats.org/officeDocument/2006/relationships" xmlns:p="http://schemas.openxmlformats.org/presentationml/2006/main">
   <p:cSld>
     <p:bg>
@@ -39607,7 +41405,7 @@
 </file>
 
 <file path=ppt/slides/slide4.xml><?xml version="1.0" encoding="utf-8"?>
-<p:sld xmlns:a="http://schemas.openxmlformats.org/drawingml/2006/main" xmlns:r="http://schemas.openxmlformats.org/officeDocument/2006/relationships" xmlns:p="http://schemas.openxmlformats.org/presentationml/2006/main">
+<p:sld xmlns:a="http://schemas.openxmlformats.org/drawingml/2006/main" xmlns:r="http://schemas.openxmlformats.org/officeDocument/2006/relationships" xmlns:p="http://schemas.openxmlformats.org/presentationml/2006/main" show="0">
   <p:cSld>
     <p:spTree>
       <p:nvGrpSpPr>
@@ -39742,7 +41540,7 @@
 </file>
 
 <file path=ppt/slides/slide5.xml><?xml version="1.0" encoding="utf-8"?>
-<p:sld xmlns:a="http://schemas.openxmlformats.org/drawingml/2006/main" xmlns:r="http://schemas.openxmlformats.org/officeDocument/2006/relationships" xmlns:p="http://schemas.openxmlformats.org/presentationml/2006/main">
+<p:sld xmlns:a="http://schemas.openxmlformats.org/drawingml/2006/main" xmlns:r="http://schemas.openxmlformats.org/officeDocument/2006/relationships" xmlns:p="http://schemas.openxmlformats.org/presentationml/2006/main" show="0">
   <p:cSld>
     <p:bg>
       <p:bgPr>
@@ -40930,7 +42728,7 @@
 </file>
 
 <file path=ppt/slides/slide6.xml><?xml version="1.0" encoding="utf-8"?>
-<p:sld xmlns:a="http://schemas.openxmlformats.org/drawingml/2006/main" xmlns:r="http://schemas.openxmlformats.org/officeDocument/2006/relationships" xmlns:p="http://schemas.openxmlformats.org/presentationml/2006/main">
+<p:sld xmlns:a="http://schemas.openxmlformats.org/drawingml/2006/main" xmlns:r="http://schemas.openxmlformats.org/officeDocument/2006/relationships" xmlns:p="http://schemas.openxmlformats.org/presentationml/2006/main" show="0">
   <p:cSld>
     <p:bg>
       <p:bgPr>
@@ -42174,7 +43972,7 @@
           <p:nvPr>
             <p:extLst>
               <p:ext uri="{D42A27DB-BD31-4B8C-83A1-F6EECF244321}">
-                <p14:modId xmlns:p14="http://schemas.microsoft.com/office/powerpoint/2010/main" val="515490590"/>
+                <p14:modId xmlns:p14="http://schemas.microsoft.com/office/powerpoint/2010/main" val="1596650040"/>
               </p:ext>
             </p:extLst>
           </p:nvPr>
@@ -42203,6 +44001,560 @@
 </file>
 
 <file path=ppt/slides/slide8.xml><?xml version="1.0" encoding="utf-8"?>
+<p:sld xmlns:a="http://schemas.openxmlformats.org/drawingml/2006/main" xmlns:r="http://schemas.openxmlformats.org/officeDocument/2006/relationships" xmlns:p="http://schemas.openxmlformats.org/presentationml/2006/main" show="0">
+  <p:cSld>
+    <p:spTree>
+      <p:nvGrpSpPr>
+        <p:cNvPr id="1" name=""/>
+        <p:cNvGrpSpPr/>
+        <p:nvPr/>
+      </p:nvGrpSpPr>
+      <p:grpSpPr>
+        <a:xfrm>
+          <a:off x="0" y="0"/>
+          <a:ext cx="0" cy="0"/>
+          <a:chOff x="0" y="0"/>
+          <a:chExt cx="0" cy="0"/>
+        </a:xfrm>
+      </p:grpSpPr>
+      <p:sp>
+        <p:nvSpPr>
+          <p:cNvPr id="2" name="Title 1">
+            <a:extLst>
+              <a:ext uri="{FF2B5EF4-FFF2-40B4-BE49-F238E27FC236}">
+                <a16:creationId xmlns:a16="http://schemas.microsoft.com/office/drawing/2014/main" id="{876845B7-2B73-4327-85E7-8B7A8F716B1D}"/>
+              </a:ext>
+            </a:extLst>
+          </p:cNvPr>
+          <p:cNvSpPr>
+            <a:spLocks noGrp="1"/>
+          </p:cNvSpPr>
+          <p:nvPr>
+            <p:ph type="title"/>
+          </p:nvPr>
+        </p:nvSpPr>
+        <p:spPr>
+          <a:xfrm>
+            <a:off x="311700" y="731375"/>
+            <a:ext cx="8520600" cy="572700"/>
+          </a:xfrm>
+        </p:spPr>
+        <p:txBody>
+          <a:bodyPr>
+            <a:normAutofit fontScale="90000"/>
+          </a:bodyPr>
+          <a:lstStyle/>
+          <a:p>
+            <a:r>
+              <a:rPr lang="en-US" dirty="0"/>
+              <a:t>Current database design:</a:t>
+            </a:r>
+          </a:p>
+        </p:txBody>
+      </p:sp>
+      <p:sp>
+        <p:nvSpPr>
+          <p:cNvPr id="6" name="Text Placeholder 5">
+            <a:extLst>
+              <a:ext uri="{FF2B5EF4-FFF2-40B4-BE49-F238E27FC236}">
+                <a16:creationId xmlns:a16="http://schemas.microsoft.com/office/drawing/2014/main" id="{EE814198-01B8-4B60-91A3-7E038A67B365}"/>
+              </a:ext>
+            </a:extLst>
+          </p:cNvPr>
+          <p:cNvSpPr>
+            <a:spLocks noGrp="1"/>
+          </p:cNvSpPr>
+          <p:nvPr>
+            <p:ph type="body" idx="1"/>
+          </p:nvPr>
+        </p:nvSpPr>
+        <p:spPr>
+          <a:xfrm>
+            <a:off x="4571999" y="1671636"/>
+            <a:ext cx="3636169" cy="3136107"/>
+          </a:xfrm>
+          <a:prstGeom prst="roundRect">
+            <a:avLst/>
+          </a:prstGeom>
+        </p:spPr>
+        <p:style>
+          <a:lnRef idx="2">
+            <a:schemeClr val="accent1">
+              <a:shade val="50000"/>
+            </a:schemeClr>
+          </a:lnRef>
+          <a:fillRef idx="1">
+            <a:schemeClr val="accent1"/>
+          </a:fillRef>
+          <a:effectRef idx="0">
+            <a:schemeClr val="accent1"/>
+          </a:effectRef>
+          <a:fontRef idx="minor">
+            <a:schemeClr val="lt1"/>
+          </a:fontRef>
+        </p:style>
+        <p:txBody>
+          <a:bodyPr rtlCol="0" anchor="ctr"/>
+          <a:lstStyle/>
+          <a:p>
+            <a:pPr marL="114300" indent="0">
+              <a:buNone/>
+            </a:pPr>
+            <a:r>
+              <a:rPr lang="en-US" dirty="0"/>
+              <a:t>.</a:t>
+            </a:r>
+          </a:p>
+        </p:txBody>
+      </p:sp>
+      <p:sp>
+        <p:nvSpPr>
+          <p:cNvPr id="4" name="Rectangle: Rounded Corners 3">
+            <a:extLst>
+              <a:ext uri="{FF2B5EF4-FFF2-40B4-BE49-F238E27FC236}">
+                <a16:creationId xmlns:a16="http://schemas.microsoft.com/office/drawing/2014/main" id="{B143D444-7C40-451D-B076-D0E26705394C}"/>
+              </a:ext>
+            </a:extLst>
+          </p:cNvPr>
+          <p:cNvSpPr/>
+          <p:nvPr/>
+        </p:nvSpPr>
+        <p:spPr>
+          <a:xfrm>
+            <a:off x="521494" y="1702479"/>
+            <a:ext cx="3571875" cy="3136107"/>
+          </a:xfrm>
+          <a:prstGeom prst="roundRect">
+            <a:avLst/>
+          </a:prstGeom>
+        </p:spPr>
+        <p:style>
+          <a:lnRef idx="2">
+            <a:schemeClr val="accent1">
+              <a:shade val="50000"/>
+            </a:schemeClr>
+          </a:lnRef>
+          <a:fillRef idx="1">
+            <a:schemeClr val="accent1"/>
+          </a:fillRef>
+          <a:effectRef idx="0">
+            <a:schemeClr val="accent1"/>
+          </a:effectRef>
+          <a:fontRef idx="minor">
+            <a:schemeClr val="lt1"/>
+          </a:fontRef>
+        </p:style>
+        <p:txBody>
+          <a:bodyPr rtlCol="0" anchor="ctr"/>
+          <a:lstStyle/>
+          <a:p>
+            <a:endParaRPr lang="en-US" dirty="0"/>
+          </a:p>
+          <a:p>
+            <a:pPr marL="285750" indent="-285750" algn="ctr">
+              <a:buFont typeface="Arial" panose="020B0604020202020204" pitchFamily="34" charset="0"/>
+              <a:buChar char="•"/>
+            </a:pPr>
+            <a:endParaRPr lang="en-US" dirty="0"/>
+          </a:p>
+        </p:txBody>
+      </p:sp>
+      <p:sp>
+        <p:nvSpPr>
+          <p:cNvPr id="7" name="TextBox 6">
+            <a:extLst>
+              <a:ext uri="{FF2B5EF4-FFF2-40B4-BE49-F238E27FC236}">
+                <a16:creationId xmlns:a16="http://schemas.microsoft.com/office/drawing/2014/main" id="{F974E55C-84D9-4E5C-B551-7F0C53CA683D}"/>
+              </a:ext>
+            </a:extLst>
+          </p:cNvPr>
+          <p:cNvSpPr txBox="1"/>
+          <p:nvPr/>
+        </p:nvSpPr>
+        <p:spPr>
+          <a:xfrm>
+            <a:off x="792957" y="1766774"/>
+            <a:ext cx="2471738" cy="3631763"/>
+          </a:xfrm>
+          <a:prstGeom prst="rect">
+            <a:avLst/>
+          </a:prstGeom>
+          <a:noFill/>
+        </p:spPr>
+        <p:txBody>
+          <a:bodyPr wrap="square" rtlCol="0">
+            <a:spAutoFit/>
+          </a:bodyPr>
+          <a:lstStyle/>
+          <a:p>
+            <a:r>
+              <a:rPr lang="en-US" dirty="0">
+                <a:solidFill>
+                  <a:schemeClr val="bg1"/>
+                </a:solidFill>
+              </a:rPr>
+              <a:t>Users</a:t>
+            </a:r>
+          </a:p>
+          <a:p>
+            <a:endParaRPr lang="en-US" dirty="0">
+              <a:solidFill>
+                <a:schemeClr val="bg1"/>
+              </a:solidFill>
+            </a:endParaRPr>
+          </a:p>
+          <a:p>
+            <a:pPr marL="285750" indent="-285750">
+              <a:buFont typeface="Arial" panose="020B0604020202020204" pitchFamily="34" charset="0"/>
+              <a:buChar char="•"/>
+            </a:pPr>
+            <a:r>
+              <a:rPr lang="en-US" sz="1600" dirty="0">
+                <a:solidFill>
+                  <a:schemeClr val="bg1"/>
+                </a:solidFill>
+              </a:rPr>
+              <a:t>Username</a:t>
+            </a:r>
+          </a:p>
+          <a:p>
+            <a:pPr marL="285750" indent="-285750">
+              <a:buFont typeface="Arial" panose="020B0604020202020204" pitchFamily="34" charset="0"/>
+              <a:buChar char="•"/>
+            </a:pPr>
+            <a:r>
+              <a:rPr lang="en-US" sz="1600" dirty="0">
+                <a:solidFill>
+                  <a:schemeClr val="bg1"/>
+                </a:solidFill>
+              </a:rPr>
+              <a:t>Password (hashed)</a:t>
+            </a:r>
+          </a:p>
+          <a:p>
+            <a:pPr marL="285750" indent="-285750">
+              <a:buFont typeface="Arial" panose="020B0604020202020204" pitchFamily="34" charset="0"/>
+              <a:buChar char="•"/>
+            </a:pPr>
+            <a:r>
+              <a:rPr lang="en-US" sz="1600" dirty="0">
+                <a:solidFill>
+                  <a:schemeClr val="bg1"/>
+                </a:solidFill>
+              </a:rPr>
+              <a:t>Email address</a:t>
+            </a:r>
+          </a:p>
+          <a:p>
+            <a:pPr marL="285750" indent="-285750">
+              <a:buFont typeface="Arial" panose="020B0604020202020204" pitchFamily="34" charset="0"/>
+              <a:buChar char="•"/>
+            </a:pPr>
+            <a:r>
+              <a:rPr lang="en-US" sz="1600" dirty="0">
+                <a:solidFill>
+                  <a:schemeClr val="bg1"/>
+                </a:solidFill>
+              </a:rPr>
+              <a:t>First Name</a:t>
+            </a:r>
+          </a:p>
+          <a:p>
+            <a:pPr marL="285750" indent="-285750">
+              <a:buFont typeface="Arial" panose="020B0604020202020204" pitchFamily="34" charset="0"/>
+              <a:buChar char="•"/>
+            </a:pPr>
+            <a:r>
+              <a:rPr lang="en-US" sz="1600" dirty="0">
+                <a:solidFill>
+                  <a:schemeClr val="bg1"/>
+                </a:solidFill>
+              </a:rPr>
+              <a:t>Last Name</a:t>
+            </a:r>
+          </a:p>
+          <a:p>
+            <a:pPr marL="285750" indent="-285750">
+              <a:buFont typeface="Arial" panose="020B0604020202020204" pitchFamily="34" charset="0"/>
+              <a:buChar char="•"/>
+            </a:pPr>
+            <a:r>
+              <a:rPr lang="en-US" sz="1600" dirty="0">
+                <a:solidFill>
+                  <a:schemeClr val="bg1"/>
+                </a:solidFill>
+              </a:rPr>
+              <a:t>Staff Status</a:t>
+            </a:r>
+          </a:p>
+          <a:p>
+            <a:pPr marL="285750" indent="-285750">
+              <a:buFont typeface="Arial" panose="020B0604020202020204" pitchFamily="34" charset="0"/>
+              <a:buChar char="•"/>
+            </a:pPr>
+            <a:r>
+              <a:rPr lang="en-US" sz="1600" dirty="0">
+                <a:solidFill>
+                  <a:schemeClr val="bg1"/>
+                </a:solidFill>
+              </a:rPr>
+              <a:t>Events joined (Event Names from Events)</a:t>
+            </a:r>
+          </a:p>
+          <a:p>
+            <a:pPr marL="285750" indent="-285750">
+              <a:buFont typeface="Arial" panose="020B0604020202020204" pitchFamily="34" charset="0"/>
+              <a:buChar char="•"/>
+            </a:pPr>
+            <a:r>
+              <a:rPr lang="en-US" sz="1600" dirty="0">
+                <a:solidFill>
+                  <a:schemeClr val="bg1"/>
+                </a:solidFill>
+              </a:rPr>
+              <a:t>Date Joined</a:t>
+            </a:r>
+          </a:p>
+          <a:p>
+            <a:pPr marL="285750" indent="-285750">
+              <a:buFont typeface="Arial" panose="020B0604020202020204" pitchFamily="34" charset="0"/>
+              <a:buChar char="•"/>
+            </a:pPr>
+            <a:r>
+              <a:rPr lang="en-US" sz="1600" dirty="0">
+                <a:solidFill>
+                  <a:schemeClr val="bg1"/>
+                </a:solidFill>
+              </a:rPr>
+              <a:t>Last Logged In</a:t>
+            </a:r>
+          </a:p>
+          <a:p>
+            <a:pPr marL="285750" indent="-285750">
+              <a:buFont typeface="Arial" panose="020B0604020202020204" pitchFamily="34" charset="0"/>
+              <a:buChar char="•"/>
+            </a:pPr>
+            <a:endParaRPr lang="en-US" sz="1200" dirty="0">
+              <a:solidFill>
+                <a:schemeClr val="bg1"/>
+              </a:solidFill>
+            </a:endParaRPr>
+          </a:p>
+          <a:p>
+            <a:pPr marL="285750" indent="-285750">
+              <a:buFont typeface="Arial" panose="020B0604020202020204" pitchFamily="34" charset="0"/>
+              <a:buChar char="•"/>
+            </a:pPr>
+            <a:endParaRPr lang="en-US" dirty="0"/>
+          </a:p>
+        </p:txBody>
+      </p:sp>
+      <p:sp>
+        <p:nvSpPr>
+          <p:cNvPr id="8" name="TextBox 7">
+            <a:extLst>
+              <a:ext uri="{FF2B5EF4-FFF2-40B4-BE49-F238E27FC236}">
+                <a16:creationId xmlns:a16="http://schemas.microsoft.com/office/drawing/2014/main" id="{D2D3C2DE-A06D-4468-A0D8-1633E663E22A}"/>
+              </a:ext>
+            </a:extLst>
+          </p:cNvPr>
+          <p:cNvSpPr txBox="1"/>
+          <p:nvPr/>
+        </p:nvSpPr>
+        <p:spPr>
+          <a:xfrm>
+            <a:off x="4799171" y="1702479"/>
+            <a:ext cx="2560320" cy="1846659"/>
+          </a:xfrm>
+          <a:prstGeom prst="rect">
+            <a:avLst/>
+          </a:prstGeom>
+          <a:noFill/>
+        </p:spPr>
+        <p:txBody>
+          <a:bodyPr wrap="square" rtlCol="0">
+            <a:spAutoFit/>
+          </a:bodyPr>
+          <a:lstStyle/>
+          <a:p>
+            <a:r>
+              <a:rPr lang="en-US" sz="1600" dirty="0">
+                <a:solidFill>
+                  <a:schemeClr val="bg1"/>
+                </a:solidFill>
+              </a:rPr>
+              <a:t>Events/</a:t>
+            </a:r>
+          </a:p>
+          <a:p>
+            <a:pPr marL="285750" indent="-285750">
+              <a:buFont typeface="Arial" panose="020B0604020202020204" pitchFamily="34" charset="0"/>
+              <a:buChar char="•"/>
+            </a:pPr>
+            <a:r>
+              <a:rPr lang="en-US" sz="1600" dirty="0">
+                <a:solidFill>
+                  <a:schemeClr val="bg1"/>
+                </a:solidFill>
+              </a:rPr>
+              <a:t>Event Name</a:t>
+            </a:r>
+          </a:p>
+          <a:p>
+            <a:pPr marL="285750" indent="-285750">
+              <a:buFont typeface="Arial" panose="020B0604020202020204" pitchFamily="34" charset="0"/>
+              <a:buChar char="•"/>
+            </a:pPr>
+            <a:r>
+              <a:rPr lang="en-US" sz="1600" dirty="0">
+                <a:solidFill>
+                  <a:schemeClr val="bg1"/>
+                </a:solidFill>
+              </a:rPr>
+              <a:t>Venue</a:t>
+            </a:r>
+          </a:p>
+          <a:p>
+            <a:pPr marL="285750" indent="-285750">
+              <a:buFont typeface="Arial" panose="020B0604020202020204" pitchFamily="34" charset="0"/>
+              <a:buChar char="•"/>
+            </a:pPr>
+            <a:r>
+              <a:rPr lang="en-US" sz="1600" dirty="0">
+                <a:solidFill>
+                  <a:schemeClr val="bg1"/>
+                </a:solidFill>
+              </a:rPr>
+              <a:t>Date</a:t>
+            </a:r>
+          </a:p>
+          <a:p>
+            <a:pPr marL="285750" indent="-285750">
+              <a:buFont typeface="Arial" panose="020B0604020202020204" pitchFamily="34" charset="0"/>
+              <a:buChar char="•"/>
+            </a:pPr>
+            <a:r>
+              <a:rPr lang="en-US" sz="1600" dirty="0">
+                <a:solidFill>
+                  <a:schemeClr val="bg1"/>
+                </a:solidFill>
+              </a:rPr>
+              <a:t>Organizer (Single User)</a:t>
+            </a:r>
+          </a:p>
+          <a:p>
+            <a:pPr marL="285750" indent="-285750">
+              <a:buFont typeface="Arial" panose="020B0604020202020204" pitchFamily="34" charset="0"/>
+              <a:buChar char="•"/>
+            </a:pPr>
+            <a:r>
+              <a:rPr lang="en-US" sz="1600" dirty="0">
+                <a:solidFill>
+                  <a:schemeClr val="bg1"/>
+                </a:solidFill>
+              </a:rPr>
+              <a:t>Players (Multiple Users)</a:t>
+            </a:r>
+          </a:p>
+          <a:p>
+            <a:endParaRPr lang="en-US" dirty="0"/>
+          </a:p>
+        </p:txBody>
+      </p:sp>
+      <p:cxnSp>
+        <p:nvCxnSpPr>
+          <p:cNvPr id="17" name="Connector: Elbow 16">
+            <a:extLst>
+              <a:ext uri="{FF2B5EF4-FFF2-40B4-BE49-F238E27FC236}">
+                <a16:creationId xmlns:a16="http://schemas.microsoft.com/office/drawing/2014/main" id="{E3DF560C-F1F3-4854-A699-9C7980F7533E}"/>
+              </a:ext>
+            </a:extLst>
+          </p:cNvPr>
+          <p:cNvCxnSpPr/>
+          <p:nvPr/>
+        </p:nvCxnSpPr>
+        <p:spPr>
+          <a:xfrm>
+            <a:off x="4099085" y="2612996"/>
+            <a:ext cx="478630" cy="407194"/>
+          </a:xfrm>
+          <a:prstGeom prst="bentConnector3">
+            <a:avLst/>
+          </a:prstGeom>
+          <a:ln>
+            <a:tailEnd type="triangle"/>
+          </a:ln>
+        </p:spPr>
+        <p:style>
+          <a:lnRef idx="1">
+            <a:schemeClr val="accent1"/>
+          </a:lnRef>
+          <a:fillRef idx="0">
+            <a:schemeClr val="accent1"/>
+          </a:fillRef>
+          <a:effectRef idx="0">
+            <a:schemeClr val="accent1"/>
+          </a:effectRef>
+          <a:fontRef idx="minor">
+            <a:schemeClr val="tx1"/>
+          </a:fontRef>
+        </p:style>
+      </p:cxnSp>
+      <p:cxnSp>
+        <p:nvCxnSpPr>
+          <p:cNvPr id="19" name="Connector: Elbow 18">
+            <a:extLst>
+              <a:ext uri="{FF2B5EF4-FFF2-40B4-BE49-F238E27FC236}">
+                <a16:creationId xmlns:a16="http://schemas.microsoft.com/office/drawing/2014/main" id="{223CAEEE-C04D-4AC2-B947-331750A99AFB}"/>
+              </a:ext>
+            </a:extLst>
+          </p:cNvPr>
+          <p:cNvCxnSpPr>
+            <a:cxnSpLocks/>
+          </p:cNvCxnSpPr>
+          <p:nvPr/>
+        </p:nvCxnSpPr>
+        <p:spPr>
+          <a:xfrm rot="10800000">
+            <a:off x="4093369" y="3387752"/>
+            <a:ext cx="478630" cy="377005"/>
+          </a:xfrm>
+          <a:prstGeom prst="bentConnector3">
+            <a:avLst/>
+          </a:prstGeom>
+          <a:ln>
+            <a:tailEnd type="triangle"/>
+          </a:ln>
+        </p:spPr>
+        <p:style>
+          <a:lnRef idx="1">
+            <a:schemeClr val="accent1"/>
+          </a:lnRef>
+          <a:fillRef idx="0">
+            <a:schemeClr val="accent1"/>
+          </a:fillRef>
+          <a:effectRef idx="0">
+            <a:schemeClr val="accent1"/>
+          </a:effectRef>
+          <a:fontRef idx="minor">
+            <a:schemeClr val="tx1"/>
+          </a:fontRef>
+        </p:style>
+      </p:cxnSp>
+    </p:spTree>
+    <p:extLst>
+      <p:ext uri="{BB962C8B-B14F-4D97-AF65-F5344CB8AC3E}">
+        <p14:creationId xmlns:p14="http://schemas.microsoft.com/office/powerpoint/2010/main" val="3000592914"/>
+      </p:ext>
+    </p:extLst>
+  </p:cSld>
+  <p:clrMapOvr>
+    <a:masterClrMapping/>
+  </p:clrMapOvr>
+</p:sld>
+</file>
+
+<file path=ppt/slides/slide9.xml><?xml version="1.0" encoding="utf-8"?>
 <p:sld xmlns:a="http://schemas.openxmlformats.org/drawingml/2006/main" xmlns:r="http://schemas.openxmlformats.org/officeDocument/2006/relationships" xmlns:p="http://schemas.openxmlformats.org/presentationml/2006/main">
   <p:cSld>
     <p:bg>
@@ -43387,1186 +45739,6 @@
 </p:sld>
 </file>
 
-<file path=ppt/slides/slide9.xml><?xml version="1.0" encoding="utf-8"?>
-<p:sld xmlns:a="http://schemas.openxmlformats.org/drawingml/2006/main" xmlns:r="http://schemas.openxmlformats.org/officeDocument/2006/relationships" xmlns:p="http://schemas.openxmlformats.org/presentationml/2006/main" show="0">
-  <p:cSld>
-    <p:bg>
-      <p:bgPr>
-        <a:gradFill rotWithShape="1">
-          <a:gsLst>
-            <a:gs pos="0">
-              <a:schemeClr val="bg2">
-                <a:tint val="90000"/>
-                <a:lumMod val="110000"/>
-              </a:schemeClr>
-            </a:gs>
-            <a:gs pos="100000">
-              <a:schemeClr val="bg2">
-                <a:shade val="64000"/>
-                <a:lumMod val="98000"/>
-              </a:schemeClr>
-            </a:gs>
-          </a:gsLst>
-          <a:lin ang="5400000" scaled="0"/>
-        </a:gradFill>
-        <a:effectLst/>
-      </p:bgPr>
-    </p:bg>
-    <p:spTree>
-      <p:nvGrpSpPr>
-        <p:cNvPr id="1" name="Shape 86"/>
-        <p:cNvGrpSpPr/>
-        <p:nvPr/>
-      </p:nvGrpSpPr>
-      <p:grpSpPr>
-        <a:xfrm>
-          <a:off x="0" y="0"/>
-          <a:ext cx="0" cy="0"/>
-          <a:chOff x="0" y="0"/>
-          <a:chExt cx="0" cy="0"/>
-        </a:xfrm>
-      </p:grpSpPr>
-      <p:grpSp>
-        <p:nvGrpSpPr>
-          <p:cNvPr id="127" name="Group 126">
-            <a:extLst>
-              <a:ext uri="{FF2B5EF4-FFF2-40B4-BE49-F238E27FC236}">
-                <a16:creationId xmlns:a16="http://schemas.microsoft.com/office/drawing/2014/main" id="{E394F7BC-8F83-4AD8-97A7-2D5458C0AB18}"/>
-              </a:ext>
-              <a:ext uri="{C183D7F6-B498-43B3-948B-1728B52AA6E4}">
-                <adec:decorative xmlns:adec="http://schemas.microsoft.com/office/drawing/2017/decorative" val="1"/>
-              </a:ext>
-            </a:extLst>
-          </p:cNvPr>
-          <p:cNvGrpSpPr>
-            <a:grpSpLocks noGrp="1" noUngrp="1" noRot="1" noChangeAspect="1" noMove="1" noResize="1"/>
-          </p:cNvGrpSpPr>
-          <p:nvPr>
-            <p:extLst>
-              <p:ext uri="{386F3935-93C4-4BCD-93E2-E3B085C9AB24}">
-                <p16:designElem xmlns:p16="http://schemas.microsoft.com/office/powerpoint/2015/main" val="1"/>
-              </p:ext>
-            </p:extLst>
-          </p:nvPr>
-        </p:nvGrpSpPr>
-        <p:grpSpPr>
-          <a:xfrm>
-            <a:off x="113109" y="0"/>
-            <a:ext cx="1827609" cy="5143500"/>
-            <a:chOff x="1320800" y="0"/>
-            <a:chExt cx="2436813" cy="6858001"/>
-          </a:xfrm>
-        </p:grpSpPr>
-        <p:sp>
-          <p:nvSpPr>
-            <p:cNvPr id="128" name="Freeform 6">
-              <a:extLst>
-                <a:ext uri="{FF2B5EF4-FFF2-40B4-BE49-F238E27FC236}">
-                  <a16:creationId xmlns:a16="http://schemas.microsoft.com/office/drawing/2014/main" id="{EE91E46E-74FE-4C7E-88B2-B3C5C1E2CB51}"/>
-                </a:ext>
-                <a:ext uri="{C183D7F6-B498-43B3-948B-1728B52AA6E4}">
-                  <adec:decorative xmlns:adec="http://schemas.microsoft.com/office/drawing/2017/decorative" val="1"/>
-                </a:ext>
-              </a:extLst>
-            </p:cNvPr>
-            <p:cNvSpPr/>
-            <p:nvPr>
-              <p:extLst>
-                <p:ext uri="{386F3935-93C4-4BCD-93E2-E3B085C9AB24}">
-                  <p16:designElem xmlns:p16="http://schemas.microsoft.com/office/powerpoint/2015/main" val="1"/>
-                </p:ext>
-              </p:extLst>
-            </p:nvPr>
-          </p:nvSpPr>
-          <p:spPr bwMode="auto">
-            <a:xfrm>
-              <a:off x="1627188" y="0"/>
-              <a:ext cx="1122363" cy="5329238"/>
-            </a:xfrm>
-            <a:custGeom>
-              <a:avLst/>
-              <a:gdLst/>
-              <a:ahLst/>
-              <a:cxnLst/>
-              <a:rect l="0" t="0" r="r" b="b"/>
-              <a:pathLst>
-                <a:path w="707" h="3357">
-                  <a:moveTo>
-                    <a:pt x="0" y="3330"/>
-                  </a:moveTo>
-                  <a:lnTo>
-                    <a:pt x="156" y="3357"/>
-                  </a:lnTo>
-                  <a:lnTo>
-                    <a:pt x="707" y="0"/>
-                  </a:lnTo>
-                  <a:lnTo>
-                    <a:pt x="547" y="0"/>
-                  </a:lnTo>
-                  <a:lnTo>
-                    <a:pt x="0" y="3330"/>
-                  </a:lnTo>
-                  <a:close/>
-                </a:path>
-              </a:pathLst>
-            </a:custGeom>
-            <a:solidFill>
-              <a:schemeClr val="accent1"/>
-            </a:solidFill>
-            <a:ln>
-              <a:noFill/>
-            </a:ln>
-          </p:spPr>
-        </p:sp>
-        <p:sp>
-          <p:nvSpPr>
-            <p:cNvPr id="129" name="Freeform 7">
-              <a:extLst>
-                <a:ext uri="{FF2B5EF4-FFF2-40B4-BE49-F238E27FC236}">
-                  <a16:creationId xmlns:a16="http://schemas.microsoft.com/office/drawing/2014/main" id="{C299FCBD-7B21-4260-8E33-F04F4FDE8407}"/>
-                </a:ext>
-                <a:ext uri="{C183D7F6-B498-43B3-948B-1728B52AA6E4}">
-                  <adec:decorative xmlns:adec="http://schemas.microsoft.com/office/drawing/2017/decorative" val="1"/>
-                </a:ext>
-              </a:extLst>
-            </p:cNvPr>
-            <p:cNvSpPr/>
-            <p:nvPr>
-              <p:extLst>
-                <p:ext uri="{386F3935-93C4-4BCD-93E2-E3B085C9AB24}">
-                  <p16:designElem xmlns:p16="http://schemas.microsoft.com/office/powerpoint/2015/main" val="1"/>
-                </p:ext>
-              </p:extLst>
-            </p:nvPr>
-          </p:nvSpPr>
-          <p:spPr bwMode="auto">
-            <a:xfrm>
-              <a:off x="1320800" y="0"/>
-              <a:ext cx="1117600" cy="5276850"/>
-            </a:xfrm>
-            <a:custGeom>
-              <a:avLst/>
-              <a:gdLst/>
-              <a:ahLst/>
-              <a:cxnLst/>
-              <a:rect l="0" t="0" r="r" b="b"/>
-              <a:pathLst>
-                <a:path w="704" h="3324">
-                  <a:moveTo>
-                    <a:pt x="704" y="0"/>
-                  </a:moveTo>
-                  <a:lnTo>
-                    <a:pt x="545" y="0"/>
-                  </a:lnTo>
-                  <a:lnTo>
-                    <a:pt x="0" y="3300"/>
-                  </a:lnTo>
-                  <a:lnTo>
-                    <a:pt x="157" y="3324"/>
-                  </a:lnTo>
-                  <a:lnTo>
-                    <a:pt x="704" y="0"/>
-                  </a:lnTo>
-                  <a:close/>
-                </a:path>
-              </a:pathLst>
-            </a:custGeom>
-            <a:solidFill>
-              <a:schemeClr val="tx1">
-                <a:lumMod val="65000"/>
-                <a:lumOff val="35000"/>
-              </a:schemeClr>
-            </a:solidFill>
-            <a:ln>
-              <a:noFill/>
-            </a:ln>
-          </p:spPr>
-        </p:sp>
-        <p:sp>
-          <p:nvSpPr>
-            <p:cNvPr id="130" name="Freeform 8">
-              <a:extLst>
-                <a:ext uri="{FF2B5EF4-FFF2-40B4-BE49-F238E27FC236}">
-                  <a16:creationId xmlns:a16="http://schemas.microsoft.com/office/drawing/2014/main" id="{5E767DA7-E99B-4918-936A-8847AFB6816D}"/>
-                </a:ext>
-                <a:ext uri="{C183D7F6-B498-43B3-948B-1728B52AA6E4}">
-                  <adec:decorative xmlns:adec="http://schemas.microsoft.com/office/drawing/2017/decorative" val="1"/>
-                </a:ext>
-              </a:extLst>
-            </p:cNvPr>
-            <p:cNvSpPr/>
-            <p:nvPr>
-              <p:extLst>
-                <p:ext uri="{386F3935-93C4-4BCD-93E2-E3B085C9AB24}">
-                  <p16:designElem xmlns:p16="http://schemas.microsoft.com/office/powerpoint/2015/main" val="1"/>
-                </p:ext>
-              </p:extLst>
-            </p:nvPr>
-          </p:nvSpPr>
-          <p:spPr bwMode="auto">
-            <a:xfrm>
-              <a:off x="1320800" y="5238750"/>
-              <a:ext cx="1228725" cy="1619250"/>
-            </a:xfrm>
-            <a:custGeom>
-              <a:avLst/>
-              <a:gdLst/>
-              <a:ahLst/>
-              <a:cxnLst/>
-              <a:rect l="0" t="0" r="r" b="b"/>
-              <a:pathLst>
-                <a:path w="774" h="1020">
-                  <a:moveTo>
-                    <a:pt x="0" y="0"/>
-                  </a:moveTo>
-                  <a:lnTo>
-                    <a:pt x="740" y="1020"/>
-                  </a:lnTo>
-                  <a:lnTo>
-                    <a:pt x="774" y="1020"/>
-                  </a:lnTo>
-                  <a:lnTo>
-                    <a:pt x="0" y="0"/>
-                  </a:lnTo>
-                  <a:close/>
-                </a:path>
-              </a:pathLst>
-            </a:custGeom>
-            <a:solidFill>
-              <a:schemeClr val="tx1">
-                <a:lumMod val="85000"/>
-                <a:lumOff val="15000"/>
-              </a:schemeClr>
-            </a:solidFill>
-            <a:ln>
-              <a:noFill/>
-            </a:ln>
-          </p:spPr>
-        </p:sp>
-        <p:sp>
-          <p:nvSpPr>
-            <p:cNvPr id="131" name="Freeform 9">
-              <a:extLst>
-                <a:ext uri="{FF2B5EF4-FFF2-40B4-BE49-F238E27FC236}">
-                  <a16:creationId xmlns:a16="http://schemas.microsoft.com/office/drawing/2014/main" id="{47DC01D9-AD2C-465C-893F-3E09340123F0}"/>
-                </a:ext>
-                <a:ext uri="{C183D7F6-B498-43B3-948B-1728B52AA6E4}">
-                  <adec:decorative xmlns:adec="http://schemas.microsoft.com/office/drawing/2017/decorative" val="1"/>
-                </a:ext>
-              </a:extLst>
-            </p:cNvPr>
-            <p:cNvSpPr/>
-            <p:nvPr>
-              <p:extLst>
-                <p:ext uri="{386F3935-93C4-4BCD-93E2-E3B085C9AB24}">
-                  <p16:designElem xmlns:p16="http://schemas.microsoft.com/office/powerpoint/2015/main" val="1"/>
-                </p:ext>
-              </p:extLst>
-            </p:nvPr>
-          </p:nvSpPr>
-          <p:spPr bwMode="auto">
-            <a:xfrm>
-              <a:off x="1627188" y="5291138"/>
-              <a:ext cx="1495425" cy="1566863"/>
-            </a:xfrm>
-            <a:custGeom>
-              <a:avLst/>
-              <a:gdLst/>
-              <a:ahLst/>
-              <a:cxnLst/>
-              <a:rect l="0" t="0" r="r" b="b"/>
-              <a:pathLst>
-                <a:path w="942" h="987">
-                  <a:moveTo>
-                    <a:pt x="0" y="0"/>
-                  </a:moveTo>
-                  <a:lnTo>
-                    <a:pt x="909" y="987"/>
-                  </a:lnTo>
-                  <a:lnTo>
-                    <a:pt x="942" y="987"/>
-                  </a:lnTo>
-                  <a:lnTo>
-                    <a:pt x="0" y="0"/>
-                  </a:lnTo>
-                  <a:close/>
-                </a:path>
-              </a:pathLst>
-            </a:custGeom>
-            <a:solidFill>
-              <a:schemeClr val="accent1">
-                <a:lumMod val="50000"/>
-              </a:schemeClr>
-            </a:solidFill>
-            <a:ln>
-              <a:noFill/>
-            </a:ln>
-          </p:spPr>
-        </p:sp>
-        <p:sp>
-          <p:nvSpPr>
-            <p:cNvPr id="132" name="Freeform 10">
-              <a:extLst>
-                <a:ext uri="{FF2B5EF4-FFF2-40B4-BE49-F238E27FC236}">
-                  <a16:creationId xmlns:a16="http://schemas.microsoft.com/office/drawing/2014/main" id="{5BF8548F-D405-437B-AB90-518A2A07D631}"/>
-                </a:ext>
-                <a:ext uri="{C183D7F6-B498-43B3-948B-1728B52AA6E4}">
-                  <adec:decorative xmlns:adec="http://schemas.microsoft.com/office/drawing/2017/decorative" val="1"/>
-                </a:ext>
-              </a:extLst>
-            </p:cNvPr>
-            <p:cNvSpPr/>
-            <p:nvPr>
-              <p:extLst>
-                <p:ext uri="{386F3935-93C4-4BCD-93E2-E3B085C9AB24}">
-                  <p16:designElem xmlns:p16="http://schemas.microsoft.com/office/powerpoint/2015/main" val="1"/>
-                </p:ext>
-              </p:extLst>
-            </p:nvPr>
-          </p:nvSpPr>
-          <p:spPr bwMode="auto">
-            <a:xfrm>
-              <a:off x="1627188" y="5286375"/>
-              <a:ext cx="2130425" cy="1571625"/>
-            </a:xfrm>
-            <a:custGeom>
-              <a:avLst/>
-              <a:gdLst/>
-              <a:ahLst/>
-              <a:cxnLst/>
-              <a:rect l="0" t="0" r="r" b="b"/>
-              <a:pathLst>
-                <a:path w="1342" h="990">
-                  <a:moveTo>
-                    <a:pt x="0" y="3"/>
-                  </a:moveTo>
-                  <a:lnTo>
-                    <a:pt x="942" y="990"/>
-                  </a:lnTo>
-                  <a:lnTo>
-                    <a:pt x="1342" y="990"/>
-                  </a:lnTo>
-                  <a:lnTo>
-                    <a:pt x="156" y="27"/>
-                  </a:lnTo>
-                  <a:lnTo>
-                    <a:pt x="0" y="0"/>
-                  </a:lnTo>
-                  <a:lnTo>
-                    <a:pt x="0" y="3"/>
-                  </a:lnTo>
-                  <a:close/>
-                </a:path>
-              </a:pathLst>
-            </a:custGeom>
-            <a:solidFill>
-              <a:schemeClr val="accent1">
-                <a:lumMod val="75000"/>
-              </a:schemeClr>
-            </a:solidFill>
-            <a:ln>
-              <a:noFill/>
-            </a:ln>
-          </p:spPr>
-        </p:sp>
-        <p:sp>
-          <p:nvSpPr>
-            <p:cNvPr id="133" name="Freeform 11">
-              <a:extLst>
-                <a:ext uri="{FF2B5EF4-FFF2-40B4-BE49-F238E27FC236}">
-                  <a16:creationId xmlns:a16="http://schemas.microsoft.com/office/drawing/2014/main" id="{B5E0AE4A-62E2-4CA1-8F00-F1F28E506AA2}"/>
-                </a:ext>
-                <a:ext uri="{C183D7F6-B498-43B3-948B-1728B52AA6E4}">
-                  <adec:decorative xmlns:adec="http://schemas.microsoft.com/office/drawing/2017/decorative" val="1"/>
-                </a:ext>
-              </a:extLst>
-            </p:cNvPr>
-            <p:cNvSpPr/>
-            <p:nvPr>
-              <p:extLst>
-                <p:ext uri="{386F3935-93C4-4BCD-93E2-E3B085C9AB24}">
-                  <p16:designElem xmlns:p16="http://schemas.microsoft.com/office/powerpoint/2015/main" val="1"/>
-                </p:ext>
-              </p:extLst>
-            </p:nvPr>
-          </p:nvSpPr>
-          <p:spPr bwMode="auto">
-            <a:xfrm>
-              <a:off x="1320800" y="5238750"/>
-              <a:ext cx="1695450" cy="1619250"/>
-            </a:xfrm>
-            <a:custGeom>
-              <a:avLst/>
-              <a:gdLst/>
-              <a:ahLst/>
-              <a:cxnLst/>
-              <a:rect l="0" t="0" r="r" b="b"/>
-              <a:pathLst>
-                <a:path w="1068" h="1020">
-                  <a:moveTo>
-                    <a:pt x="1068" y="1020"/>
-                  </a:moveTo>
-                  <a:lnTo>
-                    <a:pt x="184" y="60"/>
-                  </a:lnTo>
-                  <a:lnTo>
-                    <a:pt x="154" y="27"/>
-                  </a:lnTo>
-                  <a:lnTo>
-                    <a:pt x="157" y="27"/>
-                  </a:lnTo>
-                  <a:lnTo>
-                    <a:pt x="157" y="24"/>
-                  </a:lnTo>
-                  <a:lnTo>
-                    <a:pt x="154" y="24"/>
-                  </a:lnTo>
-                  <a:lnTo>
-                    <a:pt x="0" y="0"/>
-                  </a:lnTo>
-                  <a:lnTo>
-                    <a:pt x="0" y="0"/>
-                  </a:lnTo>
-                  <a:lnTo>
-                    <a:pt x="774" y="1020"/>
-                  </a:lnTo>
-                  <a:lnTo>
-                    <a:pt x="1068" y="1020"/>
-                  </a:lnTo>
-                  <a:close/>
-                </a:path>
-              </a:pathLst>
-            </a:custGeom>
-            <a:solidFill>
-              <a:schemeClr val="tx1">
-                <a:lumMod val="75000"/>
-                <a:lumOff val="25000"/>
-              </a:schemeClr>
-            </a:solidFill>
-            <a:ln>
-              <a:noFill/>
-            </a:ln>
-          </p:spPr>
-        </p:sp>
-      </p:grpSp>
-      <p:sp useBgFill="1">
-        <p:nvSpPr>
-          <p:cNvPr id="135" name="Rectangle 134">
-            <a:extLst>
-              <a:ext uri="{FF2B5EF4-FFF2-40B4-BE49-F238E27FC236}">
-                <a16:creationId xmlns:a16="http://schemas.microsoft.com/office/drawing/2014/main" id="{5B2F4B0B-6CDE-4467-A567-7930C6692530}"/>
-              </a:ext>
-              <a:ext uri="{C183D7F6-B498-43B3-948B-1728B52AA6E4}">
-                <adec:decorative xmlns:adec="http://schemas.microsoft.com/office/drawing/2017/decorative" val="1"/>
-              </a:ext>
-            </a:extLst>
-          </p:cNvPr>
-          <p:cNvSpPr>
-            <a:spLocks noGrp="1" noRot="1" noChangeAspect="1" noMove="1" noResize="1" noEditPoints="1" noAdjustHandles="1" noChangeArrowheads="1" noChangeShapeType="1" noTextEdit="1"/>
-          </p:cNvSpPr>
-          <p:nvPr>
-            <p:extLst>
-              <p:ext uri="{386F3935-93C4-4BCD-93E2-E3B085C9AB24}">
-                <p16:designElem xmlns:p16="http://schemas.microsoft.com/office/powerpoint/2015/main" val="1"/>
-              </p:ext>
-            </p:extLst>
-          </p:nvPr>
-        </p:nvSpPr>
-        <p:spPr>
-          <a:xfrm>
-            <a:off x="0" y="0"/>
-            <a:ext cx="9144000" cy="5143500"/>
-          </a:xfrm>
-          <a:prstGeom prst="rect">
-            <a:avLst/>
-          </a:prstGeom>
-          <a:ln>
-            <a:noFill/>
-          </a:ln>
-        </p:spPr>
-        <p:style>
-          <a:lnRef idx="2">
-            <a:schemeClr val="accent1">
-              <a:shade val="50000"/>
-            </a:schemeClr>
-          </a:lnRef>
-          <a:fillRef idx="1">
-            <a:schemeClr val="accent1"/>
-          </a:fillRef>
-          <a:effectRef idx="0">
-            <a:schemeClr val="accent1"/>
-          </a:effectRef>
-          <a:fontRef idx="minor">
-            <a:schemeClr val="lt1"/>
-          </a:fontRef>
-        </p:style>
-        <p:txBody>
-          <a:bodyPr rtlCol="0" anchor="ctr"/>
-          <a:lstStyle/>
-          <a:p>
-            <a:pPr algn="ctr"/>
-            <a:endParaRPr lang="en-US"/>
-          </a:p>
-        </p:txBody>
-      </p:sp>
-      <p:sp>
-        <p:nvSpPr>
-          <p:cNvPr id="137" name="Freeform: Shape 136">
-            <a:extLst>
-              <a:ext uri="{FF2B5EF4-FFF2-40B4-BE49-F238E27FC236}">
-                <a16:creationId xmlns:a16="http://schemas.microsoft.com/office/drawing/2014/main" id="{4FBD904E-E2AA-40C0-9B75-6705C2936009}"/>
-              </a:ext>
-              <a:ext uri="{C183D7F6-B498-43B3-948B-1728B52AA6E4}">
-                <adec:decorative xmlns:adec="http://schemas.microsoft.com/office/drawing/2017/decorative" val="1"/>
-              </a:ext>
-            </a:extLst>
-          </p:cNvPr>
-          <p:cNvSpPr>
-            <a:spLocks noGrp="1" noRot="1" noChangeAspect="1" noMove="1" noResize="1" noEditPoints="1" noAdjustHandles="1" noChangeArrowheads="1" noChangeShapeType="1" noTextEdit="1"/>
-          </p:cNvSpPr>
-          <p:nvPr>
-            <p:extLst>
-              <p:ext uri="{386F3935-93C4-4BCD-93E2-E3B085C9AB24}">
-                <p16:designElem xmlns:p16="http://schemas.microsoft.com/office/powerpoint/2015/main" val="1"/>
-              </p:ext>
-            </p:extLst>
-          </p:nvPr>
-        </p:nvSpPr>
-        <p:spPr>
-          <a:xfrm flipV="1">
-            <a:off x="0" y="0"/>
-            <a:ext cx="3302781" cy="5143500"/>
-          </a:xfrm>
-          <a:custGeom>
-            <a:avLst/>
-            <a:gdLst>
-              <a:gd name="connsiteX0" fmla="*/ 3223890 w 4403709"/>
-              <a:gd name="connsiteY0" fmla="*/ 6858001 h 6858001"/>
-              <a:gd name="connsiteX1" fmla="*/ 4101908 w 4403709"/>
-              <a:gd name="connsiteY1" fmla="*/ 6858001 h 6858001"/>
-              <a:gd name="connsiteX2" fmla="*/ 3254950 w 4403709"/>
-              <a:gd name="connsiteY2" fmla="*/ 1599356 h 6858001"/>
-              <a:gd name="connsiteX3" fmla="*/ 3254950 w 4403709"/>
-              <a:gd name="connsiteY3" fmla="*/ 1594062 h 6858001"/>
-              <a:gd name="connsiteX4" fmla="*/ 4403709 w 4403709"/>
-              <a:gd name="connsiteY4" fmla="*/ 0 h 6858001"/>
-              <a:gd name="connsiteX5" fmla="*/ 3254950 w 4403709"/>
-              <a:gd name="connsiteY5" fmla="*/ 0 h 6858001"/>
-              <a:gd name="connsiteX6" fmla="*/ 2903520 w 4403709"/>
-              <a:gd name="connsiteY6" fmla="*/ 0 h 6858001"/>
-              <a:gd name="connsiteX7" fmla="*/ 0 w 4403709"/>
-              <a:gd name="connsiteY7" fmla="*/ 0 h 6858001"/>
-              <a:gd name="connsiteX8" fmla="*/ 0 w 4403709"/>
-              <a:gd name="connsiteY8" fmla="*/ 6858000 h 6858001"/>
-              <a:gd name="connsiteX9" fmla="*/ 3223890 w 4403709"/>
-              <a:gd name="connsiteY9" fmla="*/ 6858000 h 6858001"/>
-            </a:gdLst>
-            <a:ahLst/>
-            <a:cxnLst>
-              <a:cxn ang="0">
-                <a:pos x="connsiteX0" y="connsiteY0"/>
-              </a:cxn>
-              <a:cxn ang="0">
-                <a:pos x="connsiteX1" y="connsiteY1"/>
-              </a:cxn>
-              <a:cxn ang="0">
-                <a:pos x="connsiteX2" y="connsiteY2"/>
-              </a:cxn>
-              <a:cxn ang="0">
-                <a:pos x="connsiteX3" y="connsiteY3"/>
-              </a:cxn>
-              <a:cxn ang="0">
-                <a:pos x="connsiteX4" y="connsiteY4"/>
-              </a:cxn>
-              <a:cxn ang="0">
-                <a:pos x="connsiteX5" y="connsiteY5"/>
-              </a:cxn>
-              <a:cxn ang="0">
-                <a:pos x="connsiteX6" y="connsiteY6"/>
-              </a:cxn>
-              <a:cxn ang="0">
-                <a:pos x="connsiteX7" y="connsiteY7"/>
-              </a:cxn>
-              <a:cxn ang="0">
-                <a:pos x="connsiteX8" y="connsiteY8"/>
-              </a:cxn>
-              <a:cxn ang="0">
-                <a:pos x="connsiteX9" y="connsiteY9"/>
-              </a:cxn>
-            </a:cxnLst>
-            <a:rect l="l" t="t" r="r" b="b"/>
-            <a:pathLst>
-              <a:path w="4403709" h="6858001">
-                <a:moveTo>
-                  <a:pt x="3223890" y="6858001"/>
-                </a:moveTo>
-                <a:lnTo>
-                  <a:pt x="4101908" y="6858001"/>
-                </a:lnTo>
-                <a:lnTo>
-                  <a:pt x="3254950" y="1599356"/>
-                </a:lnTo>
-                <a:lnTo>
-                  <a:pt x="3254950" y="1594062"/>
-                </a:lnTo>
-                <a:lnTo>
-                  <a:pt x="4403709" y="0"/>
-                </a:lnTo>
-                <a:lnTo>
-                  <a:pt x="3254950" y="0"/>
-                </a:lnTo>
-                <a:lnTo>
-                  <a:pt x="2903520" y="0"/>
-                </a:lnTo>
-                <a:lnTo>
-                  <a:pt x="0" y="0"/>
-                </a:lnTo>
-                <a:lnTo>
-                  <a:pt x="0" y="6858000"/>
-                </a:lnTo>
-                <a:lnTo>
-                  <a:pt x="3223890" y="6858000"/>
-                </a:lnTo>
-                <a:close/>
-              </a:path>
-            </a:pathLst>
-          </a:custGeom>
-          <a:ln>
-            <a:noFill/>
-          </a:ln>
-        </p:spPr>
-        <p:style>
-          <a:lnRef idx="2">
-            <a:schemeClr val="accent1">
-              <a:shade val="50000"/>
-            </a:schemeClr>
-          </a:lnRef>
-          <a:fillRef idx="1002">
-            <a:schemeClr val="dk1"/>
-          </a:fillRef>
-          <a:effectRef idx="0">
-            <a:schemeClr val="accent1"/>
-          </a:effectRef>
-          <a:fontRef idx="minor">
-            <a:schemeClr val="lt1"/>
-          </a:fontRef>
-        </p:style>
-        <p:txBody>
-          <a:bodyPr rtlCol="0" anchor="ctr"/>
-          <a:lstStyle/>
-          <a:p>
-            <a:pPr algn="ctr"/>
-            <a:endParaRPr lang="en-US">
-              <a:solidFill>
-                <a:schemeClr val="tx1"/>
-              </a:solidFill>
-            </a:endParaRPr>
-          </a:p>
-        </p:txBody>
-      </p:sp>
-      <p:sp>
-        <p:nvSpPr>
-          <p:cNvPr id="87" name="Google Shape;87;p18"/>
-          <p:cNvSpPr txBox="1">
-            <a:spLocks noGrp="1"/>
-          </p:cNvSpPr>
-          <p:nvPr>
-            <p:ph type="title"/>
-          </p:nvPr>
-        </p:nvSpPr>
-        <p:spPr>
-          <a:xfrm>
-            <a:off x="401265" y="514350"/>
-            <a:ext cx="1979972" cy="3829050"/>
-          </a:xfrm>
-          <a:prstGeom prst="rect">
-            <a:avLst/>
-          </a:prstGeom>
-        </p:spPr>
-        <p:txBody>
-          <a:bodyPr spcFirstLastPara="1" vert="horz" lIns="91440" tIns="45720" rIns="91440" bIns="45720" rtlCol="0" anchor="ctr" anchorCtr="0">
-            <a:normAutofit/>
-          </a:bodyPr>
-          <a:lstStyle/>
-          <a:p>
-            <a:pPr marL="0" lvl="0" indent="0" defTabSz="457200">
-              <a:spcBef>
-                <a:spcPct val="0"/>
-              </a:spcBef>
-              <a:spcAft>
-                <a:spcPts val="0"/>
-              </a:spcAft>
-            </a:pPr>
-            <a:r>
-              <a:rPr lang="en-US" sz="4000">
-                <a:solidFill>
-                  <a:srgbClr val="FFFFFF"/>
-                </a:solidFill>
-              </a:rPr>
-              <a:t>To do</a:t>
-            </a:r>
-          </a:p>
-        </p:txBody>
-      </p:sp>
-      <p:grpSp>
-        <p:nvGrpSpPr>
-          <p:cNvPr id="139" name="Group 138">
-            <a:extLst>
-              <a:ext uri="{FF2B5EF4-FFF2-40B4-BE49-F238E27FC236}">
-                <a16:creationId xmlns:a16="http://schemas.microsoft.com/office/drawing/2014/main" id="{C2CA0337-9B09-4746-93D0-7E92F422020B}"/>
-              </a:ext>
-              <a:ext uri="{C183D7F6-B498-43B3-948B-1728B52AA6E4}">
-                <adec:decorative xmlns:adec="http://schemas.microsoft.com/office/drawing/2017/decorative" val="1"/>
-              </a:ext>
-            </a:extLst>
-          </p:cNvPr>
-          <p:cNvGrpSpPr>
-            <a:grpSpLocks noGrp="1" noUngrp="1" noRot="1" noChangeAspect="1" noMove="1" noResize="1"/>
-          </p:cNvGrpSpPr>
-          <p:nvPr>
-            <p:extLst>
-              <p:ext uri="{386F3935-93C4-4BCD-93E2-E3B085C9AB24}">
-                <p16:designElem xmlns:p16="http://schemas.microsoft.com/office/powerpoint/2015/main" val="1"/>
-              </p:ext>
-            </p:extLst>
-          </p:nvPr>
-        </p:nvGrpSpPr>
-        <p:grpSpPr>
-          <a:xfrm>
-            <a:off x="2486469" y="0"/>
-            <a:ext cx="1827609" cy="5143500"/>
-            <a:chOff x="1320800" y="0"/>
-            <a:chExt cx="2436813" cy="6858001"/>
-          </a:xfrm>
-        </p:grpSpPr>
-        <p:sp>
-          <p:nvSpPr>
-            <p:cNvPr id="140" name="Freeform 6">
-              <a:extLst>
-                <a:ext uri="{FF2B5EF4-FFF2-40B4-BE49-F238E27FC236}">
-                  <a16:creationId xmlns:a16="http://schemas.microsoft.com/office/drawing/2014/main" id="{9400DCF3-F870-42BD-9169-1B4BD854DE1B}"/>
-                </a:ext>
-                <a:ext uri="{C183D7F6-B498-43B3-948B-1728B52AA6E4}">
-                  <adec:decorative xmlns:adec="http://schemas.microsoft.com/office/drawing/2017/decorative" val="1"/>
-                </a:ext>
-              </a:extLst>
-            </p:cNvPr>
-            <p:cNvSpPr/>
-            <p:nvPr>
-              <p:extLst>
-                <p:ext uri="{386F3935-93C4-4BCD-93E2-E3B085C9AB24}">
-                  <p16:designElem xmlns:p16="http://schemas.microsoft.com/office/powerpoint/2015/main" val="1"/>
-                </p:ext>
-              </p:extLst>
-            </p:nvPr>
-          </p:nvSpPr>
-          <p:spPr bwMode="auto">
-            <a:xfrm>
-              <a:off x="1627188" y="0"/>
-              <a:ext cx="1122363" cy="5329238"/>
-            </a:xfrm>
-            <a:custGeom>
-              <a:avLst/>
-              <a:gdLst/>
-              <a:ahLst/>
-              <a:cxnLst/>
-              <a:rect l="0" t="0" r="r" b="b"/>
-              <a:pathLst>
-                <a:path w="707" h="3357">
-                  <a:moveTo>
-                    <a:pt x="0" y="3330"/>
-                  </a:moveTo>
-                  <a:lnTo>
-                    <a:pt x="156" y="3357"/>
-                  </a:lnTo>
-                  <a:lnTo>
-                    <a:pt x="707" y="0"/>
-                  </a:lnTo>
-                  <a:lnTo>
-                    <a:pt x="547" y="0"/>
-                  </a:lnTo>
-                  <a:lnTo>
-                    <a:pt x="0" y="3330"/>
-                  </a:lnTo>
-                  <a:close/>
-                </a:path>
-              </a:pathLst>
-            </a:custGeom>
-            <a:solidFill>
-              <a:schemeClr val="accent1"/>
-            </a:solidFill>
-            <a:ln>
-              <a:noFill/>
-            </a:ln>
-          </p:spPr>
-        </p:sp>
-        <p:sp>
-          <p:nvSpPr>
-            <p:cNvPr id="141" name="Freeform 7">
-              <a:extLst>
-                <a:ext uri="{FF2B5EF4-FFF2-40B4-BE49-F238E27FC236}">
-                  <a16:creationId xmlns:a16="http://schemas.microsoft.com/office/drawing/2014/main" id="{BC4C6F6B-30DD-4B7F-8169-7A575C25C8C9}"/>
-                </a:ext>
-                <a:ext uri="{C183D7F6-B498-43B3-948B-1728B52AA6E4}">
-                  <adec:decorative xmlns:adec="http://schemas.microsoft.com/office/drawing/2017/decorative" val="1"/>
-                </a:ext>
-              </a:extLst>
-            </p:cNvPr>
-            <p:cNvSpPr/>
-            <p:nvPr>
-              <p:extLst>
-                <p:ext uri="{386F3935-93C4-4BCD-93E2-E3B085C9AB24}">
-                  <p16:designElem xmlns:p16="http://schemas.microsoft.com/office/powerpoint/2015/main" val="1"/>
-                </p:ext>
-              </p:extLst>
-            </p:nvPr>
-          </p:nvSpPr>
-          <p:spPr bwMode="auto">
-            <a:xfrm>
-              <a:off x="1320800" y="0"/>
-              <a:ext cx="1117600" cy="5276850"/>
-            </a:xfrm>
-            <a:custGeom>
-              <a:avLst/>
-              <a:gdLst/>
-              <a:ahLst/>
-              <a:cxnLst/>
-              <a:rect l="0" t="0" r="r" b="b"/>
-              <a:pathLst>
-                <a:path w="704" h="3324">
-                  <a:moveTo>
-                    <a:pt x="704" y="0"/>
-                  </a:moveTo>
-                  <a:lnTo>
-                    <a:pt x="545" y="0"/>
-                  </a:lnTo>
-                  <a:lnTo>
-                    <a:pt x="0" y="3300"/>
-                  </a:lnTo>
-                  <a:lnTo>
-                    <a:pt x="157" y="3324"/>
-                  </a:lnTo>
-                  <a:lnTo>
-                    <a:pt x="704" y="0"/>
-                  </a:lnTo>
-                  <a:close/>
-                </a:path>
-              </a:pathLst>
-            </a:custGeom>
-            <a:solidFill>
-              <a:schemeClr val="tx1">
-                <a:lumMod val="65000"/>
-                <a:lumOff val="35000"/>
-              </a:schemeClr>
-            </a:solidFill>
-            <a:ln>
-              <a:noFill/>
-            </a:ln>
-          </p:spPr>
-        </p:sp>
-        <p:sp>
-          <p:nvSpPr>
-            <p:cNvPr id="142" name="Freeform 8">
-              <a:extLst>
-                <a:ext uri="{FF2B5EF4-FFF2-40B4-BE49-F238E27FC236}">
-                  <a16:creationId xmlns:a16="http://schemas.microsoft.com/office/drawing/2014/main" id="{66C1E1CC-3625-43BC-98A8-A1C67FADC32E}"/>
-                </a:ext>
-                <a:ext uri="{C183D7F6-B498-43B3-948B-1728B52AA6E4}">
-                  <adec:decorative xmlns:adec="http://schemas.microsoft.com/office/drawing/2017/decorative" val="1"/>
-                </a:ext>
-              </a:extLst>
-            </p:cNvPr>
-            <p:cNvSpPr/>
-            <p:nvPr>
-              <p:extLst>
-                <p:ext uri="{386F3935-93C4-4BCD-93E2-E3B085C9AB24}">
-                  <p16:designElem xmlns:p16="http://schemas.microsoft.com/office/powerpoint/2015/main" val="1"/>
-                </p:ext>
-              </p:extLst>
-            </p:nvPr>
-          </p:nvSpPr>
-          <p:spPr bwMode="auto">
-            <a:xfrm>
-              <a:off x="1320800" y="5238750"/>
-              <a:ext cx="1228725" cy="1619250"/>
-            </a:xfrm>
-            <a:custGeom>
-              <a:avLst/>
-              <a:gdLst/>
-              <a:ahLst/>
-              <a:cxnLst/>
-              <a:rect l="0" t="0" r="r" b="b"/>
-              <a:pathLst>
-                <a:path w="774" h="1020">
-                  <a:moveTo>
-                    <a:pt x="0" y="0"/>
-                  </a:moveTo>
-                  <a:lnTo>
-                    <a:pt x="740" y="1020"/>
-                  </a:lnTo>
-                  <a:lnTo>
-                    <a:pt x="774" y="1020"/>
-                  </a:lnTo>
-                  <a:lnTo>
-                    <a:pt x="0" y="0"/>
-                  </a:lnTo>
-                  <a:close/>
-                </a:path>
-              </a:pathLst>
-            </a:custGeom>
-            <a:solidFill>
-              <a:schemeClr val="tx1">
-                <a:lumMod val="85000"/>
-                <a:lumOff val="15000"/>
-              </a:schemeClr>
-            </a:solidFill>
-            <a:ln>
-              <a:noFill/>
-            </a:ln>
-          </p:spPr>
-        </p:sp>
-        <p:sp>
-          <p:nvSpPr>
-            <p:cNvPr id="143" name="Freeform 9">
-              <a:extLst>
-                <a:ext uri="{FF2B5EF4-FFF2-40B4-BE49-F238E27FC236}">
-                  <a16:creationId xmlns:a16="http://schemas.microsoft.com/office/drawing/2014/main" id="{37C6358A-C557-444E-A1F5-149AD3B6C94F}"/>
-                </a:ext>
-                <a:ext uri="{C183D7F6-B498-43B3-948B-1728B52AA6E4}">
-                  <adec:decorative xmlns:adec="http://schemas.microsoft.com/office/drawing/2017/decorative" val="1"/>
-                </a:ext>
-              </a:extLst>
-            </p:cNvPr>
-            <p:cNvSpPr/>
-            <p:nvPr>
-              <p:extLst>
-                <p:ext uri="{386F3935-93C4-4BCD-93E2-E3B085C9AB24}">
-                  <p16:designElem xmlns:p16="http://schemas.microsoft.com/office/powerpoint/2015/main" val="1"/>
-                </p:ext>
-              </p:extLst>
-            </p:nvPr>
-          </p:nvSpPr>
-          <p:spPr bwMode="auto">
-            <a:xfrm>
-              <a:off x="1627188" y="5291138"/>
-              <a:ext cx="1495425" cy="1566863"/>
-            </a:xfrm>
-            <a:custGeom>
-              <a:avLst/>
-              <a:gdLst/>
-              <a:ahLst/>
-              <a:cxnLst/>
-              <a:rect l="0" t="0" r="r" b="b"/>
-              <a:pathLst>
-                <a:path w="942" h="987">
-                  <a:moveTo>
-                    <a:pt x="0" y="0"/>
-                  </a:moveTo>
-                  <a:lnTo>
-                    <a:pt x="909" y="987"/>
-                  </a:lnTo>
-                  <a:lnTo>
-                    <a:pt x="942" y="987"/>
-                  </a:lnTo>
-                  <a:lnTo>
-                    <a:pt x="0" y="0"/>
-                  </a:lnTo>
-                  <a:close/>
-                </a:path>
-              </a:pathLst>
-            </a:custGeom>
-            <a:solidFill>
-              <a:schemeClr val="accent1">
-                <a:lumMod val="50000"/>
-              </a:schemeClr>
-            </a:solidFill>
-            <a:ln>
-              <a:noFill/>
-            </a:ln>
-          </p:spPr>
-        </p:sp>
-        <p:sp>
-          <p:nvSpPr>
-            <p:cNvPr id="144" name="Freeform 10">
-              <a:extLst>
-                <a:ext uri="{FF2B5EF4-FFF2-40B4-BE49-F238E27FC236}">
-                  <a16:creationId xmlns:a16="http://schemas.microsoft.com/office/drawing/2014/main" id="{E1981B58-ABB6-4FEB-BE0A-17F8AD1B4DA6}"/>
-                </a:ext>
-                <a:ext uri="{C183D7F6-B498-43B3-948B-1728B52AA6E4}">
-                  <adec:decorative xmlns:adec="http://schemas.microsoft.com/office/drawing/2017/decorative" val="1"/>
-                </a:ext>
-              </a:extLst>
-            </p:cNvPr>
-            <p:cNvSpPr/>
-            <p:nvPr>
-              <p:extLst>
-                <p:ext uri="{386F3935-93C4-4BCD-93E2-E3B085C9AB24}">
-                  <p16:designElem xmlns:p16="http://schemas.microsoft.com/office/powerpoint/2015/main" val="1"/>
-                </p:ext>
-              </p:extLst>
-            </p:nvPr>
-          </p:nvSpPr>
-          <p:spPr bwMode="auto">
-            <a:xfrm>
-              <a:off x="1627188" y="5286375"/>
-              <a:ext cx="2130425" cy="1571625"/>
-            </a:xfrm>
-            <a:custGeom>
-              <a:avLst/>
-              <a:gdLst/>
-              <a:ahLst/>
-              <a:cxnLst/>
-              <a:rect l="0" t="0" r="r" b="b"/>
-              <a:pathLst>
-                <a:path w="1342" h="990">
-                  <a:moveTo>
-                    <a:pt x="0" y="3"/>
-                  </a:moveTo>
-                  <a:lnTo>
-                    <a:pt x="942" y="990"/>
-                  </a:lnTo>
-                  <a:lnTo>
-                    <a:pt x="1342" y="990"/>
-                  </a:lnTo>
-                  <a:lnTo>
-                    <a:pt x="156" y="27"/>
-                  </a:lnTo>
-                  <a:lnTo>
-                    <a:pt x="0" y="0"/>
-                  </a:lnTo>
-                  <a:lnTo>
-                    <a:pt x="0" y="3"/>
-                  </a:lnTo>
-                  <a:close/>
-                </a:path>
-              </a:pathLst>
-            </a:custGeom>
-            <a:solidFill>
-              <a:schemeClr val="accent1">
-                <a:lumMod val="75000"/>
-              </a:schemeClr>
-            </a:solidFill>
-            <a:ln>
-              <a:noFill/>
-            </a:ln>
-          </p:spPr>
-        </p:sp>
-        <p:sp>
-          <p:nvSpPr>
-            <p:cNvPr id="145" name="Freeform 11">
-              <a:extLst>
-                <a:ext uri="{FF2B5EF4-FFF2-40B4-BE49-F238E27FC236}">
-                  <a16:creationId xmlns:a16="http://schemas.microsoft.com/office/drawing/2014/main" id="{828B56B0-6617-4529-B84C-73B093A8F2E0}"/>
-                </a:ext>
-                <a:ext uri="{C183D7F6-B498-43B3-948B-1728B52AA6E4}">
-                  <adec:decorative xmlns:adec="http://schemas.microsoft.com/office/drawing/2017/decorative" val="1"/>
-                </a:ext>
-              </a:extLst>
-            </p:cNvPr>
-            <p:cNvSpPr/>
-            <p:nvPr>
-              <p:extLst>
-                <p:ext uri="{386F3935-93C4-4BCD-93E2-E3B085C9AB24}">
-                  <p16:designElem xmlns:p16="http://schemas.microsoft.com/office/powerpoint/2015/main" val="1"/>
-                </p:ext>
-              </p:extLst>
-            </p:nvPr>
-          </p:nvSpPr>
-          <p:spPr bwMode="auto">
-            <a:xfrm>
-              <a:off x="1320800" y="5238750"/>
-              <a:ext cx="1695450" cy="1619250"/>
-            </a:xfrm>
-            <a:custGeom>
-              <a:avLst/>
-              <a:gdLst/>
-              <a:ahLst/>
-              <a:cxnLst/>
-              <a:rect l="0" t="0" r="r" b="b"/>
-              <a:pathLst>
-                <a:path w="1068" h="1020">
-                  <a:moveTo>
-                    <a:pt x="1068" y="1020"/>
-                  </a:moveTo>
-                  <a:lnTo>
-                    <a:pt x="184" y="60"/>
-                  </a:lnTo>
-                  <a:lnTo>
-                    <a:pt x="154" y="27"/>
-                  </a:lnTo>
-                  <a:lnTo>
-                    <a:pt x="157" y="27"/>
-                  </a:lnTo>
-                  <a:lnTo>
-                    <a:pt x="157" y="24"/>
-                  </a:lnTo>
-                  <a:lnTo>
-                    <a:pt x="154" y="24"/>
-                  </a:lnTo>
-                  <a:lnTo>
-                    <a:pt x="0" y="0"/>
-                  </a:lnTo>
-                  <a:lnTo>
-                    <a:pt x="0" y="0"/>
-                  </a:lnTo>
-                  <a:lnTo>
-                    <a:pt x="774" y="1020"/>
-                  </a:lnTo>
-                  <a:lnTo>
-                    <a:pt x="1068" y="1020"/>
-                  </a:lnTo>
-                  <a:close/>
-                </a:path>
-              </a:pathLst>
-            </a:custGeom>
-            <a:solidFill>
-              <a:schemeClr val="tx1">
-                <a:lumMod val="75000"/>
-                <a:lumOff val="25000"/>
-              </a:schemeClr>
-            </a:solidFill>
-            <a:ln>
-              <a:noFill/>
-            </a:ln>
-          </p:spPr>
-        </p:sp>
-      </p:grpSp>
-      <p:graphicFrame>
-        <p:nvGraphicFramePr>
-          <p:cNvPr id="122" name="Google Shape;88;p18">
-            <a:extLst>
-              <a:ext uri="{FF2B5EF4-FFF2-40B4-BE49-F238E27FC236}">
-                <a16:creationId xmlns:a16="http://schemas.microsoft.com/office/drawing/2014/main" id="{BB7248B8-7938-499A-B158-9EC52C21A297}"/>
-              </a:ext>
-            </a:extLst>
-          </p:cNvPr>
-          <p:cNvGraphicFramePr/>
-          <p:nvPr>
-            <p:extLst>
-              <p:ext uri="{D42A27DB-BD31-4B8C-83A1-F6EECF244321}">
-                <p14:modId xmlns:p14="http://schemas.microsoft.com/office/powerpoint/2010/main" val="1210792024"/>
-              </p:ext>
-            </p:extLst>
-          </p:nvPr>
-        </p:nvGraphicFramePr>
-        <p:xfrm>
-          <a:off x="3757612" y="514350"/>
-          <a:ext cx="4869656" cy="3829050"/>
-        </p:xfrm>
-        <a:graphic>
-          <a:graphicData uri="http://schemas.openxmlformats.org/drawingml/2006/diagram">
-            <dgm:relIds xmlns:dgm="http://schemas.openxmlformats.org/drawingml/2006/diagram" xmlns:r="http://schemas.openxmlformats.org/officeDocument/2006/relationships" r:dm="rId3" r:lo="rId4" r:qs="rId5" r:cs="rId6"/>
-          </a:graphicData>
-        </a:graphic>
-      </p:graphicFrame>
-    </p:spTree>
-  </p:cSld>
-  <p:clrMapOvr>
-    <a:overrideClrMapping bg1="lt1" tx1="dk1" bg2="lt2" tx2="dk2" accent1="accent1" accent2="accent2" accent3="accent3" accent4="accent4" accent5="accent5" accent6="accent6" hlink="hlink" folHlink="folHlink"/>
-  </p:clrMapOvr>
-</p:sld>
-</file>
-
 <file path=ppt/theme/theme1.xml><?xml version="1.0" encoding="utf-8"?>
 <a:theme xmlns:a="http://schemas.openxmlformats.org/drawingml/2006/main" name="Parallax">
   <a:themeElements>
